--- a/Class 4 字串、串列、迭代.pptx
+++ b/Class 4 字串、串列、迭代.pptx
@@ -25,61 +25,67 @@
     <p:sldId id="274" r:id="rId19"/>
     <p:sldId id="275" r:id="rId20"/>
     <p:sldId id="276" r:id="rId21"/>
-    <p:sldId id="280" r:id="rId22"/>
-    <p:sldId id="279" r:id="rId23"/>
-    <p:sldId id="281" r:id="rId24"/>
-    <p:sldId id="282" r:id="rId25"/>
-    <p:sldId id="283" r:id="rId26"/>
-    <p:sldId id="284" r:id="rId27"/>
-    <p:sldId id="285" r:id="rId28"/>
-    <p:sldId id="286" r:id="rId29"/>
-    <p:sldId id="287" r:id="rId30"/>
-    <p:sldId id="288" r:id="rId31"/>
-    <p:sldId id="289" r:id="rId32"/>
-    <p:sldId id="290" r:id="rId33"/>
-    <p:sldId id="291" r:id="rId34"/>
-    <p:sldId id="292" r:id="rId35"/>
-    <p:sldId id="293" r:id="rId36"/>
-    <p:sldId id="294" r:id="rId37"/>
-    <p:sldId id="295" r:id="rId38"/>
-    <p:sldId id="308" r:id="rId39"/>
-    <p:sldId id="297" r:id="rId40"/>
-    <p:sldId id="296" r:id="rId41"/>
-    <p:sldId id="298" r:id="rId42"/>
-    <p:sldId id="300" r:id="rId43"/>
-    <p:sldId id="299" r:id="rId44"/>
-    <p:sldId id="302" r:id="rId45"/>
-    <p:sldId id="301" r:id="rId46"/>
-    <p:sldId id="305" r:id="rId47"/>
-    <p:sldId id="310" r:id="rId48"/>
-    <p:sldId id="311" r:id="rId49"/>
-    <p:sldId id="312" r:id="rId50"/>
-    <p:sldId id="313" r:id="rId51"/>
-    <p:sldId id="314" r:id="rId52"/>
-    <p:sldId id="307" r:id="rId53"/>
-    <p:sldId id="315" r:id="rId54"/>
-    <p:sldId id="316" r:id="rId55"/>
-    <p:sldId id="317" r:id="rId56"/>
-    <p:sldId id="306" r:id="rId57"/>
-    <p:sldId id="309" r:id="rId58"/>
+    <p:sldId id="318" r:id="rId22"/>
+    <p:sldId id="319" r:id="rId23"/>
+    <p:sldId id="320" r:id="rId24"/>
+    <p:sldId id="321" r:id="rId25"/>
+    <p:sldId id="322" r:id="rId26"/>
+    <p:sldId id="280" r:id="rId27"/>
+    <p:sldId id="279" r:id="rId28"/>
+    <p:sldId id="281" r:id="rId29"/>
+    <p:sldId id="282" r:id="rId30"/>
+    <p:sldId id="283" r:id="rId31"/>
+    <p:sldId id="284" r:id="rId32"/>
+    <p:sldId id="285" r:id="rId33"/>
+    <p:sldId id="286" r:id="rId34"/>
+    <p:sldId id="287" r:id="rId35"/>
+    <p:sldId id="288" r:id="rId36"/>
+    <p:sldId id="289" r:id="rId37"/>
+    <p:sldId id="290" r:id="rId38"/>
+    <p:sldId id="291" r:id="rId39"/>
+    <p:sldId id="323" r:id="rId40"/>
+    <p:sldId id="292" r:id="rId41"/>
+    <p:sldId id="293" r:id="rId42"/>
+    <p:sldId id="294" r:id="rId43"/>
+    <p:sldId id="295" r:id="rId44"/>
+    <p:sldId id="308" r:id="rId45"/>
+    <p:sldId id="297" r:id="rId46"/>
+    <p:sldId id="296" r:id="rId47"/>
+    <p:sldId id="298" r:id="rId48"/>
+    <p:sldId id="300" r:id="rId49"/>
+    <p:sldId id="299" r:id="rId50"/>
+    <p:sldId id="302" r:id="rId51"/>
+    <p:sldId id="301" r:id="rId52"/>
+    <p:sldId id="305" r:id="rId53"/>
+    <p:sldId id="310" r:id="rId54"/>
+    <p:sldId id="311" r:id="rId55"/>
+    <p:sldId id="312" r:id="rId56"/>
+    <p:sldId id="313" r:id="rId57"/>
+    <p:sldId id="314" r:id="rId58"/>
+    <p:sldId id="307" r:id="rId59"/>
+    <p:sldId id="315" r:id="rId60"/>
+    <p:sldId id="316" r:id="rId61"/>
+    <p:sldId id="317" r:id="rId62"/>
+    <p:sldId id="306" r:id="rId63"/>
+    <p:sldId id="309" r:id="rId64"/>
   </p:sldIdLst>
   <p:sldSz cx="12192000" cy="6858000"/>
   <p:notesSz cx="6858000" cy="9144000"/>
   <p:embeddedFontLst>
     <p:embeddedFont>
       <p:font typeface="Consolas" panose="020B0609020204030204" pitchFamily="49" charset="0"/>
-      <p:regular r:id="rId59"/>
-      <p:bold r:id="rId60"/>
-      <p:italic r:id="rId61"/>
-      <p:boldItalic r:id="rId62"/>
+      <p:regular r:id="rId65"/>
+      <p:bold r:id="rId66"/>
+      <p:italic r:id="rId67"/>
+      <p:boldItalic r:id="rId68"/>
     </p:embeddedFont>
     <p:embeddedFont>
       <p:font typeface="Wingdings 2" panose="05020102010507070707" pitchFamily="18" charset="2"/>
-      <p:regular r:id="rId63"/>
+      <p:regular r:id="rId69"/>
     </p:embeddedFont>
     <p:embeddedFont>
       <p:font typeface="源流明體 SB" panose="02020600000000000000" pitchFamily="18" charset="-120"/>
-      <p:bold r:id="rId64"/>
+      <p:bold r:id="rId70"/>
     </p:embeddedFont>
   </p:embeddedFontLst>
   <p:defaultTextStyle>
@@ -364,7 +370,7 @@
           <a:p>
             <a:fld id="{5BBD40F8-868B-42D9-86AD-BC59E6FB5EF5}" type="datetimeFigureOut">
               <a:rPr lang="zh-TW" altLang="en-US" smtClean="0"/>
-              <a:t>2022/10/6</a:t>
+              <a:t>2022/10/19</a:t>
             </a:fld>
             <a:endParaRPr lang="zh-TW" altLang="en-US"/>
           </a:p>
@@ -592,7 +598,7 @@
           <a:p>
             <a:fld id="{5BBD40F8-868B-42D9-86AD-BC59E6FB5EF5}" type="datetimeFigureOut">
               <a:rPr lang="zh-TW" altLang="en-US" smtClean="0"/>
-              <a:t>2022/10/6</a:t>
+              <a:t>2022/10/19</a:t>
             </a:fld>
             <a:endParaRPr lang="zh-TW" altLang="en-US"/>
           </a:p>
@@ -772,7 +778,7 @@
           <a:p>
             <a:fld id="{5BBD40F8-868B-42D9-86AD-BC59E6FB5EF5}" type="datetimeFigureOut">
               <a:rPr lang="zh-TW" altLang="en-US" smtClean="0"/>
-              <a:t>2022/10/6</a:t>
+              <a:t>2022/10/19</a:t>
             </a:fld>
             <a:endParaRPr lang="zh-TW" altLang="en-US"/>
           </a:p>
@@ -942,7 +948,7 @@
           <a:p>
             <a:fld id="{5BBD40F8-868B-42D9-86AD-BC59E6FB5EF5}" type="datetimeFigureOut">
               <a:rPr lang="zh-TW" altLang="en-US" smtClean="0"/>
-              <a:t>2022/10/6</a:t>
+              <a:t>2022/10/19</a:t>
             </a:fld>
             <a:endParaRPr lang="zh-TW" altLang="en-US"/>
           </a:p>
@@ -1196,7 +1202,7 @@
           <a:p>
             <a:fld id="{5BBD40F8-868B-42D9-86AD-BC59E6FB5EF5}" type="datetimeFigureOut">
               <a:rPr lang="zh-TW" altLang="en-US" smtClean="0"/>
-              <a:t>2022/10/6</a:t>
+              <a:t>2022/10/19</a:t>
             </a:fld>
             <a:endParaRPr lang="zh-TW" altLang="en-US"/>
           </a:p>
@@ -1522,7 +1528,7 @@
           <a:p>
             <a:fld id="{5BBD40F8-868B-42D9-86AD-BC59E6FB5EF5}" type="datetimeFigureOut">
               <a:rPr lang="zh-TW" altLang="en-US" smtClean="0"/>
-              <a:t>2022/10/6</a:t>
+              <a:t>2022/10/19</a:t>
             </a:fld>
             <a:endParaRPr lang="zh-TW" altLang="en-US"/>
           </a:p>
@@ -1973,7 +1979,7 @@
           <a:p>
             <a:fld id="{5BBD40F8-868B-42D9-86AD-BC59E6FB5EF5}" type="datetimeFigureOut">
               <a:rPr lang="zh-TW" altLang="en-US" smtClean="0"/>
-              <a:t>2022/10/6</a:t>
+              <a:t>2022/10/19</a:t>
             </a:fld>
             <a:endParaRPr lang="zh-TW" altLang="en-US"/>
           </a:p>
@@ -2091,7 +2097,7 @@
           <a:p>
             <a:fld id="{5BBD40F8-868B-42D9-86AD-BC59E6FB5EF5}" type="datetimeFigureOut">
               <a:rPr lang="zh-TW" altLang="en-US" smtClean="0"/>
-              <a:t>2022/10/6</a:t>
+              <a:t>2022/10/19</a:t>
             </a:fld>
             <a:endParaRPr lang="zh-TW" altLang="en-US"/>
           </a:p>
@@ -2186,7 +2192,7 @@
           <a:p>
             <a:fld id="{5BBD40F8-868B-42D9-86AD-BC59E6FB5EF5}" type="datetimeFigureOut">
               <a:rPr lang="zh-TW" altLang="en-US" smtClean="0"/>
-              <a:t>2022/10/6</a:t>
+              <a:t>2022/10/19</a:t>
             </a:fld>
             <a:endParaRPr lang="zh-TW" altLang="en-US"/>
           </a:p>
@@ -2473,7 +2479,7 @@
           <a:p>
             <a:fld id="{5BBD40F8-868B-42D9-86AD-BC59E6FB5EF5}" type="datetimeFigureOut">
               <a:rPr lang="zh-TW" altLang="en-US" smtClean="0"/>
-              <a:t>2022/10/6</a:t>
+              <a:t>2022/10/19</a:t>
             </a:fld>
             <a:endParaRPr lang="zh-TW" altLang="en-US"/>
           </a:p>
@@ -2795,7 +2801,7 @@
           <a:p>
             <a:fld id="{5BBD40F8-868B-42D9-86AD-BC59E6FB5EF5}" type="datetimeFigureOut">
               <a:rPr lang="zh-TW" altLang="en-US" smtClean="0"/>
-              <a:t>2022/10/6</a:t>
+              <a:t>2022/10/19</a:t>
             </a:fld>
             <a:endParaRPr lang="zh-TW" altLang="en-US"/>
           </a:p>
@@ -3049,7 +3055,7 @@
           <a:p>
             <a:fld id="{5BBD40F8-868B-42D9-86AD-BC59E6FB5EF5}" type="datetimeFigureOut">
               <a:rPr lang="zh-TW" altLang="en-US" smtClean="0"/>
-              <a:t>2022/10/6</a:t>
+              <a:t>2022/10/19</a:t>
             </a:fld>
             <a:endParaRPr lang="zh-TW" altLang="en-US"/>
           </a:p>
@@ -9997,6 +10003,1324 @@
           <p:cNvPr id="2" name="標題 1">
             <a:extLst>
               <a:ext uri="{FF2B5EF4-FFF2-40B4-BE49-F238E27FC236}">
+                <a16:creationId xmlns:a16="http://schemas.microsoft.com/office/drawing/2014/main" id="{E8A35C34-FBDF-4F7A-BC79-28A99C100388}"/>
+              </a:ext>
+            </a:extLst>
+          </p:cNvPr>
+          <p:cNvSpPr>
+            <a:spLocks noGrp="1"/>
+          </p:cNvSpPr>
+          <p:nvPr>
+            <p:ph type="title"/>
+          </p:nvPr>
+        </p:nvSpPr>
+        <p:spPr/>
+        <p:txBody>
+          <a:bodyPr/>
+          <a:lstStyle/>
+          <a:p>
+            <a:r>
+              <a:rPr lang="zh-TW" altLang="en-US"/>
+              <a:t>格式化字串 </a:t>
+            </a:r>
+            <a:r>
+              <a:rPr lang="en-US" altLang="zh-TW"/>
+              <a:t>string</a:t>
+            </a:r>
+            <a:r>
+              <a:rPr lang="zh-TW" altLang="en-US"/>
+              <a:t> </a:t>
+            </a:r>
+            <a:r>
+              <a:rPr lang="en-US" altLang="zh-TW"/>
+              <a:t>formatting</a:t>
+            </a:r>
+            <a:endParaRPr lang="zh-TW" altLang="en-US"/>
+          </a:p>
+        </p:txBody>
+      </p:sp>
+      <p:sp>
+        <p:nvSpPr>
+          <p:cNvPr id="3" name="內容版面配置區 2">
+            <a:extLst>
+              <a:ext uri="{FF2B5EF4-FFF2-40B4-BE49-F238E27FC236}">
+                <a16:creationId xmlns:a16="http://schemas.microsoft.com/office/drawing/2014/main" id="{E3AD86FE-DA05-4CC2-BCCD-2CD8752B949E}"/>
+              </a:ext>
+            </a:extLst>
+          </p:cNvPr>
+          <p:cNvSpPr>
+            <a:spLocks noGrp="1"/>
+          </p:cNvSpPr>
+          <p:nvPr>
+            <p:ph idx="1"/>
+          </p:nvPr>
+        </p:nvSpPr>
+        <p:spPr/>
+        <p:txBody>
+          <a:bodyPr>
+            <a:normAutofit/>
+          </a:bodyPr>
+          <a:lstStyle/>
+          <a:p>
+            <a:pPr marL="0" indent="0">
+              <a:buNone/>
+            </a:pPr>
+            <a:endParaRPr lang="en-US" altLang="zh-TW" sz="2800"/>
+          </a:p>
+          <a:p>
+            <a:pPr marL="0" indent="0">
+              <a:buNone/>
+            </a:pPr>
+            <a:r>
+              <a:rPr lang="zh-TW" altLang="en-US" sz="2800" u="sng"/>
+              <a:t>變數內容</a:t>
+            </a:r>
+            <a:r>
+              <a:rPr lang="zh-TW" altLang="en-US" sz="2800"/>
+              <a:t>或</a:t>
+            </a:r>
+            <a:r>
+              <a:rPr lang="zh-TW" altLang="en-US" sz="2800" u="sng"/>
+              <a:t>數值</a:t>
+            </a:r>
+            <a:r>
+              <a:rPr lang="zh-TW" altLang="en-US" sz="2800"/>
+              <a:t>成為字串的一部份</a:t>
+            </a:r>
+            <a:endParaRPr lang="en-US" altLang="zh-TW" sz="2800"/>
+          </a:p>
+          <a:p>
+            <a:pPr marL="0" indent="0">
+              <a:buNone/>
+            </a:pPr>
+            <a:endParaRPr lang="en-US" altLang="zh-TW" sz="2800"/>
+          </a:p>
+          <a:p>
+            <a:pPr marL="514350" indent="-514350">
+              <a:buAutoNum type="arabicPeriod"/>
+            </a:pPr>
+            <a:r>
+              <a:rPr lang="zh-TW" altLang="en-US" sz="2800"/>
+              <a:t>使用 </a:t>
+            </a:r>
+            <a:r>
+              <a:rPr lang="en-US" altLang="zh-TW" sz="2800"/>
+              <a:t>C</a:t>
+            </a:r>
+            <a:r>
+              <a:rPr lang="zh-TW" altLang="en-US" sz="2800"/>
+              <a:t> </a:t>
+            </a:r>
+            <a:r>
+              <a:rPr lang="en-US" altLang="zh-TW" sz="2800"/>
+              <a:t>style formatting (%)</a:t>
+            </a:r>
+          </a:p>
+          <a:p>
+            <a:pPr marL="514350" indent="-514350">
+              <a:buAutoNum type="arabicPeriod"/>
+            </a:pPr>
+            <a:r>
+              <a:rPr lang="zh-TW" altLang="en-US" sz="2800"/>
+              <a:t>使用 </a:t>
+            </a:r>
+            <a:r>
+              <a:rPr lang="en-US" altLang="zh-TW" sz="2800"/>
+              <a:t>str.format() </a:t>
+            </a:r>
+            <a:r>
+              <a:rPr lang="zh-TW" altLang="en-US" sz="2800"/>
+              <a:t>函數</a:t>
+            </a:r>
+            <a:endParaRPr lang="en-US" altLang="zh-TW" sz="2800">
+              <a:solidFill>
+                <a:schemeClr val="bg1">
+                  <a:lumMod val="65000"/>
+                </a:schemeClr>
+              </a:solidFill>
+            </a:endParaRPr>
+          </a:p>
+          <a:p>
+            <a:pPr marL="514350" indent="-514350">
+              <a:buAutoNum type="arabicPeriod"/>
+            </a:pPr>
+            <a:r>
+              <a:rPr lang="zh-TW" altLang="en-US" sz="2800"/>
+              <a:t>使用 </a:t>
+            </a:r>
+            <a:r>
+              <a:rPr lang="en-US" altLang="zh-TW" sz="2800"/>
+              <a:t>f'</a:t>
+            </a:r>
+            <a:r>
+              <a:rPr lang="zh-TW" altLang="en-US" sz="2800"/>
+              <a:t> </a:t>
+            </a:r>
+            <a:r>
+              <a:rPr lang="en-US" altLang="zh-TW" sz="2800"/>
+              <a:t>' </a:t>
+            </a:r>
+            <a:r>
+              <a:rPr lang="zh-TW" altLang="en-US" sz="2800"/>
+              <a:t>表示</a:t>
+            </a:r>
+          </a:p>
+        </p:txBody>
+      </p:sp>
+    </p:spTree>
+    <p:extLst>
+      <p:ext uri="{BB962C8B-B14F-4D97-AF65-F5344CB8AC3E}">
+        <p14:creationId xmlns:p14="http://schemas.microsoft.com/office/powerpoint/2010/main" val="3601245192"/>
+      </p:ext>
+    </p:extLst>
+  </p:cSld>
+  <p:clrMapOvr>
+    <a:masterClrMapping/>
+  </p:clrMapOvr>
+</p:sld>
+</file>
+
+<file path=ppt/slides/slide22.xml><?xml version="1.0" encoding="utf-8"?>
+<p:sld xmlns:a="http://schemas.openxmlformats.org/drawingml/2006/main" xmlns:r="http://schemas.openxmlformats.org/officeDocument/2006/relationships" xmlns:p="http://schemas.openxmlformats.org/presentationml/2006/main">
+  <p:cSld>
+    <p:spTree>
+      <p:nvGrpSpPr>
+        <p:cNvPr id="1" name=""/>
+        <p:cNvGrpSpPr/>
+        <p:nvPr/>
+      </p:nvGrpSpPr>
+      <p:grpSpPr>
+        <a:xfrm>
+          <a:off x="0" y="0"/>
+          <a:ext cx="0" cy="0"/>
+          <a:chOff x="0" y="0"/>
+          <a:chExt cx="0" cy="0"/>
+        </a:xfrm>
+      </p:grpSpPr>
+      <p:sp>
+        <p:nvSpPr>
+          <p:cNvPr id="2" name="標題 1">
+            <a:extLst>
+              <a:ext uri="{FF2B5EF4-FFF2-40B4-BE49-F238E27FC236}">
+                <a16:creationId xmlns:a16="http://schemas.microsoft.com/office/drawing/2014/main" id="{7525D4E5-4674-48F4-AA70-D9104A27B494}"/>
+              </a:ext>
+            </a:extLst>
+          </p:cNvPr>
+          <p:cNvSpPr>
+            <a:spLocks noGrp="1"/>
+          </p:cNvSpPr>
+          <p:nvPr>
+            <p:ph type="title"/>
+          </p:nvPr>
+        </p:nvSpPr>
+        <p:spPr/>
+        <p:txBody>
+          <a:bodyPr/>
+          <a:lstStyle/>
+          <a:p>
+            <a:r>
+              <a:rPr lang="zh-TW" altLang="en-US"/>
+              <a:t>使用 </a:t>
+            </a:r>
+            <a:r>
+              <a:rPr lang="en-US" altLang="zh-TW"/>
+              <a:t>C</a:t>
+            </a:r>
+            <a:r>
+              <a:rPr lang="zh-TW" altLang="en-US"/>
+              <a:t> </a:t>
+            </a:r>
+            <a:r>
+              <a:rPr lang="en-US" altLang="zh-TW"/>
+              <a:t>style formatting (%)</a:t>
+            </a:r>
+            <a:endParaRPr lang="zh-TW" altLang="en-US"/>
+          </a:p>
+        </p:txBody>
+      </p:sp>
+      <p:sp>
+        <p:nvSpPr>
+          <p:cNvPr id="3" name="內容版面配置區 2">
+            <a:extLst>
+              <a:ext uri="{FF2B5EF4-FFF2-40B4-BE49-F238E27FC236}">
+                <a16:creationId xmlns:a16="http://schemas.microsoft.com/office/drawing/2014/main" id="{47FB48C4-86CB-4F0E-90CD-29E7F09C60A6}"/>
+              </a:ext>
+            </a:extLst>
+          </p:cNvPr>
+          <p:cNvSpPr>
+            <a:spLocks noGrp="1"/>
+          </p:cNvSpPr>
+          <p:nvPr>
+            <p:ph idx="1"/>
+          </p:nvPr>
+        </p:nvSpPr>
+        <p:spPr>
+          <a:xfrm>
+            <a:off x="1261871" y="1828800"/>
+            <a:ext cx="9270661" cy="4351337"/>
+          </a:xfrm>
+        </p:spPr>
+        <p:txBody>
+          <a:bodyPr>
+            <a:normAutofit/>
+          </a:bodyPr>
+          <a:lstStyle/>
+          <a:p>
+            <a:pPr marL="0" indent="0">
+              <a:buNone/>
+            </a:pPr>
+            <a:r>
+              <a:rPr lang="en-US" altLang="zh-TW" sz="2800"/>
+              <a:t>%d </a:t>
+            </a:r>
+            <a:r>
+              <a:rPr lang="zh-TW" altLang="en-US" sz="2800"/>
+              <a:t>→ 整數</a:t>
+            </a:r>
+            <a:endParaRPr lang="en-US" altLang="zh-TW" sz="2800"/>
+          </a:p>
+          <a:p>
+            <a:pPr marL="0" indent="0">
+              <a:buNone/>
+            </a:pPr>
+            <a:r>
+              <a:rPr lang="en-US" altLang="zh-TW" sz="2800"/>
+              <a:t>%f </a:t>
+            </a:r>
+            <a:r>
+              <a:rPr lang="zh-TW" altLang="en-US" sz="2800"/>
+              <a:t>→ 浮點數</a:t>
+            </a:r>
+            <a:endParaRPr lang="en-US" altLang="zh-TW" sz="2800"/>
+          </a:p>
+          <a:p>
+            <a:pPr marL="0" indent="0">
+              <a:buNone/>
+            </a:pPr>
+            <a:r>
+              <a:rPr lang="en-US" altLang="zh-TW" sz="2800"/>
+              <a:t>%s </a:t>
+            </a:r>
+            <a:r>
+              <a:rPr lang="zh-TW" altLang="en-US" sz="2800"/>
+              <a:t>→ 字串</a:t>
+            </a:r>
+            <a:endParaRPr lang="en-US" altLang="zh-TW" sz="2800"/>
+          </a:p>
+          <a:p>
+            <a:pPr marL="0" indent="0">
+              <a:buNone/>
+            </a:pPr>
+            <a:endParaRPr lang="en-US" altLang="zh-TW" sz="2800"/>
+          </a:p>
+          <a:p>
+            <a:pPr marL="0" indent="0">
+              <a:buNone/>
+            </a:pPr>
+            <a:r>
+              <a:rPr lang="en-US" altLang="zh-TW" sz="2800"/>
+              <a:t>%</a:t>
+            </a:r>
+            <a:r>
+              <a:rPr lang="en-US" altLang="zh-TW" sz="2800">
+                <a:solidFill>
+                  <a:srgbClr val="FF0000"/>
+                </a:solidFill>
+              </a:rPr>
+              <a:t>n</a:t>
+            </a:r>
+            <a:r>
+              <a:rPr lang="en-US" altLang="zh-TW" sz="2800"/>
+              <a:t>d / %</a:t>
+            </a:r>
+            <a:r>
+              <a:rPr lang="en-US" altLang="zh-TW" sz="2800">
+                <a:solidFill>
+                  <a:srgbClr val="FF0000"/>
+                </a:solidFill>
+              </a:rPr>
+              <a:t>n</a:t>
+            </a:r>
+            <a:r>
+              <a:rPr lang="en-US" altLang="zh-TW" sz="2800"/>
+              <a:t>f / %</a:t>
+            </a:r>
+            <a:r>
+              <a:rPr lang="en-US" altLang="zh-TW" sz="2800">
+                <a:solidFill>
+                  <a:srgbClr val="FF0000"/>
+                </a:solidFill>
+              </a:rPr>
+              <a:t>n</a:t>
+            </a:r>
+            <a:r>
+              <a:rPr lang="en-US" altLang="zh-TW" sz="2800"/>
+              <a:t>s </a:t>
+            </a:r>
+            <a:r>
+              <a:rPr lang="zh-TW" altLang="en-US" sz="2800"/>
+              <a:t>→ 使長度為 </a:t>
+            </a:r>
+            <a:r>
+              <a:rPr lang="en-US" altLang="zh-TW" sz="2800">
+                <a:solidFill>
+                  <a:srgbClr val="FF0000"/>
+                </a:solidFill>
+              </a:rPr>
+              <a:t>n</a:t>
+            </a:r>
+            <a:r>
+              <a:rPr lang="zh-TW" altLang="en-US" sz="2800"/>
+              <a:t>，不足填入空白字元</a:t>
+            </a:r>
+            <a:endParaRPr lang="en-US" altLang="zh-TW" sz="2800"/>
+          </a:p>
+          <a:p>
+            <a:pPr marL="0" indent="0">
+              <a:buNone/>
+            </a:pPr>
+            <a:r>
+              <a:rPr lang="en-US" altLang="zh-TW" sz="2800"/>
+              <a:t>%</a:t>
+            </a:r>
+            <a:r>
+              <a:rPr lang="en-US" altLang="zh-TW" sz="2800">
+                <a:solidFill>
+                  <a:srgbClr val="FF0000"/>
+                </a:solidFill>
+              </a:rPr>
+              <a:t>-n</a:t>
+            </a:r>
+            <a:r>
+              <a:rPr lang="en-US" altLang="zh-TW" sz="2800"/>
+              <a:t>d / %</a:t>
+            </a:r>
+            <a:r>
+              <a:rPr lang="en-US" altLang="zh-TW" sz="2800">
+                <a:solidFill>
+                  <a:srgbClr val="FF0000"/>
+                </a:solidFill>
+              </a:rPr>
+              <a:t>-n</a:t>
+            </a:r>
+            <a:r>
+              <a:rPr lang="en-US" altLang="zh-TW" sz="2800"/>
+              <a:t>f / %</a:t>
+            </a:r>
+            <a:r>
+              <a:rPr lang="en-US" altLang="zh-TW" sz="2800">
+                <a:solidFill>
+                  <a:srgbClr val="FF0000"/>
+                </a:solidFill>
+              </a:rPr>
+              <a:t>-n</a:t>
+            </a:r>
+            <a:r>
+              <a:rPr lang="en-US" altLang="zh-TW" sz="2800"/>
+              <a:t>s </a:t>
+            </a:r>
+            <a:r>
+              <a:rPr lang="zh-TW" altLang="en-US" sz="2800"/>
+              <a:t>→ 同上，靠左輸出</a:t>
+            </a:r>
+            <a:endParaRPr lang="en-US" altLang="zh-TW" sz="2800"/>
+          </a:p>
+          <a:p>
+            <a:pPr marL="0" indent="0">
+              <a:buNone/>
+            </a:pPr>
+            <a:r>
+              <a:rPr lang="en-US" altLang="zh-TW" sz="2800"/>
+              <a:t>%</a:t>
+            </a:r>
+            <a:r>
+              <a:rPr lang="en-US" altLang="zh-TW" sz="2800">
+                <a:solidFill>
+                  <a:srgbClr val="FF0000"/>
+                </a:solidFill>
+              </a:rPr>
+              <a:t>n</a:t>
+            </a:r>
+            <a:r>
+              <a:rPr lang="en-US" altLang="zh-TW" sz="2800">
+                <a:solidFill>
+                  <a:srgbClr val="0070C0"/>
+                </a:solidFill>
+              </a:rPr>
+              <a:t>.m</a:t>
+            </a:r>
+            <a:r>
+              <a:rPr lang="en-US" altLang="zh-TW" sz="2800"/>
+              <a:t>f </a:t>
+            </a:r>
+            <a:r>
+              <a:rPr lang="zh-TW" altLang="en-US" sz="2800"/>
+              <a:t>→ 四捨五入到小數點後到第 </a:t>
+            </a:r>
+            <a:r>
+              <a:rPr lang="en-US" altLang="zh-TW" sz="2800">
+                <a:solidFill>
+                  <a:srgbClr val="0070C0"/>
+                </a:solidFill>
+              </a:rPr>
+              <a:t>m</a:t>
+            </a:r>
+            <a:r>
+              <a:rPr lang="en-US" altLang="zh-TW" sz="2800"/>
+              <a:t> </a:t>
+            </a:r>
+            <a:r>
+              <a:rPr lang="zh-TW" altLang="en-US" sz="2800"/>
+              <a:t>位，總長度為 </a:t>
+            </a:r>
+            <a:r>
+              <a:rPr lang="en-US" altLang="zh-TW" sz="2800">
+                <a:solidFill>
+                  <a:srgbClr val="FF0000"/>
+                </a:solidFill>
+              </a:rPr>
+              <a:t>n</a:t>
+            </a:r>
+          </a:p>
+        </p:txBody>
+      </p:sp>
+    </p:spTree>
+    <p:extLst>
+      <p:ext uri="{BB962C8B-B14F-4D97-AF65-F5344CB8AC3E}">
+        <p14:creationId xmlns:p14="http://schemas.microsoft.com/office/powerpoint/2010/main" val="3801365198"/>
+      </p:ext>
+    </p:extLst>
+  </p:cSld>
+  <p:clrMapOvr>
+    <a:masterClrMapping/>
+  </p:clrMapOvr>
+</p:sld>
+</file>
+
+<file path=ppt/slides/slide23.xml><?xml version="1.0" encoding="utf-8"?>
+<p:sld xmlns:a="http://schemas.openxmlformats.org/drawingml/2006/main" xmlns:r="http://schemas.openxmlformats.org/officeDocument/2006/relationships" xmlns:p="http://schemas.openxmlformats.org/presentationml/2006/main">
+  <p:cSld>
+    <p:spTree>
+      <p:nvGrpSpPr>
+        <p:cNvPr id="1" name=""/>
+        <p:cNvGrpSpPr/>
+        <p:nvPr/>
+      </p:nvGrpSpPr>
+      <p:grpSpPr>
+        <a:xfrm>
+          <a:off x="0" y="0"/>
+          <a:ext cx="0" cy="0"/>
+          <a:chOff x="0" y="0"/>
+          <a:chExt cx="0" cy="0"/>
+        </a:xfrm>
+      </p:grpSpPr>
+      <p:sp>
+        <p:nvSpPr>
+          <p:cNvPr id="2" name="標題 1">
+            <a:extLst>
+              <a:ext uri="{FF2B5EF4-FFF2-40B4-BE49-F238E27FC236}">
+                <a16:creationId xmlns:a16="http://schemas.microsoft.com/office/drawing/2014/main" id="{7525D4E5-4674-48F4-AA70-D9104A27B494}"/>
+              </a:ext>
+            </a:extLst>
+          </p:cNvPr>
+          <p:cNvSpPr>
+            <a:spLocks noGrp="1"/>
+          </p:cNvSpPr>
+          <p:nvPr>
+            <p:ph type="title"/>
+          </p:nvPr>
+        </p:nvSpPr>
+        <p:spPr/>
+        <p:txBody>
+          <a:bodyPr/>
+          <a:lstStyle/>
+          <a:p>
+            <a:r>
+              <a:rPr lang="zh-TW" altLang="en-US"/>
+              <a:t>使用 </a:t>
+            </a:r>
+            <a:r>
+              <a:rPr lang="en-US" altLang="zh-TW"/>
+              <a:t>C</a:t>
+            </a:r>
+            <a:r>
+              <a:rPr lang="zh-TW" altLang="en-US"/>
+              <a:t> </a:t>
+            </a:r>
+            <a:r>
+              <a:rPr lang="en-US" altLang="zh-TW"/>
+              <a:t>style formatting (%)</a:t>
+            </a:r>
+            <a:endParaRPr lang="zh-TW" altLang="en-US"/>
+          </a:p>
+        </p:txBody>
+      </p:sp>
+      <p:sp>
+        <p:nvSpPr>
+          <p:cNvPr id="3" name="內容版面配置區 2">
+            <a:extLst>
+              <a:ext uri="{FF2B5EF4-FFF2-40B4-BE49-F238E27FC236}">
+                <a16:creationId xmlns:a16="http://schemas.microsoft.com/office/drawing/2014/main" id="{47FB48C4-86CB-4F0E-90CD-29E7F09C60A6}"/>
+              </a:ext>
+            </a:extLst>
+          </p:cNvPr>
+          <p:cNvSpPr>
+            <a:spLocks noGrp="1"/>
+          </p:cNvSpPr>
+          <p:nvPr>
+            <p:ph idx="1"/>
+          </p:nvPr>
+        </p:nvSpPr>
+        <p:spPr>
+          <a:xfrm>
+            <a:off x="1261871" y="1828800"/>
+            <a:ext cx="9270661" cy="4351337"/>
+          </a:xfrm>
+        </p:spPr>
+        <p:txBody>
+          <a:bodyPr>
+            <a:normAutofit/>
+          </a:bodyPr>
+          <a:lstStyle/>
+          <a:p>
+            <a:pPr marL="0" indent="0">
+              <a:buNone/>
+            </a:pPr>
+            <a:endParaRPr lang="en-US" altLang="zh-TW" sz="2800">
+              <a:solidFill>
+                <a:srgbClr val="FF0000"/>
+              </a:solidFill>
+            </a:endParaRPr>
+          </a:p>
+          <a:p>
+            <a:pPr marL="0" indent="0">
+              <a:buNone/>
+            </a:pPr>
+            <a:r>
+              <a:rPr lang="en-US" altLang="zh-TW" sz="2800">
+                <a:solidFill>
+                  <a:srgbClr val="FF0000"/>
+                </a:solidFill>
+              </a:rPr>
+              <a:t>var1 = "num"</a:t>
+            </a:r>
+          </a:p>
+          <a:p>
+            <a:pPr marL="0" indent="0">
+              <a:buNone/>
+            </a:pPr>
+            <a:r>
+              <a:rPr lang="en-US" altLang="zh-TW" sz="2800">
+                <a:solidFill>
+                  <a:srgbClr val="0070C0"/>
+                </a:solidFill>
+              </a:rPr>
+              <a:t>var2 = 3.14159</a:t>
+            </a:r>
+          </a:p>
+          <a:p>
+            <a:pPr marL="0" indent="0">
+              <a:buNone/>
+            </a:pPr>
+            <a:r>
+              <a:rPr lang="en-US" altLang="zh-TW" sz="2800"/>
+              <a:t>print("</a:t>
+            </a:r>
+            <a:r>
+              <a:rPr lang="en-US" altLang="zh-TW" sz="2800">
+                <a:solidFill>
+                  <a:srgbClr val="FF0000"/>
+                </a:solidFill>
+              </a:rPr>
+              <a:t>%s</a:t>
+            </a:r>
+            <a:r>
+              <a:rPr lang="en-US" altLang="zh-TW" sz="2800"/>
+              <a:t> is </a:t>
+            </a:r>
+            <a:r>
+              <a:rPr lang="en-US" altLang="zh-TW" sz="2800">
+                <a:solidFill>
+                  <a:srgbClr val="0070C0"/>
+                </a:solidFill>
+              </a:rPr>
+              <a:t>%.2f</a:t>
+            </a:r>
+            <a:r>
+              <a:rPr lang="en-US" altLang="zh-TW" sz="2800"/>
+              <a:t>" % (</a:t>
+            </a:r>
+            <a:r>
+              <a:rPr lang="en-US" altLang="zh-TW" sz="2800">
+                <a:solidFill>
+                  <a:srgbClr val="FF0000"/>
+                </a:solidFill>
+              </a:rPr>
+              <a:t>var1</a:t>
+            </a:r>
+            <a:r>
+              <a:rPr lang="en-US" altLang="zh-TW" sz="2800"/>
+              <a:t>, </a:t>
+            </a:r>
+            <a:r>
+              <a:rPr lang="en-US" altLang="zh-TW" sz="2800">
+                <a:solidFill>
+                  <a:srgbClr val="0070C0"/>
+                </a:solidFill>
+              </a:rPr>
+              <a:t>var2</a:t>
+            </a:r>
+            <a:r>
+              <a:rPr lang="en-US" altLang="zh-TW" sz="2800"/>
+              <a:t>))</a:t>
+            </a:r>
+          </a:p>
+          <a:p>
+            <a:pPr marL="0" indent="0">
+              <a:buNone/>
+            </a:pPr>
+            <a:r>
+              <a:rPr lang="en-US" altLang="zh-TW" sz="2800"/>
+              <a:t>	</a:t>
+            </a:r>
+            <a:r>
+              <a:rPr lang="zh-TW" altLang="en-US" sz="2800"/>
+              <a:t>→ </a:t>
+            </a:r>
+            <a:r>
+              <a:rPr lang="en-US" altLang="zh-TW" sz="2800">
+                <a:solidFill>
+                  <a:srgbClr val="FF0000"/>
+                </a:solidFill>
+              </a:rPr>
+              <a:t>num</a:t>
+            </a:r>
+            <a:r>
+              <a:rPr lang="en-US" altLang="zh-TW" sz="2800"/>
+              <a:t> is </a:t>
+            </a:r>
+            <a:r>
+              <a:rPr lang="en-US" altLang="zh-TW" sz="2800">
+                <a:solidFill>
+                  <a:srgbClr val="0070C0"/>
+                </a:solidFill>
+              </a:rPr>
+              <a:t>3.14</a:t>
+            </a:r>
+          </a:p>
+        </p:txBody>
+      </p:sp>
+    </p:spTree>
+    <p:extLst>
+      <p:ext uri="{BB962C8B-B14F-4D97-AF65-F5344CB8AC3E}">
+        <p14:creationId xmlns:p14="http://schemas.microsoft.com/office/powerpoint/2010/main" val="1495105718"/>
+      </p:ext>
+    </p:extLst>
+  </p:cSld>
+  <p:clrMapOvr>
+    <a:masterClrMapping/>
+  </p:clrMapOvr>
+</p:sld>
+</file>
+
+<file path=ppt/slides/slide24.xml><?xml version="1.0" encoding="utf-8"?>
+<p:sld xmlns:a="http://schemas.openxmlformats.org/drawingml/2006/main" xmlns:r="http://schemas.openxmlformats.org/officeDocument/2006/relationships" xmlns:p="http://schemas.openxmlformats.org/presentationml/2006/main">
+  <p:cSld>
+    <p:spTree>
+      <p:nvGrpSpPr>
+        <p:cNvPr id="1" name=""/>
+        <p:cNvGrpSpPr/>
+        <p:nvPr/>
+      </p:nvGrpSpPr>
+      <p:grpSpPr>
+        <a:xfrm>
+          <a:off x="0" y="0"/>
+          <a:ext cx="0" cy="0"/>
+          <a:chOff x="0" y="0"/>
+          <a:chExt cx="0" cy="0"/>
+        </a:xfrm>
+      </p:grpSpPr>
+      <p:sp>
+        <p:nvSpPr>
+          <p:cNvPr id="2" name="標題 1">
+            <a:extLst>
+              <a:ext uri="{FF2B5EF4-FFF2-40B4-BE49-F238E27FC236}">
+                <a16:creationId xmlns:a16="http://schemas.microsoft.com/office/drawing/2014/main" id="{7525D4E5-4674-48F4-AA70-D9104A27B494}"/>
+              </a:ext>
+            </a:extLst>
+          </p:cNvPr>
+          <p:cNvSpPr>
+            <a:spLocks noGrp="1"/>
+          </p:cNvSpPr>
+          <p:nvPr>
+            <p:ph type="title"/>
+          </p:nvPr>
+        </p:nvSpPr>
+        <p:spPr/>
+        <p:txBody>
+          <a:bodyPr/>
+          <a:lstStyle/>
+          <a:p>
+            <a:r>
+              <a:rPr lang="zh-TW" altLang="en-US"/>
+              <a:t>使用 </a:t>
+            </a:r>
+            <a:r>
+              <a:rPr lang="en-US" altLang="zh-TW"/>
+              <a:t>str.format() </a:t>
+            </a:r>
+            <a:r>
+              <a:rPr lang="zh-TW" altLang="en-US"/>
+              <a:t>函數</a:t>
+            </a:r>
+            <a:endParaRPr lang="en-US" altLang="zh-TW">
+              <a:solidFill>
+                <a:schemeClr val="bg1">
+                  <a:lumMod val="65000"/>
+                </a:schemeClr>
+              </a:solidFill>
+            </a:endParaRPr>
+          </a:p>
+        </p:txBody>
+      </p:sp>
+      <p:sp>
+        <p:nvSpPr>
+          <p:cNvPr id="3" name="內容版面配置區 2">
+            <a:extLst>
+              <a:ext uri="{FF2B5EF4-FFF2-40B4-BE49-F238E27FC236}">
+                <a16:creationId xmlns:a16="http://schemas.microsoft.com/office/drawing/2014/main" id="{47FB48C4-86CB-4F0E-90CD-29E7F09C60A6}"/>
+              </a:ext>
+            </a:extLst>
+          </p:cNvPr>
+          <p:cNvSpPr>
+            <a:spLocks noGrp="1"/>
+          </p:cNvSpPr>
+          <p:nvPr>
+            <p:ph idx="1"/>
+          </p:nvPr>
+        </p:nvSpPr>
+        <p:spPr>
+          <a:xfrm>
+            <a:off x="1261871" y="1828800"/>
+            <a:ext cx="9270661" cy="4351337"/>
+          </a:xfrm>
+        </p:spPr>
+        <p:txBody>
+          <a:bodyPr>
+            <a:normAutofit/>
+          </a:bodyPr>
+          <a:lstStyle/>
+          <a:p>
+            <a:pPr marL="0" indent="0">
+              <a:buNone/>
+            </a:pPr>
+            <a:endParaRPr lang="en-US" altLang="zh-TW" sz="2800"/>
+          </a:p>
+          <a:p>
+            <a:pPr marL="0" indent="0">
+              <a:buNone/>
+            </a:pPr>
+            <a:r>
+              <a:rPr lang="en-US" altLang="zh-TW" sz="2800"/>
+              <a:t>print("</a:t>
+            </a:r>
+            <a:r>
+              <a:rPr lang="en-US" altLang="zh-TW" sz="2800">
+                <a:solidFill>
+                  <a:srgbClr val="0070C0"/>
+                </a:solidFill>
+              </a:rPr>
+              <a:t>{1}</a:t>
+            </a:r>
+            <a:r>
+              <a:rPr lang="zh-TW" altLang="en-US" sz="2800"/>
+              <a:t> </a:t>
+            </a:r>
+            <a:r>
+              <a:rPr lang="en-US" altLang="zh-TW" sz="2800"/>
+              <a:t>is </a:t>
+            </a:r>
+            <a:r>
+              <a:rPr lang="en-US" altLang="zh-TW" sz="2800">
+                <a:solidFill>
+                  <a:srgbClr val="FF0000"/>
+                </a:solidFill>
+              </a:rPr>
+              <a:t>{0}</a:t>
+            </a:r>
+            <a:r>
+              <a:rPr lang="en-US" altLang="zh-TW" sz="2800"/>
+              <a:t>".format(</a:t>
+            </a:r>
+            <a:r>
+              <a:rPr lang="en-US" altLang="zh-TW" sz="2800">
+                <a:solidFill>
+                  <a:srgbClr val="FF0000"/>
+                </a:solidFill>
+              </a:rPr>
+              <a:t>'a'</a:t>
+            </a:r>
+            <a:r>
+              <a:rPr lang="en-US" altLang="zh-TW" sz="2800"/>
+              <a:t>, </a:t>
+            </a:r>
+            <a:r>
+              <a:rPr lang="en-US" altLang="zh-TW" sz="2800">
+                <a:solidFill>
+                  <a:srgbClr val="0070C0"/>
+                </a:solidFill>
+              </a:rPr>
+              <a:t>1</a:t>
+            </a:r>
+            <a:r>
+              <a:rPr lang="en-US" altLang="zh-TW" sz="2800"/>
+              <a:t>))</a:t>
+            </a:r>
+          </a:p>
+          <a:p>
+            <a:pPr marL="0" indent="0">
+              <a:buNone/>
+            </a:pPr>
+            <a:r>
+              <a:rPr lang="en-US" altLang="zh-TW" sz="2800"/>
+              <a:t>	</a:t>
+            </a:r>
+            <a:r>
+              <a:rPr lang="zh-TW" altLang="en-US" sz="2800"/>
+              <a:t>→ </a:t>
+            </a:r>
+            <a:r>
+              <a:rPr lang="en-US" altLang="zh-TW" sz="2800">
+                <a:solidFill>
+                  <a:srgbClr val="0070C0"/>
+                </a:solidFill>
+              </a:rPr>
+              <a:t>1</a:t>
+            </a:r>
+            <a:r>
+              <a:rPr lang="en-US" altLang="zh-TW" sz="2800"/>
+              <a:t> is </a:t>
+            </a:r>
+            <a:r>
+              <a:rPr lang="en-US" altLang="zh-TW" sz="2800">
+                <a:solidFill>
+                  <a:srgbClr val="FF0000"/>
+                </a:solidFill>
+              </a:rPr>
+              <a:t>a</a:t>
+            </a:r>
+          </a:p>
+          <a:p>
+            <a:pPr marL="0" indent="0">
+              <a:buNone/>
+            </a:pPr>
+            <a:endParaRPr lang="en-US" altLang="zh-TW" sz="2800"/>
+          </a:p>
+          <a:p>
+            <a:pPr marL="0" indent="0">
+              <a:buNone/>
+            </a:pPr>
+            <a:r>
+              <a:rPr lang="en-US" altLang="zh-TW" sz="2800"/>
+              <a:t>print("</a:t>
+            </a:r>
+            <a:r>
+              <a:rPr lang="en-US" altLang="zh-TW" sz="2800">
+                <a:solidFill>
+                  <a:srgbClr val="0070C0"/>
+                </a:solidFill>
+              </a:rPr>
+              <a:t>{1</a:t>
+            </a:r>
+            <a:r>
+              <a:rPr lang="en-US" altLang="zh-TW" sz="2800" u="sng">
+                <a:solidFill>
+                  <a:srgbClr val="0070C0"/>
+                </a:solidFill>
+              </a:rPr>
+              <a:t>: .2f</a:t>
+            </a:r>
+            <a:r>
+              <a:rPr lang="en-US" altLang="zh-TW" sz="2800">
+                <a:solidFill>
+                  <a:srgbClr val="0070C0"/>
+                </a:solidFill>
+              </a:rPr>
+              <a:t>}</a:t>
+            </a:r>
+            <a:r>
+              <a:rPr lang="zh-TW" altLang="en-US" sz="2800"/>
+              <a:t> </a:t>
+            </a:r>
+            <a:r>
+              <a:rPr lang="en-US" altLang="zh-TW" sz="2800"/>
+              <a:t>is </a:t>
+            </a:r>
+            <a:r>
+              <a:rPr lang="en-US" altLang="zh-TW" sz="2800">
+                <a:solidFill>
+                  <a:srgbClr val="FF0000"/>
+                </a:solidFill>
+              </a:rPr>
+              <a:t>{0}</a:t>
+            </a:r>
+            <a:r>
+              <a:rPr lang="en-US" altLang="zh-TW" sz="2800"/>
+              <a:t>".format(</a:t>
+            </a:r>
+            <a:r>
+              <a:rPr lang="en-US" altLang="zh-TW" sz="2800">
+                <a:solidFill>
+                  <a:srgbClr val="FF0000"/>
+                </a:solidFill>
+              </a:rPr>
+              <a:t>'a'</a:t>
+            </a:r>
+            <a:r>
+              <a:rPr lang="en-US" altLang="zh-TW" sz="2800"/>
+              <a:t>, </a:t>
+            </a:r>
+            <a:r>
+              <a:rPr lang="en-US" altLang="zh-TW" sz="2800">
+                <a:solidFill>
+                  <a:srgbClr val="0070C0"/>
+                </a:solidFill>
+              </a:rPr>
+              <a:t>1</a:t>
+            </a:r>
+            <a:r>
+              <a:rPr lang="en-US" altLang="zh-TW" sz="2800"/>
+              <a:t>))</a:t>
+            </a:r>
+          </a:p>
+          <a:p>
+            <a:pPr marL="0" indent="0">
+              <a:buNone/>
+            </a:pPr>
+            <a:r>
+              <a:rPr lang="en-US" altLang="zh-TW" sz="2800"/>
+              <a:t>	</a:t>
+            </a:r>
+            <a:r>
+              <a:rPr lang="zh-TW" altLang="en-US" sz="2800"/>
+              <a:t>→ </a:t>
+            </a:r>
+            <a:r>
+              <a:rPr lang="en-US" altLang="zh-TW" sz="2800">
+                <a:solidFill>
+                  <a:srgbClr val="0070C0"/>
+                </a:solidFill>
+              </a:rPr>
+              <a:t>1.00</a:t>
+            </a:r>
+            <a:r>
+              <a:rPr lang="en-US" altLang="zh-TW" sz="2800"/>
+              <a:t> is </a:t>
+            </a:r>
+            <a:r>
+              <a:rPr lang="en-US" altLang="zh-TW" sz="2800">
+                <a:solidFill>
+                  <a:srgbClr val="FF0000"/>
+                </a:solidFill>
+              </a:rPr>
+              <a:t>a</a:t>
+            </a:r>
+          </a:p>
+          <a:p>
+            <a:pPr marL="0" indent="0">
+              <a:buNone/>
+            </a:pPr>
+            <a:endParaRPr lang="en-US" altLang="zh-TW" sz="2800"/>
+          </a:p>
+        </p:txBody>
+      </p:sp>
+    </p:spTree>
+    <p:extLst>
+      <p:ext uri="{BB962C8B-B14F-4D97-AF65-F5344CB8AC3E}">
+        <p14:creationId xmlns:p14="http://schemas.microsoft.com/office/powerpoint/2010/main" val="3153561256"/>
+      </p:ext>
+    </p:extLst>
+  </p:cSld>
+  <p:clrMapOvr>
+    <a:masterClrMapping/>
+  </p:clrMapOvr>
+</p:sld>
+</file>
+
+<file path=ppt/slides/slide25.xml><?xml version="1.0" encoding="utf-8"?>
+<p:sld xmlns:a="http://schemas.openxmlformats.org/drawingml/2006/main" xmlns:r="http://schemas.openxmlformats.org/officeDocument/2006/relationships" xmlns:p="http://schemas.openxmlformats.org/presentationml/2006/main">
+  <p:cSld>
+    <p:spTree>
+      <p:nvGrpSpPr>
+        <p:cNvPr id="1" name=""/>
+        <p:cNvGrpSpPr/>
+        <p:nvPr/>
+      </p:nvGrpSpPr>
+      <p:grpSpPr>
+        <a:xfrm>
+          <a:off x="0" y="0"/>
+          <a:ext cx="0" cy="0"/>
+          <a:chOff x="0" y="0"/>
+          <a:chExt cx="0" cy="0"/>
+        </a:xfrm>
+      </p:grpSpPr>
+      <p:sp>
+        <p:nvSpPr>
+          <p:cNvPr id="2" name="標題 1">
+            <a:extLst>
+              <a:ext uri="{FF2B5EF4-FFF2-40B4-BE49-F238E27FC236}">
+                <a16:creationId xmlns:a16="http://schemas.microsoft.com/office/drawing/2014/main" id="{0CE8F626-B8BD-403C-8F30-7ED4D95DC366}"/>
+              </a:ext>
+            </a:extLst>
+          </p:cNvPr>
+          <p:cNvSpPr>
+            <a:spLocks noGrp="1"/>
+          </p:cNvSpPr>
+          <p:nvPr>
+            <p:ph type="title"/>
+          </p:nvPr>
+        </p:nvSpPr>
+        <p:spPr/>
+        <p:txBody>
+          <a:bodyPr/>
+          <a:lstStyle/>
+          <a:p>
+            <a:r>
+              <a:rPr lang="zh-TW" altLang="en-US"/>
+              <a:t>使用 </a:t>
+            </a:r>
+            <a:r>
+              <a:rPr lang="en-US" altLang="zh-TW"/>
+              <a:t>f</a:t>
+            </a:r>
+            <a:r>
+              <a:rPr lang="zh-TW" altLang="en-US"/>
+              <a:t> </a:t>
+            </a:r>
+            <a:r>
+              <a:rPr lang="en-US" altLang="zh-TW"/>
+              <a:t>'</a:t>
+            </a:r>
+            <a:r>
+              <a:rPr lang="zh-TW" altLang="en-US"/>
+              <a:t>  </a:t>
+            </a:r>
+            <a:r>
+              <a:rPr lang="en-US" altLang="zh-TW"/>
+              <a:t>' </a:t>
+            </a:r>
+            <a:r>
+              <a:rPr lang="zh-TW" altLang="en-US"/>
+              <a:t>表示</a:t>
+            </a:r>
+          </a:p>
+        </p:txBody>
+      </p:sp>
+      <p:sp>
+        <p:nvSpPr>
+          <p:cNvPr id="3" name="內容版面配置區 2">
+            <a:extLst>
+              <a:ext uri="{FF2B5EF4-FFF2-40B4-BE49-F238E27FC236}">
+                <a16:creationId xmlns:a16="http://schemas.microsoft.com/office/drawing/2014/main" id="{636DFE4A-8D2A-4385-B5D7-6C0B52B7688C}"/>
+              </a:ext>
+            </a:extLst>
+          </p:cNvPr>
+          <p:cNvSpPr>
+            <a:spLocks noGrp="1"/>
+          </p:cNvSpPr>
+          <p:nvPr>
+            <p:ph idx="1"/>
+          </p:nvPr>
+        </p:nvSpPr>
+        <p:spPr/>
+        <p:txBody>
+          <a:bodyPr>
+            <a:normAutofit/>
+          </a:bodyPr>
+          <a:lstStyle/>
+          <a:p>
+            <a:pPr marL="0" indent="0">
+              <a:buNone/>
+            </a:pPr>
+            <a:endParaRPr lang="en-US" altLang="zh-TW" sz="2800"/>
+          </a:p>
+          <a:p>
+            <a:pPr marL="0" indent="0">
+              <a:buNone/>
+            </a:pPr>
+            <a:r>
+              <a:rPr lang="en-US" altLang="zh-TW" sz="2800"/>
+              <a:t>num = 10</a:t>
+            </a:r>
+          </a:p>
+          <a:p>
+            <a:pPr marL="0" indent="0">
+              <a:buNone/>
+            </a:pPr>
+            <a:r>
+              <a:rPr lang="en-US" altLang="zh-TW" sz="2800"/>
+              <a:t>print(</a:t>
+            </a:r>
+            <a:r>
+              <a:rPr lang="en-US" altLang="zh-TW" sz="2800">
+                <a:solidFill>
+                  <a:srgbClr val="0070C0"/>
+                </a:solidFill>
+              </a:rPr>
+              <a:t>f</a:t>
+            </a:r>
+            <a:r>
+              <a:rPr lang="en-US" altLang="zh-TW" sz="2800"/>
+              <a:t>"{</a:t>
+            </a:r>
+            <a:r>
+              <a:rPr lang="en-US" altLang="zh-TW" sz="2800">
+                <a:solidFill>
+                  <a:srgbClr val="FF0000"/>
+                </a:solidFill>
+              </a:rPr>
+              <a:t>num</a:t>
+            </a:r>
+            <a:r>
+              <a:rPr lang="en-US" altLang="zh-TW" sz="2800"/>
+              <a:t>} is too big")</a:t>
+            </a:r>
+          </a:p>
+          <a:p>
+            <a:pPr marL="0" indent="0">
+              <a:buNone/>
+            </a:pPr>
+            <a:r>
+              <a:rPr lang="en-US" altLang="zh-TW" sz="2800"/>
+              <a:t>	</a:t>
+            </a:r>
+            <a:r>
+              <a:rPr lang="zh-TW" altLang="en-US" sz="2800"/>
+              <a:t>→ </a:t>
+            </a:r>
+            <a:r>
+              <a:rPr lang="en-US" altLang="zh-TW" sz="2800"/>
+              <a:t>10 is too big</a:t>
+            </a:r>
+          </a:p>
+          <a:p>
+            <a:pPr marL="0" indent="0">
+              <a:buNone/>
+            </a:pPr>
+            <a:endParaRPr lang="en-US" altLang="zh-TW" sz="2800"/>
+          </a:p>
+          <a:p>
+            <a:pPr marL="0" indent="0">
+              <a:buNone/>
+            </a:pPr>
+            <a:r>
+              <a:rPr lang="en-US" altLang="zh-TW" sz="2800"/>
+              <a:t>print(</a:t>
+            </a:r>
+            <a:r>
+              <a:rPr lang="en-US" altLang="zh-TW" sz="2800">
+                <a:solidFill>
+                  <a:srgbClr val="0070C0"/>
+                </a:solidFill>
+              </a:rPr>
+              <a:t>f</a:t>
+            </a:r>
+            <a:r>
+              <a:rPr lang="en-US" altLang="zh-TW" sz="2800"/>
+              <a:t>"{</a:t>
+            </a:r>
+            <a:r>
+              <a:rPr lang="en-US" altLang="zh-TW" sz="2800">
+                <a:solidFill>
+                  <a:srgbClr val="FF0000"/>
+                </a:solidFill>
+              </a:rPr>
+              <a:t>num</a:t>
+            </a:r>
+            <a:r>
+              <a:rPr lang="en-US" altLang="zh-TW" sz="2800" u="sng">
+                <a:solidFill>
+                  <a:srgbClr val="FF0000"/>
+                </a:solidFill>
+              </a:rPr>
+              <a:t>:</a:t>
+            </a:r>
+            <a:r>
+              <a:rPr lang="zh-TW" altLang="en-US" sz="2800" u="sng">
+                <a:solidFill>
+                  <a:srgbClr val="FF0000"/>
+                </a:solidFill>
+              </a:rPr>
+              <a:t> </a:t>
+            </a:r>
+            <a:r>
+              <a:rPr lang="en-US" altLang="zh-TW" sz="2800" u="sng">
+                <a:solidFill>
+                  <a:srgbClr val="FF0000"/>
+                </a:solidFill>
+              </a:rPr>
+              <a:t>.2f</a:t>
+            </a:r>
+            <a:r>
+              <a:rPr lang="en-US" altLang="zh-TW" sz="2800"/>
+              <a:t>} is too big")</a:t>
+            </a:r>
+          </a:p>
+          <a:p>
+            <a:pPr marL="0" indent="0">
+              <a:buNone/>
+            </a:pPr>
+            <a:r>
+              <a:rPr lang="en-US" altLang="zh-TW" sz="2800"/>
+              <a:t>	</a:t>
+            </a:r>
+            <a:r>
+              <a:rPr lang="zh-TW" altLang="en-US" sz="2800"/>
+              <a:t> → </a:t>
+            </a:r>
+            <a:r>
+              <a:rPr lang="en-US" altLang="zh-TW" sz="2800"/>
+              <a:t>10.00 is too big</a:t>
+            </a:r>
+            <a:endParaRPr lang="zh-TW" altLang="en-US" sz="2800"/>
+          </a:p>
+        </p:txBody>
+      </p:sp>
+    </p:spTree>
+    <p:extLst>
+      <p:ext uri="{BB962C8B-B14F-4D97-AF65-F5344CB8AC3E}">
+        <p14:creationId xmlns:p14="http://schemas.microsoft.com/office/powerpoint/2010/main" val="2336613772"/>
+      </p:ext>
+    </p:extLst>
+  </p:cSld>
+  <p:clrMapOvr>
+    <a:masterClrMapping/>
+  </p:clrMapOvr>
+</p:sld>
+</file>
+
+<file path=ppt/slides/slide26.xml><?xml version="1.0" encoding="utf-8"?>
+<p:sld xmlns:a="http://schemas.openxmlformats.org/drawingml/2006/main" xmlns:r="http://schemas.openxmlformats.org/officeDocument/2006/relationships" xmlns:p="http://schemas.openxmlformats.org/presentationml/2006/main">
+  <p:cSld>
+    <p:spTree>
+      <p:nvGrpSpPr>
+        <p:cNvPr id="1" name=""/>
+        <p:cNvGrpSpPr/>
+        <p:nvPr/>
+      </p:nvGrpSpPr>
+      <p:grpSpPr>
+        <a:xfrm>
+          <a:off x="0" y="0"/>
+          <a:ext cx="0" cy="0"/>
+          <a:chOff x="0" y="0"/>
+          <a:chExt cx="0" cy="0"/>
+        </a:xfrm>
+      </p:grpSpPr>
+      <p:sp>
+        <p:nvSpPr>
+          <p:cNvPr id="2" name="標題 1">
+            <a:extLst>
+              <a:ext uri="{FF2B5EF4-FFF2-40B4-BE49-F238E27FC236}">
                 <a16:creationId xmlns:a16="http://schemas.microsoft.com/office/drawing/2014/main" id="{10F0CF66-F364-471D-84FA-DD68A0915077}"/>
               </a:ext>
             </a:extLst>
@@ -10063,7 +11387,7 @@
 </p:sld>
 </file>
 
-<file path=ppt/slides/slide22.xml><?xml version="1.0" encoding="utf-8"?>
+<file path=ppt/slides/slide27.xml><?xml version="1.0" encoding="utf-8"?>
 <p:sld xmlns:a="http://schemas.openxmlformats.org/drawingml/2006/main" xmlns:r="http://schemas.openxmlformats.org/officeDocument/2006/relationships" xmlns:p="http://schemas.openxmlformats.org/presentationml/2006/main">
   <p:cSld>
     <p:spTree>
@@ -10188,7 +11512,7 @@
 </p:sld>
 </file>
 
-<file path=ppt/slides/slide23.xml><?xml version="1.0" encoding="utf-8"?>
+<file path=ppt/slides/slide28.xml><?xml version="1.0" encoding="utf-8"?>
 <p:sld xmlns:a="http://schemas.openxmlformats.org/drawingml/2006/main" xmlns:r="http://schemas.openxmlformats.org/officeDocument/2006/relationships" xmlns:p="http://schemas.openxmlformats.org/presentationml/2006/main">
   <p:cSld>
     <p:spTree>
@@ -10302,7 +11626,7 @@
 </p:sld>
 </file>
 
-<file path=ppt/slides/slide24.xml><?xml version="1.0" encoding="utf-8"?>
+<file path=ppt/slides/slide29.xml><?xml version="1.0" encoding="utf-8"?>
 <p:sld xmlns:a="http://schemas.openxmlformats.org/drawingml/2006/main" xmlns:r="http://schemas.openxmlformats.org/officeDocument/2006/relationships" xmlns:p="http://schemas.openxmlformats.org/presentationml/2006/main">
   <p:cSld>
     <p:spTree>
@@ -10427,1159 +11751,6 @@
     <p:extLst>
       <p:ext uri="{BB962C8B-B14F-4D97-AF65-F5344CB8AC3E}">
         <p14:creationId xmlns:p14="http://schemas.microsoft.com/office/powerpoint/2010/main" val="3987291601"/>
-      </p:ext>
-    </p:extLst>
-  </p:cSld>
-  <p:clrMapOvr>
-    <a:masterClrMapping/>
-  </p:clrMapOvr>
-</p:sld>
-</file>
-
-<file path=ppt/slides/slide25.xml><?xml version="1.0" encoding="utf-8"?>
-<p:sld xmlns:a="http://schemas.openxmlformats.org/drawingml/2006/main" xmlns:r="http://schemas.openxmlformats.org/officeDocument/2006/relationships" xmlns:p="http://schemas.openxmlformats.org/presentationml/2006/main">
-  <p:cSld>
-    <p:spTree>
-      <p:nvGrpSpPr>
-        <p:cNvPr id="1" name=""/>
-        <p:cNvGrpSpPr/>
-        <p:nvPr/>
-      </p:nvGrpSpPr>
-      <p:grpSpPr>
-        <a:xfrm>
-          <a:off x="0" y="0"/>
-          <a:ext cx="0" cy="0"/>
-          <a:chOff x="0" y="0"/>
-          <a:chExt cx="0" cy="0"/>
-        </a:xfrm>
-      </p:grpSpPr>
-      <p:sp>
-        <p:nvSpPr>
-          <p:cNvPr id="2" name="標題 1">
-            <a:extLst>
-              <a:ext uri="{FF2B5EF4-FFF2-40B4-BE49-F238E27FC236}">
-                <a16:creationId xmlns:a16="http://schemas.microsoft.com/office/drawing/2014/main" id="{871B9FF8-C6CF-471A-8A76-E9BCC6C72671}"/>
-              </a:ext>
-            </a:extLst>
-          </p:cNvPr>
-          <p:cNvSpPr>
-            <a:spLocks noGrp="1"/>
-          </p:cNvSpPr>
-          <p:nvPr>
-            <p:ph type="title"/>
-          </p:nvPr>
-        </p:nvSpPr>
-        <p:spPr/>
-        <p:txBody>
-          <a:bodyPr/>
-          <a:lstStyle/>
-          <a:p>
-            <a:r>
-              <a:rPr lang="zh-TW" altLang="en-US"/>
-              <a:t>串列取值與切片：與字串相同</a:t>
-            </a:r>
-          </a:p>
-        </p:txBody>
-      </p:sp>
-      <p:sp>
-        <p:nvSpPr>
-          <p:cNvPr id="3" name="內容版面配置區 2">
-            <a:extLst>
-              <a:ext uri="{FF2B5EF4-FFF2-40B4-BE49-F238E27FC236}">
-                <a16:creationId xmlns:a16="http://schemas.microsoft.com/office/drawing/2014/main" id="{2A1C783E-BE9F-4418-BED7-9A4106D5451A}"/>
-              </a:ext>
-            </a:extLst>
-          </p:cNvPr>
-          <p:cNvSpPr>
-            <a:spLocks noGrp="1"/>
-          </p:cNvSpPr>
-          <p:nvPr>
-            <p:ph idx="1"/>
-          </p:nvPr>
-        </p:nvSpPr>
-        <p:spPr/>
-        <p:txBody>
-          <a:bodyPr>
-            <a:normAutofit/>
-          </a:bodyPr>
-          <a:lstStyle/>
-          <a:p>
-            <a:pPr marL="0" indent="0">
-              <a:buNone/>
-            </a:pPr>
-            <a:r>
-              <a:rPr lang="en-US" altLang="zh-TW" sz="2800"/>
-              <a:t>lst = [5, 2.0, [7.0, 7], “a”]</a:t>
-            </a:r>
-          </a:p>
-          <a:p>
-            <a:pPr marL="0" indent="0">
-              <a:buNone/>
-            </a:pPr>
-            <a:r>
-              <a:rPr lang="en-US" altLang="zh-TW" sz="2800"/>
-              <a:t>lst[0]</a:t>
-            </a:r>
-            <a:r>
-              <a:rPr lang="zh-TW" altLang="en-US" sz="2800"/>
-              <a:t> → </a:t>
-            </a:r>
-            <a:r>
-              <a:rPr lang="en-US" altLang="zh-TW" sz="2800"/>
-              <a:t>5</a:t>
-            </a:r>
-          </a:p>
-          <a:p>
-            <a:pPr marL="0" indent="0">
-              <a:buNone/>
-            </a:pPr>
-            <a:r>
-              <a:rPr lang="en-US" altLang="zh-TW" sz="2800"/>
-              <a:t>lst[1] </a:t>
-            </a:r>
-            <a:r>
-              <a:rPr lang="zh-TW" altLang="en-US" sz="2800"/>
-              <a:t>→ </a:t>
-            </a:r>
-            <a:r>
-              <a:rPr lang="en-US" altLang="zh-TW" sz="2800"/>
-              <a:t>2.0</a:t>
-            </a:r>
-          </a:p>
-          <a:p>
-            <a:pPr marL="0" indent="0">
-              <a:buNone/>
-            </a:pPr>
-            <a:r>
-              <a:rPr lang="en-US" altLang="zh-TW" sz="2800"/>
-              <a:t>lst[2]</a:t>
-            </a:r>
-            <a:r>
-              <a:rPr lang="zh-TW" altLang="en-US" sz="2800"/>
-              <a:t> → </a:t>
-            </a:r>
-            <a:r>
-              <a:rPr lang="en-US" altLang="zh-TW" sz="2800"/>
-              <a:t>[7.0, 7]</a:t>
-            </a:r>
-          </a:p>
-          <a:p>
-            <a:pPr marL="0" indent="0">
-              <a:buNone/>
-            </a:pPr>
-            <a:r>
-              <a:rPr lang="en-US" altLang="zh-TW" sz="2800"/>
-              <a:t>lst[3] </a:t>
-            </a:r>
-            <a:r>
-              <a:rPr lang="zh-TW" altLang="en-US" sz="2800"/>
-              <a:t>→ </a:t>
-            </a:r>
-            <a:r>
-              <a:rPr lang="en-US" altLang="zh-TW" sz="2800"/>
-              <a:t>“a”</a:t>
-            </a:r>
-          </a:p>
-          <a:p>
-            <a:pPr marL="0" indent="0">
-              <a:buNone/>
-            </a:pPr>
-            <a:r>
-              <a:rPr lang="en-US" altLang="zh-TW" sz="2800"/>
-              <a:t>lst[2][0] </a:t>
-            </a:r>
-            <a:r>
-              <a:rPr lang="zh-TW" altLang="en-US" sz="2800"/>
-              <a:t>→ </a:t>
-            </a:r>
-            <a:r>
-              <a:rPr lang="en-US" altLang="zh-TW" sz="2800"/>
-              <a:t>7.0</a:t>
-            </a:r>
-          </a:p>
-          <a:p>
-            <a:pPr marL="0" indent="0">
-              <a:buNone/>
-            </a:pPr>
-            <a:r>
-              <a:rPr lang="en-US" altLang="zh-TW" sz="2800"/>
-              <a:t>lst[1:3] </a:t>
-            </a:r>
-            <a:r>
-              <a:rPr lang="zh-TW" altLang="en-US" sz="2800"/>
-              <a:t>→ </a:t>
-            </a:r>
-            <a:r>
-              <a:rPr lang="en-US" altLang="zh-TW" sz="2800"/>
-              <a:t>[2.0, [7.0, 7]]</a:t>
-            </a:r>
-          </a:p>
-        </p:txBody>
-      </p:sp>
-    </p:spTree>
-    <p:extLst>
-      <p:ext uri="{BB962C8B-B14F-4D97-AF65-F5344CB8AC3E}">
-        <p14:creationId xmlns:p14="http://schemas.microsoft.com/office/powerpoint/2010/main" val="1698115693"/>
-      </p:ext>
-    </p:extLst>
-  </p:cSld>
-  <p:clrMapOvr>
-    <a:masterClrMapping/>
-  </p:clrMapOvr>
-</p:sld>
-</file>
-
-<file path=ppt/slides/slide26.xml><?xml version="1.0" encoding="utf-8"?>
-<p:sld xmlns:a="http://schemas.openxmlformats.org/drawingml/2006/main" xmlns:r="http://schemas.openxmlformats.org/officeDocument/2006/relationships" xmlns:p="http://schemas.openxmlformats.org/presentationml/2006/main">
-  <p:cSld>
-    <p:spTree>
-      <p:nvGrpSpPr>
-        <p:cNvPr id="1" name=""/>
-        <p:cNvGrpSpPr/>
-        <p:nvPr/>
-      </p:nvGrpSpPr>
-      <p:grpSpPr>
-        <a:xfrm>
-          <a:off x="0" y="0"/>
-          <a:ext cx="0" cy="0"/>
-          <a:chOff x="0" y="0"/>
-          <a:chExt cx="0" cy="0"/>
-        </a:xfrm>
-      </p:grpSpPr>
-      <p:sp>
-        <p:nvSpPr>
-          <p:cNvPr id="2" name="標題 1">
-            <a:extLst>
-              <a:ext uri="{FF2B5EF4-FFF2-40B4-BE49-F238E27FC236}">
-                <a16:creationId xmlns:a16="http://schemas.microsoft.com/office/drawing/2014/main" id="{FDE12886-23A9-4A0E-876F-CA10E3B5792A}"/>
-              </a:ext>
-            </a:extLst>
-          </p:cNvPr>
-          <p:cNvSpPr>
-            <a:spLocks noGrp="1"/>
-          </p:cNvSpPr>
-          <p:nvPr>
-            <p:ph type="title"/>
-          </p:nvPr>
-        </p:nvSpPr>
-        <p:spPr/>
-        <p:txBody>
-          <a:bodyPr/>
-          <a:lstStyle/>
-          <a:p>
-            <a:r>
-              <a:rPr lang="zh-TW" altLang="en-US"/>
-              <a:t>串列元素可變更</a:t>
-            </a:r>
-          </a:p>
-        </p:txBody>
-      </p:sp>
-      <p:sp>
-        <p:nvSpPr>
-          <p:cNvPr id="3" name="內容版面配置區 2">
-            <a:extLst>
-              <a:ext uri="{FF2B5EF4-FFF2-40B4-BE49-F238E27FC236}">
-                <a16:creationId xmlns:a16="http://schemas.microsoft.com/office/drawing/2014/main" id="{4DE0C78A-9C1A-4E29-97A9-16DF4038E70B}"/>
-              </a:ext>
-            </a:extLst>
-          </p:cNvPr>
-          <p:cNvSpPr>
-            <a:spLocks noGrp="1"/>
-          </p:cNvSpPr>
-          <p:nvPr>
-            <p:ph idx="1"/>
-          </p:nvPr>
-        </p:nvSpPr>
-        <p:spPr/>
-        <p:txBody>
-          <a:bodyPr>
-            <a:normAutofit/>
-          </a:bodyPr>
-          <a:lstStyle/>
-          <a:p>
-            <a:pPr marL="0" indent="0">
-              <a:buNone/>
-            </a:pPr>
-            <a:endParaRPr lang="en-US" altLang="zh-TW" sz="2800"/>
-          </a:p>
-          <a:p>
-            <a:pPr marL="0" indent="0">
-              <a:buNone/>
-            </a:pPr>
-            <a:r>
-              <a:rPr lang="en-US" altLang="zh-TW" sz="2800"/>
-              <a:t>lst = [0, 1, </a:t>
-            </a:r>
-            <a:r>
-              <a:rPr lang="en-US" altLang="zh-TW" sz="2800">
-                <a:solidFill>
-                  <a:srgbClr val="FF0000"/>
-                </a:solidFill>
-              </a:rPr>
-              <a:t>2</a:t>
-            </a:r>
-            <a:r>
-              <a:rPr lang="en-US" altLang="zh-TW" sz="2800"/>
-              <a:t>, 3, 4]</a:t>
-            </a:r>
-          </a:p>
-          <a:p>
-            <a:pPr marL="0" indent="0">
-              <a:buNone/>
-            </a:pPr>
-            <a:r>
-              <a:rPr lang="en-US" altLang="zh-TW" sz="2800"/>
-              <a:t>lst[2] = [-1]</a:t>
-            </a:r>
-          </a:p>
-          <a:p>
-            <a:pPr marL="0" indent="0">
-              <a:buNone/>
-            </a:pPr>
-            <a:r>
-              <a:rPr lang="en-US" altLang="zh-TW" sz="2800"/>
-              <a:t>lst </a:t>
-            </a:r>
-            <a:r>
-              <a:rPr lang="zh-TW" altLang="en-US" sz="2800"/>
-              <a:t>→ </a:t>
-            </a:r>
-            <a:r>
-              <a:rPr lang="en-US" altLang="zh-TW" sz="2800"/>
-              <a:t>[0, 1, </a:t>
-            </a:r>
-            <a:r>
-              <a:rPr lang="en-US" altLang="zh-TW" sz="2800">
-                <a:solidFill>
-                  <a:srgbClr val="FF0000"/>
-                </a:solidFill>
-              </a:rPr>
-              <a:t>-1</a:t>
-            </a:r>
-            <a:r>
-              <a:rPr lang="en-US" altLang="zh-TW" sz="2800"/>
-              <a:t>, 3, 4]</a:t>
-            </a:r>
-          </a:p>
-          <a:p>
-            <a:pPr marL="0" indent="0">
-              <a:buNone/>
-            </a:pPr>
-            <a:endParaRPr lang="en-US" altLang="zh-TW" sz="2800"/>
-          </a:p>
-          <a:p>
-            <a:pPr marL="0" indent="0">
-              <a:buNone/>
-            </a:pPr>
-            <a:r>
-              <a:rPr lang="en-US" altLang="zh-TW" sz="2800"/>
-              <a:t>s = “01234”</a:t>
-            </a:r>
-          </a:p>
-          <a:p>
-            <a:pPr marL="0" indent="0">
-              <a:buNone/>
-            </a:pPr>
-            <a:r>
-              <a:rPr lang="en-US" altLang="zh-TW" sz="2800"/>
-              <a:t>s[2] = “x” </a:t>
-            </a:r>
-            <a:r>
-              <a:rPr lang="zh-TW" altLang="en-US" sz="2800"/>
-              <a:t>→ </a:t>
-            </a:r>
-            <a:r>
-              <a:rPr lang="en-US" altLang="zh-TW" sz="2800"/>
-              <a:t>Error</a:t>
-            </a:r>
-          </a:p>
-        </p:txBody>
-      </p:sp>
-    </p:spTree>
-    <p:extLst>
-      <p:ext uri="{BB962C8B-B14F-4D97-AF65-F5344CB8AC3E}">
-        <p14:creationId xmlns:p14="http://schemas.microsoft.com/office/powerpoint/2010/main" val="524509323"/>
-      </p:ext>
-    </p:extLst>
-  </p:cSld>
-  <p:clrMapOvr>
-    <a:masterClrMapping/>
-  </p:clrMapOvr>
-</p:sld>
-</file>
-
-<file path=ppt/slides/slide27.xml><?xml version="1.0" encoding="utf-8"?>
-<p:sld xmlns:a="http://schemas.openxmlformats.org/drawingml/2006/main" xmlns:r="http://schemas.openxmlformats.org/officeDocument/2006/relationships" xmlns:p="http://schemas.openxmlformats.org/presentationml/2006/main">
-  <p:cSld>
-    <p:spTree>
-      <p:nvGrpSpPr>
-        <p:cNvPr id="1" name=""/>
-        <p:cNvGrpSpPr/>
-        <p:nvPr/>
-      </p:nvGrpSpPr>
-      <p:grpSpPr>
-        <a:xfrm>
-          <a:off x="0" y="0"/>
-          <a:ext cx="0" cy="0"/>
-          <a:chOff x="0" y="0"/>
-          <a:chExt cx="0" cy="0"/>
-        </a:xfrm>
-      </p:grpSpPr>
-      <p:sp>
-        <p:nvSpPr>
-          <p:cNvPr id="2" name="標題 1">
-            <a:extLst>
-              <a:ext uri="{FF2B5EF4-FFF2-40B4-BE49-F238E27FC236}">
-                <a16:creationId xmlns:a16="http://schemas.microsoft.com/office/drawing/2014/main" id="{E5DFD65C-1C9D-4B85-80C3-D81AE46D21B5}"/>
-              </a:ext>
-            </a:extLst>
-          </p:cNvPr>
-          <p:cNvSpPr>
-            <a:spLocks noGrp="1"/>
-          </p:cNvSpPr>
-          <p:nvPr>
-            <p:ph type="title"/>
-          </p:nvPr>
-        </p:nvSpPr>
-        <p:spPr/>
-        <p:txBody>
-          <a:bodyPr/>
-          <a:lstStyle/>
-          <a:p>
-            <a:r>
-              <a:rPr lang="zh-TW" altLang="en-US"/>
-              <a:t>串列加法：與字串相同</a:t>
-            </a:r>
-          </a:p>
-        </p:txBody>
-      </p:sp>
-      <p:sp>
-        <p:nvSpPr>
-          <p:cNvPr id="3" name="內容版面配置區 2">
-            <a:extLst>
-              <a:ext uri="{FF2B5EF4-FFF2-40B4-BE49-F238E27FC236}">
-                <a16:creationId xmlns:a16="http://schemas.microsoft.com/office/drawing/2014/main" id="{08CC9785-9BEE-42EC-BC98-520CF6084C8D}"/>
-              </a:ext>
-            </a:extLst>
-          </p:cNvPr>
-          <p:cNvSpPr>
-            <a:spLocks noGrp="1"/>
-          </p:cNvSpPr>
-          <p:nvPr>
-            <p:ph idx="1"/>
-          </p:nvPr>
-        </p:nvSpPr>
-        <p:spPr/>
-        <p:txBody>
-          <a:bodyPr>
-            <a:normAutofit/>
-          </a:bodyPr>
-          <a:lstStyle/>
-          <a:p>
-            <a:pPr marL="0" indent="0">
-              <a:buNone/>
-            </a:pPr>
-            <a:endParaRPr lang="en-US" altLang="zh-TW" sz="2800"/>
-          </a:p>
-          <a:p>
-            <a:pPr marL="0" indent="0">
-              <a:buNone/>
-            </a:pPr>
-            <a:r>
-              <a:rPr lang="en-US" altLang="zh-TW" sz="2800"/>
-              <a:t>[</a:t>
-            </a:r>
-            <a:r>
-              <a:rPr lang="en-US" altLang="zh-TW" sz="2800">
-                <a:solidFill>
-                  <a:srgbClr val="0070C0"/>
-                </a:solidFill>
-              </a:rPr>
-              <a:t>1, 2</a:t>
-            </a:r>
-            <a:r>
-              <a:rPr lang="en-US" altLang="zh-TW" sz="2800"/>
-              <a:t>] + [</a:t>
-            </a:r>
-            <a:r>
-              <a:rPr lang="en-US" altLang="zh-TW" sz="2800">
-                <a:solidFill>
-                  <a:srgbClr val="FF0000"/>
-                </a:solidFill>
-              </a:rPr>
-              <a:t>“a”, “xyz”</a:t>
-            </a:r>
-            <a:r>
-              <a:rPr lang="en-US" altLang="zh-TW" sz="2800"/>
-              <a:t>]</a:t>
-            </a:r>
-          </a:p>
-          <a:p>
-            <a:pPr marL="0" indent="0">
-              <a:buNone/>
-            </a:pPr>
-            <a:r>
-              <a:rPr lang="en-US" altLang="zh-TW" sz="2800"/>
-              <a:t>	</a:t>
-            </a:r>
-            <a:r>
-              <a:rPr lang="zh-TW" altLang="en-US" sz="2800"/>
-              <a:t>→ </a:t>
-            </a:r>
-            <a:r>
-              <a:rPr lang="en-US" altLang="zh-TW" sz="2800"/>
-              <a:t>[</a:t>
-            </a:r>
-            <a:r>
-              <a:rPr lang="en-US" altLang="zh-TW" sz="2800">
-                <a:solidFill>
-                  <a:srgbClr val="0070C0"/>
-                </a:solidFill>
-              </a:rPr>
-              <a:t>1, 2, </a:t>
-            </a:r>
-            <a:r>
-              <a:rPr lang="en-US" altLang="zh-TW" sz="2800">
-                <a:solidFill>
-                  <a:srgbClr val="FF0000"/>
-                </a:solidFill>
-              </a:rPr>
-              <a:t>“a”, “xyz”</a:t>
-            </a:r>
-            <a:r>
-              <a:rPr lang="en-US" altLang="zh-TW" sz="2800"/>
-              <a:t>]</a:t>
-            </a:r>
-          </a:p>
-          <a:p>
-            <a:pPr marL="0" indent="0">
-              <a:buNone/>
-            </a:pPr>
-            <a:endParaRPr lang="en-US" altLang="zh-TW" sz="2800"/>
-          </a:p>
-          <a:p>
-            <a:pPr marL="0" indent="0">
-              <a:buNone/>
-            </a:pPr>
-            <a:r>
-              <a:rPr lang="en-US" altLang="zh-TW" sz="2800"/>
-              <a:t>lst = [</a:t>
-            </a:r>
-            <a:r>
-              <a:rPr lang="en-US" altLang="zh-TW" sz="2800">
-                <a:solidFill>
-                  <a:srgbClr val="0070C0"/>
-                </a:solidFill>
-              </a:rPr>
-              <a:t>0, 2, 4</a:t>
-            </a:r>
-            <a:r>
-              <a:rPr lang="en-US" altLang="zh-TW" sz="2800"/>
-              <a:t>]</a:t>
-            </a:r>
-          </a:p>
-          <a:p>
-            <a:pPr marL="0" indent="0">
-              <a:buNone/>
-            </a:pPr>
-            <a:r>
-              <a:rPr lang="en-US" altLang="zh-TW" sz="2800"/>
-              <a:t>lst += [</a:t>
-            </a:r>
-            <a:r>
-              <a:rPr lang="en-US" altLang="zh-TW" sz="2800">
-                <a:solidFill>
-                  <a:srgbClr val="FF0000"/>
-                </a:solidFill>
-              </a:rPr>
-              <a:t>6</a:t>
-            </a:r>
-            <a:r>
-              <a:rPr lang="en-US" altLang="zh-TW" sz="2800"/>
-              <a:t>]</a:t>
-            </a:r>
-          </a:p>
-          <a:p>
-            <a:pPr marL="0" indent="0">
-              <a:buNone/>
-            </a:pPr>
-            <a:r>
-              <a:rPr lang="en-US" altLang="zh-TW" sz="2800"/>
-              <a:t>lst </a:t>
-            </a:r>
-            <a:r>
-              <a:rPr lang="zh-TW" altLang="en-US" sz="2800"/>
-              <a:t>→ </a:t>
-            </a:r>
-            <a:r>
-              <a:rPr lang="en-US" altLang="zh-TW" sz="2800"/>
-              <a:t>[</a:t>
-            </a:r>
-            <a:r>
-              <a:rPr lang="en-US" altLang="zh-TW" sz="2800">
-                <a:solidFill>
-                  <a:srgbClr val="0070C0"/>
-                </a:solidFill>
-              </a:rPr>
-              <a:t>0, 2, 4, </a:t>
-            </a:r>
-            <a:r>
-              <a:rPr lang="en-US" altLang="zh-TW" sz="2800">
-                <a:solidFill>
-                  <a:srgbClr val="FF0000"/>
-                </a:solidFill>
-              </a:rPr>
-              <a:t>6</a:t>
-            </a:r>
-            <a:r>
-              <a:rPr lang="en-US" altLang="zh-TW" sz="2800"/>
-              <a:t>]</a:t>
-            </a:r>
-            <a:endParaRPr lang="zh-TW" altLang="en-US" sz="2800"/>
-          </a:p>
-        </p:txBody>
-      </p:sp>
-    </p:spTree>
-    <p:extLst>
-      <p:ext uri="{BB962C8B-B14F-4D97-AF65-F5344CB8AC3E}">
-        <p14:creationId xmlns:p14="http://schemas.microsoft.com/office/powerpoint/2010/main" val="3271310130"/>
-      </p:ext>
-    </p:extLst>
-  </p:cSld>
-  <p:clrMapOvr>
-    <a:masterClrMapping/>
-  </p:clrMapOvr>
-</p:sld>
-</file>
-
-<file path=ppt/slides/slide28.xml><?xml version="1.0" encoding="utf-8"?>
-<p:sld xmlns:a="http://schemas.openxmlformats.org/drawingml/2006/main" xmlns:r="http://schemas.openxmlformats.org/officeDocument/2006/relationships" xmlns:p="http://schemas.openxmlformats.org/presentationml/2006/main">
-  <p:cSld>
-    <p:spTree>
-      <p:nvGrpSpPr>
-        <p:cNvPr id="1" name=""/>
-        <p:cNvGrpSpPr/>
-        <p:nvPr/>
-      </p:nvGrpSpPr>
-      <p:grpSpPr>
-        <a:xfrm>
-          <a:off x="0" y="0"/>
-          <a:ext cx="0" cy="0"/>
-          <a:chOff x="0" y="0"/>
-          <a:chExt cx="0" cy="0"/>
-        </a:xfrm>
-      </p:grpSpPr>
-      <p:sp>
-        <p:nvSpPr>
-          <p:cNvPr id="2" name="標題 1">
-            <a:extLst>
-              <a:ext uri="{FF2B5EF4-FFF2-40B4-BE49-F238E27FC236}">
-                <a16:creationId xmlns:a16="http://schemas.microsoft.com/office/drawing/2014/main" id="{E5DFD65C-1C9D-4B85-80C3-D81AE46D21B5}"/>
-              </a:ext>
-            </a:extLst>
-          </p:cNvPr>
-          <p:cNvSpPr>
-            <a:spLocks noGrp="1"/>
-          </p:cNvSpPr>
-          <p:nvPr>
-            <p:ph type="title"/>
-          </p:nvPr>
-        </p:nvSpPr>
-        <p:spPr/>
-        <p:txBody>
-          <a:bodyPr/>
-          <a:lstStyle/>
-          <a:p>
-            <a:r>
-              <a:rPr lang="zh-TW" altLang="en-US"/>
-              <a:t>串列乘法：與字串相同</a:t>
-            </a:r>
-          </a:p>
-        </p:txBody>
-      </p:sp>
-      <p:sp>
-        <p:nvSpPr>
-          <p:cNvPr id="3" name="內容版面配置區 2">
-            <a:extLst>
-              <a:ext uri="{FF2B5EF4-FFF2-40B4-BE49-F238E27FC236}">
-                <a16:creationId xmlns:a16="http://schemas.microsoft.com/office/drawing/2014/main" id="{08CC9785-9BEE-42EC-BC98-520CF6084C8D}"/>
-              </a:ext>
-            </a:extLst>
-          </p:cNvPr>
-          <p:cNvSpPr>
-            <a:spLocks noGrp="1"/>
-          </p:cNvSpPr>
-          <p:nvPr>
-            <p:ph idx="1"/>
-          </p:nvPr>
-        </p:nvSpPr>
-        <p:spPr/>
-        <p:txBody>
-          <a:bodyPr>
-            <a:normAutofit/>
-          </a:bodyPr>
-          <a:lstStyle/>
-          <a:p>
-            <a:pPr marL="0" indent="0">
-              <a:buNone/>
-            </a:pPr>
-            <a:endParaRPr lang="en-US" altLang="zh-TW" sz="2800"/>
-          </a:p>
-          <a:p>
-            <a:pPr marL="0" indent="0">
-              <a:buNone/>
-            </a:pPr>
-            <a:r>
-              <a:rPr lang="en-US" altLang="zh-TW" sz="2800"/>
-              <a:t>[1, 2]</a:t>
-            </a:r>
-            <a:r>
-              <a:rPr lang="zh-TW" altLang="en-US" sz="2800"/>
-              <a:t> * </a:t>
-            </a:r>
-            <a:r>
-              <a:rPr lang="en-US" altLang="zh-TW" sz="2800"/>
-              <a:t>3</a:t>
-            </a:r>
-          </a:p>
-          <a:p>
-            <a:pPr marL="0" indent="0">
-              <a:buNone/>
-            </a:pPr>
-            <a:r>
-              <a:rPr lang="en-US" altLang="zh-TW" sz="2800"/>
-              <a:t>	</a:t>
-            </a:r>
-            <a:r>
-              <a:rPr lang="zh-TW" altLang="en-US" sz="2800"/>
-              <a:t>→ </a:t>
-            </a:r>
-            <a:r>
-              <a:rPr lang="en-US" altLang="zh-TW" sz="2800"/>
-              <a:t>[</a:t>
-            </a:r>
-            <a:r>
-              <a:rPr lang="en-US" altLang="zh-TW" sz="2800">
-                <a:solidFill>
-                  <a:srgbClr val="FF0000"/>
-                </a:solidFill>
-              </a:rPr>
-              <a:t>1, 2, </a:t>
-            </a:r>
-            <a:r>
-              <a:rPr lang="en-US" altLang="zh-TW" sz="2800">
-                <a:solidFill>
-                  <a:srgbClr val="0070C0"/>
-                </a:solidFill>
-              </a:rPr>
-              <a:t>1, 2, </a:t>
-            </a:r>
-            <a:r>
-              <a:rPr lang="en-US" altLang="zh-TW" sz="2800">
-                <a:solidFill>
-                  <a:srgbClr val="FF0000"/>
-                </a:solidFill>
-              </a:rPr>
-              <a:t>1, 2</a:t>
-            </a:r>
-            <a:r>
-              <a:rPr lang="en-US" altLang="zh-TW" sz="2800"/>
-              <a:t>]</a:t>
-            </a:r>
-          </a:p>
-          <a:p>
-            <a:pPr marL="0" indent="0">
-              <a:buNone/>
-            </a:pPr>
-            <a:endParaRPr lang="en-US" altLang="zh-TW" sz="2800"/>
-          </a:p>
-          <a:p>
-            <a:pPr marL="0" indent="0">
-              <a:buNone/>
-            </a:pPr>
-            <a:r>
-              <a:rPr lang="en-US" altLang="zh-TW" sz="2800"/>
-              <a:t>lst = [0, 2, 4]</a:t>
-            </a:r>
-          </a:p>
-          <a:p>
-            <a:pPr marL="0" indent="0">
-              <a:buNone/>
-            </a:pPr>
-            <a:r>
-              <a:rPr lang="en-US" altLang="zh-TW" sz="2800"/>
-              <a:t>lst *= 2</a:t>
-            </a:r>
-          </a:p>
-          <a:p>
-            <a:pPr marL="0" indent="0">
-              <a:buNone/>
-            </a:pPr>
-            <a:r>
-              <a:rPr lang="en-US" altLang="zh-TW" sz="2800"/>
-              <a:t>lst </a:t>
-            </a:r>
-            <a:r>
-              <a:rPr lang="zh-TW" altLang="en-US" sz="2800"/>
-              <a:t>→ </a:t>
-            </a:r>
-            <a:r>
-              <a:rPr lang="en-US" altLang="zh-TW" sz="2800"/>
-              <a:t>[</a:t>
-            </a:r>
-            <a:r>
-              <a:rPr lang="en-US" altLang="zh-TW" sz="2800">
-                <a:solidFill>
-                  <a:srgbClr val="0070C0"/>
-                </a:solidFill>
-              </a:rPr>
-              <a:t>0, 2, 4, </a:t>
-            </a:r>
-            <a:r>
-              <a:rPr lang="en-US" altLang="zh-TW" sz="2800">
-                <a:solidFill>
-                  <a:srgbClr val="FF0000"/>
-                </a:solidFill>
-              </a:rPr>
-              <a:t>0, 2, 4</a:t>
-            </a:r>
-            <a:r>
-              <a:rPr lang="en-US" altLang="zh-TW" sz="2800"/>
-              <a:t>]</a:t>
-            </a:r>
-            <a:endParaRPr lang="zh-TW" altLang="en-US" sz="2800"/>
-          </a:p>
-        </p:txBody>
-      </p:sp>
-    </p:spTree>
-    <p:extLst>
-      <p:ext uri="{BB962C8B-B14F-4D97-AF65-F5344CB8AC3E}">
-        <p14:creationId xmlns:p14="http://schemas.microsoft.com/office/powerpoint/2010/main" val="1515998711"/>
-      </p:ext>
-    </p:extLst>
-  </p:cSld>
-  <p:clrMapOvr>
-    <a:masterClrMapping/>
-  </p:clrMapOvr>
-</p:sld>
-</file>
-
-<file path=ppt/slides/slide29.xml><?xml version="1.0" encoding="utf-8"?>
-<p:sld xmlns:a="http://schemas.openxmlformats.org/drawingml/2006/main" xmlns:r="http://schemas.openxmlformats.org/officeDocument/2006/relationships" xmlns:p="http://schemas.openxmlformats.org/presentationml/2006/main">
-  <p:cSld>
-    <p:spTree>
-      <p:nvGrpSpPr>
-        <p:cNvPr id="1" name=""/>
-        <p:cNvGrpSpPr/>
-        <p:nvPr/>
-      </p:nvGrpSpPr>
-      <p:grpSpPr>
-        <a:xfrm>
-          <a:off x="0" y="0"/>
-          <a:ext cx="0" cy="0"/>
-          <a:chOff x="0" y="0"/>
-          <a:chExt cx="0" cy="0"/>
-        </a:xfrm>
-      </p:grpSpPr>
-      <p:sp>
-        <p:nvSpPr>
-          <p:cNvPr id="2" name="標題 1">
-            <a:extLst>
-              <a:ext uri="{FF2B5EF4-FFF2-40B4-BE49-F238E27FC236}">
-                <a16:creationId xmlns:a16="http://schemas.microsoft.com/office/drawing/2014/main" id="{E5DFD65C-1C9D-4B85-80C3-D81AE46D21B5}"/>
-              </a:ext>
-            </a:extLst>
-          </p:cNvPr>
-          <p:cNvSpPr>
-            <a:spLocks noGrp="1"/>
-          </p:cNvSpPr>
-          <p:nvPr>
-            <p:ph type="title"/>
-          </p:nvPr>
-        </p:nvSpPr>
-        <p:spPr/>
-        <p:txBody>
-          <a:bodyPr/>
-          <a:lstStyle/>
-          <a:p>
-            <a:r>
-              <a:rPr lang="zh-TW" altLang="en-US"/>
-              <a:t>串列長度 </a:t>
-            </a:r>
-            <a:r>
-              <a:rPr lang="en-US" altLang="zh-TW"/>
-              <a:t>len</a:t>
-            </a:r>
-            <a:endParaRPr lang="zh-TW" altLang="en-US"/>
-          </a:p>
-        </p:txBody>
-      </p:sp>
-      <p:sp>
-        <p:nvSpPr>
-          <p:cNvPr id="3" name="內容版面配置區 2">
-            <a:extLst>
-              <a:ext uri="{FF2B5EF4-FFF2-40B4-BE49-F238E27FC236}">
-                <a16:creationId xmlns:a16="http://schemas.microsoft.com/office/drawing/2014/main" id="{08CC9785-9BEE-42EC-BC98-520CF6084C8D}"/>
-              </a:ext>
-            </a:extLst>
-          </p:cNvPr>
-          <p:cNvSpPr>
-            <a:spLocks noGrp="1"/>
-          </p:cNvSpPr>
-          <p:nvPr>
-            <p:ph idx="1"/>
-          </p:nvPr>
-        </p:nvSpPr>
-        <p:spPr>
-          <a:xfrm>
-            <a:off x="1261872" y="1828800"/>
-            <a:ext cx="8595360" cy="4351337"/>
-          </a:xfrm>
-        </p:spPr>
-        <p:txBody>
-          <a:bodyPr>
-            <a:normAutofit/>
-          </a:bodyPr>
-          <a:lstStyle/>
-          <a:p>
-            <a:pPr marL="0" indent="0">
-              <a:buNone/>
-            </a:pPr>
-            <a:endParaRPr lang="en-US" altLang="zh-TW" sz="2400"/>
-          </a:p>
-          <a:p>
-            <a:pPr marL="0" indent="0">
-              <a:buNone/>
-            </a:pPr>
-            <a:r>
-              <a:rPr lang="en-US" altLang="zh-TW" sz="2400"/>
-              <a:t>len(list) </a:t>
-            </a:r>
-            <a:r>
-              <a:rPr lang="zh-TW" altLang="en-US" sz="2400"/>
-              <a:t>→ </a:t>
-            </a:r>
-            <a:r>
-              <a:rPr lang="zh-TW" altLang="en-US" sz="2400">
-                <a:solidFill>
-                  <a:srgbClr val="FF0000"/>
-                </a:solidFill>
-              </a:rPr>
-              <a:t>回傳 </a:t>
-            </a:r>
-            <a:r>
-              <a:rPr lang="en-US" altLang="zh-TW" sz="2400"/>
-              <a:t>list </a:t>
-            </a:r>
-            <a:r>
-              <a:rPr lang="zh-TW" altLang="en-US" sz="2400"/>
-              <a:t>的長度（元素數量）</a:t>
-            </a:r>
-            <a:endParaRPr lang="en-US" altLang="zh-TW" sz="2400"/>
-          </a:p>
-          <a:p>
-            <a:pPr marL="0" indent="0">
-              <a:buNone/>
-            </a:pPr>
-            <a:endParaRPr lang="en-US" altLang="zh-TW" sz="2400"/>
-          </a:p>
-          <a:p>
-            <a:pPr marL="0" indent="0">
-              <a:buNone/>
-            </a:pPr>
-            <a:r>
-              <a:rPr lang="en-US" altLang="zh-TW" sz="2400"/>
-              <a:t>lst</a:t>
-            </a:r>
-            <a:r>
-              <a:rPr lang="zh-TW" altLang="en-US" sz="2400"/>
-              <a:t> </a:t>
-            </a:r>
-            <a:r>
-              <a:rPr lang="en-US" altLang="zh-TW" sz="2400"/>
-              <a:t>=</a:t>
-            </a:r>
-            <a:r>
-              <a:rPr lang="zh-TW" altLang="en-US" sz="2400"/>
-              <a:t> </a:t>
-            </a:r>
-            <a:r>
-              <a:rPr lang="en-US" altLang="zh-TW" sz="2400"/>
-              <a:t>[1, 1, 2, 3, 5, 8]</a:t>
-            </a:r>
-          </a:p>
-          <a:p>
-            <a:pPr marL="0" indent="0">
-              <a:buNone/>
-            </a:pPr>
-            <a:r>
-              <a:rPr lang="en-US" altLang="zh-TW" sz="2400"/>
-              <a:t>l = len(lst) </a:t>
-            </a:r>
-            <a:r>
-              <a:rPr lang="zh-TW" altLang="en-US" sz="2400"/>
-              <a:t>→ </a:t>
-            </a:r>
-            <a:r>
-              <a:rPr lang="en-US" altLang="zh-TW" sz="2400"/>
-              <a:t>6</a:t>
-            </a:r>
-          </a:p>
-          <a:p>
-            <a:pPr marL="0" indent="0">
-              <a:buNone/>
-            </a:pPr>
-            <a:endParaRPr lang="en-US" altLang="zh-TW" sz="2400"/>
-          </a:p>
-          <a:p>
-            <a:pPr marL="0" indent="0">
-              <a:buNone/>
-            </a:pPr>
-            <a:r>
-              <a:rPr lang="en-US" altLang="zh-TW" sz="2400"/>
-              <a:t>lst</a:t>
-            </a:r>
-            <a:r>
-              <a:rPr lang="zh-TW" altLang="en-US" sz="2400"/>
-              <a:t> </a:t>
-            </a:r>
-            <a:r>
-              <a:rPr lang="en-US" altLang="zh-TW" sz="2400"/>
-              <a:t>=</a:t>
-            </a:r>
-            <a:r>
-              <a:rPr lang="zh-TW" altLang="en-US" sz="2400"/>
-              <a:t> </a:t>
-            </a:r>
-            <a:r>
-              <a:rPr lang="en-US" altLang="zh-TW" sz="2400"/>
-              <a:t>[1, 1, 2, 3, 5, 8, </a:t>
-            </a:r>
-            <a:r>
-              <a:rPr lang="en-US" altLang="zh-TW" sz="2400">
-                <a:solidFill>
-                  <a:srgbClr val="FF0000"/>
-                </a:solidFill>
-              </a:rPr>
-              <a:t>[0, 0, 0]</a:t>
-            </a:r>
-            <a:r>
-              <a:rPr lang="en-US" altLang="zh-TW" sz="2400"/>
-              <a:t>]</a:t>
-            </a:r>
-          </a:p>
-          <a:p>
-            <a:pPr marL="0" indent="0">
-              <a:buNone/>
-            </a:pPr>
-            <a:r>
-              <a:rPr lang="en-US" altLang="zh-TW" sz="2400"/>
-              <a:t>l = len(lst) </a:t>
-            </a:r>
-            <a:r>
-              <a:rPr lang="zh-TW" altLang="en-US" sz="2400"/>
-              <a:t>→ </a:t>
-            </a:r>
-            <a:r>
-              <a:rPr lang="en-US" altLang="zh-TW" sz="2400"/>
-              <a:t>7</a:t>
-            </a:r>
-          </a:p>
-        </p:txBody>
-      </p:sp>
-      <p:sp>
-        <p:nvSpPr>
-          <p:cNvPr id="4" name="箭號: 向下 3">
-            <a:extLst>
-              <a:ext uri="{FF2B5EF4-FFF2-40B4-BE49-F238E27FC236}">
-                <a16:creationId xmlns:a16="http://schemas.microsoft.com/office/drawing/2014/main" id="{C7E5A4BB-DC2E-42E1-9F89-6BD414667741}"/>
-              </a:ext>
-            </a:extLst>
-          </p:cNvPr>
-          <p:cNvSpPr/>
-          <p:nvPr/>
-        </p:nvSpPr>
-        <p:spPr>
-          <a:xfrm rot="12792551">
-            <a:off x="6915729" y="4406415"/>
-            <a:ext cx="414867" cy="508000"/>
-          </a:xfrm>
-          <a:prstGeom prst="downArrow">
-            <a:avLst/>
-          </a:prstGeom>
-        </p:spPr>
-        <p:style>
-          <a:lnRef idx="2">
-            <a:schemeClr val="accent1">
-              <a:shade val="50000"/>
-            </a:schemeClr>
-          </a:lnRef>
-          <a:fillRef idx="1">
-            <a:schemeClr val="accent1"/>
-          </a:fillRef>
-          <a:effectRef idx="0">
-            <a:schemeClr val="accent1"/>
-          </a:effectRef>
-          <a:fontRef idx="minor">
-            <a:schemeClr val="lt1"/>
-          </a:fontRef>
-        </p:style>
-        <p:txBody>
-          <a:bodyPr rtlCol="0" anchor="ctr"/>
-          <a:lstStyle/>
-          <a:p>
-            <a:pPr algn="ctr"/>
-            <a:endParaRPr lang="zh-TW" altLang="en-US"/>
-          </a:p>
-        </p:txBody>
-      </p:sp>
-      <p:sp>
-        <p:nvSpPr>
-          <p:cNvPr id="5" name="文字方塊 4">
-            <a:extLst>
-              <a:ext uri="{FF2B5EF4-FFF2-40B4-BE49-F238E27FC236}">
-                <a16:creationId xmlns:a16="http://schemas.microsoft.com/office/drawing/2014/main" id="{33DF8B8D-1065-4C5F-A7D8-076967E09642}"/>
-              </a:ext>
-            </a:extLst>
-          </p:cNvPr>
-          <p:cNvSpPr txBox="1"/>
-          <p:nvPr/>
-        </p:nvSpPr>
-        <p:spPr>
-          <a:xfrm>
-            <a:off x="6190317" y="3733434"/>
-            <a:ext cx="3358612" cy="461665"/>
-          </a:xfrm>
-          <a:prstGeom prst="rect">
-            <a:avLst/>
-          </a:prstGeom>
-          <a:noFill/>
-        </p:spPr>
-        <p:txBody>
-          <a:bodyPr wrap="none" rtlCol="0">
-            <a:spAutoFit/>
-          </a:bodyPr>
-          <a:lstStyle/>
-          <a:p>
-            <a:r>
-              <a:rPr lang="zh-TW" altLang="en-US" sz="2400"/>
-              <a:t>整個 </a:t>
-            </a:r>
-            <a:r>
-              <a:rPr lang="en-US" altLang="zh-TW" sz="2400"/>
-              <a:t>list </a:t>
-            </a:r>
-            <a:r>
-              <a:rPr lang="zh-TW" altLang="en-US" sz="2400"/>
-              <a:t>是一個元素</a:t>
-            </a:r>
-          </a:p>
-        </p:txBody>
-      </p:sp>
-    </p:spTree>
-    <p:extLst>
-      <p:ext uri="{BB962C8B-B14F-4D97-AF65-F5344CB8AC3E}">
-        <p14:creationId xmlns:p14="http://schemas.microsoft.com/office/powerpoint/2010/main" val="1909198585"/>
       </p:ext>
     </p:extLst>
   </p:cSld>
@@ -11911,7 +12082,7 @@
           <p:cNvPr id="2" name="標題 1">
             <a:extLst>
               <a:ext uri="{FF2B5EF4-FFF2-40B4-BE49-F238E27FC236}">
-                <a16:creationId xmlns:a16="http://schemas.microsoft.com/office/drawing/2014/main" id="{E5DFD65C-1C9D-4B85-80C3-D81AE46D21B5}"/>
+                <a16:creationId xmlns:a16="http://schemas.microsoft.com/office/drawing/2014/main" id="{871B9FF8-C6CF-471A-8A76-E9BCC6C72671}"/>
               </a:ext>
             </a:extLst>
           </p:cNvPr>
@@ -11929,13 +12100,8 @@
           <a:p>
             <a:r>
               <a:rPr lang="zh-TW" altLang="en-US"/>
-              <a:t>擴增 </a:t>
-            </a:r>
-            <a:r>
-              <a:rPr lang="en-US" altLang="zh-TW"/>
-              <a:t>append v.s. extend</a:t>
-            </a:r>
-            <a:endParaRPr lang="zh-TW" altLang="en-US"/>
+              <a:t>串列取值與切片：與字串相同</a:t>
+            </a:r>
           </a:p>
         </p:txBody>
       </p:sp>
@@ -11944,7 +12110,7 @@
           <p:cNvPr id="3" name="內容版面配置區 2">
             <a:extLst>
               <a:ext uri="{FF2B5EF4-FFF2-40B4-BE49-F238E27FC236}">
-                <a16:creationId xmlns:a16="http://schemas.microsoft.com/office/drawing/2014/main" id="{08CC9785-9BEE-42EC-BC98-520CF6084C8D}"/>
+                <a16:creationId xmlns:a16="http://schemas.microsoft.com/office/drawing/2014/main" id="{2A1C783E-BE9F-4418-BED7-9A4106D5451A}"/>
               </a:ext>
             </a:extLst>
           </p:cNvPr>
@@ -11955,12 +12121,7 @@
             <p:ph idx="1"/>
           </p:nvPr>
         </p:nvSpPr>
-        <p:spPr>
-          <a:xfrm>
-            <a:off x="1261871" y="1828800"/>
-            <a:ext cx="9692639" cy="4351337"/>
-          </a:xfrm>
-        </p:spPr>
+        <p:spPr/>
         <p:txBody>
           <a:bodyPr>
             <a:normAutofit/>
@@ -11970,166 +12131,119 @@
             <a:pPr marL="0" indent="0">
               <a:buNone/>
             </a:pPr>
-            <a:endParaRPr lang="en-US" altLang="zh-TW" sz="2400"/>
-          </a:p>
-          <a:p>
-            <a:pPr marL="0" indent="0">
-              <a:buNone/>
-            </a:pPr>
-            <a:r>
-              <a:rPr lang="en-US" altLang="zh-TW" sz="2400"/>
-              <a:t>lst.append(any)</a:t>
-            </a:r>
-            <a:r>
-              <a:rPr lang="zh-TW" altLang="en-US" sz="2400"/>
-              <a:t> → 將 </a:t>
-            </a:r>
-            <a:r>
-              <a:rPr lang="en-US" altLang="zh-TW" sz="2400"/>
-              <a:t>lst </a:t>
-            </a:r>
-            <a:r>
-              <a:rPr lang="zh-TW" altLang="en-US" sz="2400"/>
-              <a:t>新增一個元素的空間並置於最後</a:t>
-            </a:r>
-            <a:endParaRPr lang="en-US" altLang="zh-TW" sz="2400"/>
-          </a:p>
-          <a:p>
-            <a:pPr marL="0" indent="0">
-              <a:buNone/>
-            </a:pPr>
-            <a:r>
-              <a:rPr lang="en-US" altLang="zh-TW" sz="2400"/>
-              <a:t>lst.extend(container) </a:t>
-            </a:r>
-            <a:r>
-              <a:rPr lang="zh-TW" altLang="en-US" sz="2400"/>
-              <a:t>→ 將容器內的元素展開放到 </a:t>
-            </a:r>
-            <a:r>
-              <a:rPr lang="en-US" altLang="zh-TW" sz="2400"/>
-              <a:t>lst </a:t>
-            </a:r>
-            <a:r>
-              <a:rPr lang="zh-TW" altLang="en-US" sz="2400"/>
-              <a:t>後面</a:t>
-            </a:r>
-            <a:endParaRPr lang="en-US" altLang="zh-TW" sz="2400"/>
-          </a:p>
-          <a:p>
-            <a:pPr marL="0" indent="0">
-              <a:buNone/>
-            </a:pPr>
-            <a:endParaRPr lang="en-US" altLang="zh-TW" sz="2400"/>
-          </a:p>
-          <a:p>
-            <a:pPr marL="0" indent="0">
-              <a:buNone/>
-            </a:pPr>
-            <a:r>
-              <a:rPr lang="en-US" altLang="zh-TW" sz="2400"/>
-              <a:t>lst = [0, 1, 2]</a:t>
-            </a:r>
-          </a:p>
-          <a:p>
-            <a:pPr marL="0" indent="0">
-              <a:buNone/>
-            </a:pPr>
-            <a:r>
-              <a:rPr lang="en-US" altLang="zh-TW" sz="2400"/>
-              <a:t>lst.append(</a:t>
-            </a:r>
-            <a:r>
-              <a:rPr lang="en-US" altLang="zh-TW" sz="2400">
-                <a:solidFill>
-                  <a:srgbClr val="FF0000"/>
-                </a:solidFill>
-              </a:rPr>
-              <a:t>3</a:t>
-            </a:r>
-            <a:r>
-              <a:rPr lang="en-US" altLang="zh-TW" sz="2400"/>
-              <a:t>)</a:t>
-            </a:r>
-            <a:r>
-              <a:rPr lang="zh-TW" altLang="en-US" sz="2400"/>
-              <a:t> </a:t>
-            </a:r>
-            <a:r>
-              <a:rPr lang="en-US" altLang="zh-TW" sz="2400"/>
-              <a:t># lst </a:t>
-            </a:r>
-            <a:r>
-              <a:rPr lang="zh-TW" altLang="en-US" sz="2400"/>
+            <a:r>
+              <a:rPr lang="en-US" altLang="zh-TW" sz="2800"/>
+              <a:t>lst = [5, 2.0, [7.0, 7], “a”]</a:t>
+            </a:r>
+          </a:p>
+          <a:p>
+            <a:pPr marL="0" indent="0">
+              <a:buNone/>
+            </a:pPr>
+            <a:r>
+              <a:rPr lang="en-US" altLang="zh-TW" sz="2800"/>
+              <a:t>lst[0]</a:t>
+            </a:r>
+            <a:r>
+              <a:rPr lang="zh-TW" altLang="en-US" sz="2800"/>
+              <a:t> → </a:t>
+            </a:r>
+            <a:r>
+              <a:rPr lang="en-US" altLang="zh-TW" sz="2800"/>
+              <a:t>5</a:t>
+            </a:r>
+          </a:p>
+          <a:p>
+            <a:pPr marL="0" indent="0">
+              <a:buNone/>
+            </a:pPr>
+            <a:r>
+              <a:rPr lang="en-US" altLang="zh-TW" sz="2800"/>
+              <a:t>lst[1] </a:t>
+            </a:r>
+            <a:r>
+              <a:rPr lang="zh-TW" altLang="en-US" sz="2800"/>
               <a:t>→ </a:t>
             </a:r>
             <a:r>
-              <a:rPr lang="en-US" altLang="zh-TW" sz="2400"/>
-              <a:t>[0, 1, 2, </a:t>
-            </a:r>
-            <a:r>
-              <a:rPr lang="en-US" altLang="zh-TW" sz="2400">
-                <a:solidFill>
-                  <a:srgbClr val="FF0000"/>
-                </a:solidFill>
-              </a:rPr>
-              <a:t>3</a:t>
-            </a:r>
-            <a:r>
-              <a:rPr lang="en-US" altLang="zh-TW" sz="2400"/>
-              <a:t>]</a:t>
-            </a:r>
-          </a:p>
-          <a:p>
-            <a:pPr marL="0" indent="0">
-              <a:buNone/>
-            </a:pPr>
-            <a:r>
-              <a:rPr lang="en-US" altLang="zh-TW" sz="2400"/>
-              <a:t>lst.extend(3) </a:t>
-            </a:r>
-            <a:r>
-              <a:rPr lang="zh-TW" altLang="en-US" sz="2400"/>
+              <a:rPr lang="en-US" altLang="zh-TW" sz="2800"/>
+              <a:t>2.0</a:t>
+            </a:r>
+          </a:p>
+          <a:p>
+            <a:pPr marL="0" indent="0">
+              <a:buNone/>
+            </a:pPr>
+            <a:r>
+              <a:rPr lang="en-US" altLang="zh-TW" sz="2800"/>
+              <a:t>lst[2]</a:t>
+            </a:r>
+            <a:r>
+              <a:rPr lang="zh-TW" altLang="en-US" sz="2800"/>
+              <a:t> → </a:t>
+            </a:r>
+            <a:r>
+              <a:rPr lang="en-US" altLang="zh-TW" sz="2800"/>
+              <a:t>[7.0, 7]</a:t>
+            </a:r>
+          </a:p>
+          <a:p>
+            <a:pPr marL="0" indent="0">
+              <a:buNone/>
+            </a:pPr>
+            <a:r>
+              <a:rPr lang="en-US" altLang="zh-TW" sz="2800"/>
+              <a:t>lst[3] </a:t>
+            </a:r>
+            <a:r>
+              <a:rPr lang="zh-TW" altLang="en-US" sz="2800"/>
               <a:t>→ </a:t>
             </a:r>
             <a:r>
-              <a:rPr lang="en-US" altLang="zh-TW" sz="2400"/>
-              <a:t>Error </a:t>
-            </a:r>
-            <a:r>
-              <a:rPr lang="en-US" altLang="zh-TW" sz="2400">
-                <a:solidFill>
-                  <a:schemeClr val="bg1">
-                    <a:lumMod val="65000"/>
-                  </a:schemeClr>
-                </a:solidFill>
-              </a:rPr>
-              <a:t># 3 </a:t>
-            </a:r>
-            <a:r>
-              <a:rPr lang="zh-TW" altLang="en-US" sz="2400">
-                <a:solidFill>
-                  <a:schemeClr val="bg1">
-                    <a:lumMod val="65000"/>
-                  </a:schemeClr>
-                </a:solidFill>
-              </a:rPr>
-              <a:t>不是容器（非可迭代物件）</a:t>
-            </a:r>
-            <a:endParaRPr lang="en-US" altLang="zh-TW" sz="2400">
-              <a:solidFill>
-                <a:schemeClr val="bg1">
-                  <a:lumMod val="65000"/>
-                </a:schemeClr>
-              </a:solidFill>
-            </a:endParaRPr>
+              <a:rPr lang="en-US" altLang="zh-TW" sz="2800"/>
+              <a:t>“a”</a:t>
+            </a:r>
+          </a:p>
+          <a:p>
+            <a:pPr marL="0" indent="0">
+              <a:buNone/>
+            </a:pPr>
+            <a:r>
+              <a:rPr lang="en-US" altLang="zh-TW" sz="2800"/>
+              <a:t>lst[2][0] </a:t>
+            </a:r>
+            <a:r>
+              <a:rPr lang="zh-TW" altLang="en-US" sz="2800"/>
+              <a:t>→ </a:t>
+            </a:r>
+            <a:r>
+              <a:rPr lang="en-US" altLang="zh-TW" sz="2800"/>
+              <a:t>7.0</a:t>
+            </a:r>
+          </a:p>
+          <a:p>
+            <a:pPr marL="0" indent="0">
+              <a:buNone/>
+            </a:pPr>
+            <a:r>
+              <a:rPr lang="en-US" altLang="zh-TW" sz="2800"/>
+              <a:t>lst[1:3] </a:t>
+            </a:r>
+            <a:r>
+              <a:rPr lang="zh-TW" altLang="en-US" sz="2800"/>
+              <a:t>→ </a:t>
+            </a:r>
+            <a:r>
+              <a:rPr lang="en-US" altLang="zh-TW" sz="2800"/>
+              <a:t>[2.0, [7.0, 7]]</a:t>
+            </a:r>
           </a:p>
         </p:txBody>
       </p:sp>
     </p:spTree>
     <p:extLst>
       <p:ext uri="{BB962C8B-B14F-4D97-AF65-F5344CB8AC3E}">
-        <p14:creationId xmlns:p14="http://schemas.microsoft.com/office/powerpoint/2010/main" val="2432678669"/>
+        <p14:creationId xmlns:p14="http://schemas.microsoft.com/office/powerpoint/2010/main" val="1698115693"/>
       </p:ext>
     </p:extLst>
   </p:cSld>
@@ -12140,6 +12254,185 @@
 </file>
 
 <file path=ppt/slides/slide31.xml><?xml version="1.0" encoding="utf-8"?>
+<p:sld xmlns:a="http://schemas.openxmlformats.org/drawingml/2006/main" xmlns:r="http://schemas.openxmlformats.org/officeDocument/2006/relationships" xmlns:p="http://schemas.openxmlformats.org/presentationml/2006/main">
+  <p:cSld>
+    <p:spTree>
+      <p:nvGrpSpPr>
+        <p:cNvPr id="1" name=""/>
+        <p:cNvGrpSpPr/>
+        <p:nvPr/>
+      </p:nvGrpSpPr>
+      <p:grpSpPr>
+        <a:xfrm>
+          <a:off x="0" y="0"/>
+          <a:ext cx="0" cy="0"/>
+          <a:chOff x="0" y="0"/>
+          <a:chExt cx="0" cy="0"/>
+        </a:xfrm>
+      </p:grpSpPr>
+      <p:sp>
+        <p:nvSpPr>
+          <p:cNvPr id="2" name="標題 1">
+            <a:extLst>
+              <a:ext uri="{FF2B5EF4-FFF2-40B4-BE49-F238E27FC236}">
+                <a16:creationId xmlns:a16="http://schemas.microsoft.com/office/drawing/2014/main" id="{FDE12886-23A9-4A0E-876F-CA10E3B5792A}"/>
+              </a:ext>
+            </a:extLst>
+          </p:cNvPr>
+          <p:cNvSpPr>
+            <a:spLocks noGrp="1"/>
+          </p:cNvSpPr>
+          <p:nvPr>
+            <p:ph type="title"/>
+          </p:nvPr>
+        </p:nvSpPr>
+        <p:spPr/>
+        <p:txBody>
+          <a:bodyPr/>
+          <a:lstStyle/>
+          <a:p>
+            <a:r>
+              <a:rPr lang="zh-TW" altLang="en-US"/>
+              <a:t>串列元素可變更</a:t>
+            </a:r>
+          </a:p>
+        </p:txBody>
+      </p:sp>
+      <p:sp>
+        <p:nvSpPr>
+          <p:cNvPr id="3" name="內容版面配置區 2">
+            <a:extLst>
+              <a:ext uri="{FF2B5EF4-FFF2-40B4-BE49-F238E27FC236}">
+                <a16:creationId xmlns:a16="http://schemas.microsoft.com/office/drawing/2014/main" id="{4DE0C78A-9C1A-4E29-97A9-16DF4038E70B}"/>
+              </a:ext>
+            </a:extLst>
+          </p:cNvPr>
+          <p:cNvSpPr>
+            <a:spLocks noGrp="1"/>
+          </p:cNvSpPr>
+          <p:nvPr>
+            <p:ph idx="1"/>
+          </p:nvPr>
+        </p:nvSpPr>
+        <p:spPr/>
+        <p:txBody>
+          <a:bodyPr>
+            <a:normAutofit/>
+          </a:bodyPr>
+          <a:lstStyle/>
+          <a:p>
+            <a:pPr marL="0" indent="0">
+              <a:buNone/>
+            </a:pPr>
+            <a:endParaRPr lang="en-US" altLang="zh-TW" sz="2800"/>
+          </a:p>
+          <a:p>
+            <a:pPr marL="0" indent="0">
+              <a:buNone/>
+            </a:pPr>
+            <a:r>
+              <a:rPr lang="en-US" altLang="zh-TW" sz="2800"/>
+              <a:t>lst = [0, 1, </a:t>
+            </a:r>
+            <a:r>
+              <a:rPr lang="en-US" altLang="zh-TW" sz="2800">
+                <a:solidFill>
+                  <a:srgbClr val="FF0000"/>
+                </a:solidFill>
+              </a:rPr>
+              <a:t>2</a:t>
+            </a:r>
+            <a:r>
+              <a:rPr lang="en-US" altLang="zh-TW" sz="2800"/>
+              <a:t>, 3, 4]</a:t>
+            </a:r>
+          </a:p>
+          <a:p>
+            <a:pPr marL="0" indent="0">
+              <a:buNone/>
+            </a:pPr>
+            <a:r>
+              <a:rPr lang="en-US" altLang="zh-TW" sz="2800"/>
+              <a:t>lst[2] = [-1]</a:t>
+            </a:r>
+          </a:p>
+          <a:p>
+            <a:pPr marL="0" indent="0">
+              <a:buNone/>
+            </a:pPr>
+            <a:r>
+              <a:rPr lang="en-US" altLang="zh-TW" sz="2800"/>
+              <a:t>lst </a:t>
+            </a:r>
+            <a:r>
+              <a:rPr lang="zh-TW" altLang="en-US" sz="2800"/>
+              <a:t>→ </a:t>
+            </a:r>
+            <a:r>
+              <a:rPr lang="en-US" altLang="zh-TW" sz="2800"/>
+              <a:t>[0, 1, </a:t>
+            </a:r>
+            <a:r>
+              <a:rPr lang="en-US" altLang="zh-TW" sz="2800">
+                <a:solidFill>
+                  <a:srgbClr val="FF0000"/>
+                </a:solidFill>
+              </a:rPr>
+              <a:t>-1</a:t>
+            </a:r>
+            <a:r>
+              <a:rPr lang="en-US" altLang="zh-TW" sz="2800"/>
+              <a:t>, 3, 4]</a:t>
+            </a:r>
+          </a:p>
+          <a:p>
+            <a:pPr marL="0" indent="0">
+              <a:buNone/>
+            </a:pPr>
+            <a:endParaRPr lang="en-US" altLang="zh-TW" sz="2800"/>
+          </a:p>
+          <a:p>
+            <a:pPr marL="0" indent="0">
+              <a:buNone/>
+            </a:pPr>
+            <a:r>
+              <a:rPr lang="en-US" altLang="zh-TW" sz="2800"/>
+              <a:t>s = “01234”</a:t>
+            </a:r>
+          </a:p>
+          <a:p>
+            <a:pPr marL="0" indent="0">
+              <a:buNone/>
+            </a:pPr>
+            <a:r>
+              <a:rPr lang="en-US" altLang="zh-TW" sz="2800"/>
+              <a:t>s[2] = “x” </a:t>
+            </a:r>
+            <a:r>
+              <a:rPr lang="zh-TW" altLang="en-US" sz="2800"/>
+              <a:t>→ </a:t>
+            </a:r>
+            <a:r>
+              <a:rPr lang="en-US" altLang="zh-TW" sz="2800"/>
+              <a:t>Error</a:t>
+            </a:r>
+          </a:p>
+        </p:txBody>
+      </p:sp>
+    </p:spTree>
+    <p:extLst>
+      <p:ext uri="{BB962C8B-B14F-4D97-AF65-F5344CB8AC3E}">
+        <p14:creationId xmlns:p14="http://schemas.microsoft.com/office/powerpoint/2010/main" val="524509323"/>
+      </p:ext>
+    </p:extLst>
+  </p:cSld>
+  <p:clrMapOvr>
+    <a:masterClrMapping/>
+  </p:clrMapOvr>
+</p:sld>
+</file>
+
+<file path=ppt/slides/slide32.xml><?xml version="1.0" encoding="utf-8"?>
 <p:sld xmlns:a="http://schemas.openxmlformats.org/drawingml/2006/main" xmlns:r="http://schemas.openxmlformats.org/officeDocument/2006/relationships" xmlns:p="http://schemas.openxmlformats.org/presentationml/2006/main">
   <p:cSld>
     <p:spTree>
@@ -12179,6 +12472,787 @@
           <a:p>
             <a:r>
               <a:rPr lang="zh-TW" altLang="en-US"/>
+              <a:t>串列加法：與字串相同</a:t>
+            </a:r>
+          </a:p>
+        </p:txBody>
+      </p:sp>
+      <p:sp>
+        <p:nvSpPr>
+          <p:cNvPr id="3" name="內容版面配置區 2">
+            <a:extLst>
+              <a:ext uri="{FF2B5EF4-FFF2-40B4-BE49-F238E27FC236}">
+                <a16:creationId xmlns:a16="http://schemas.microsoft.com/office/drawing/2014/main" id="{08CC9785-9BEE-42EC-BC98-520CF6084C8D}"/>
+              </a:ext>
+            </a:extLst>
+          </p:cNvPr>
+          <p:cNvSpPr>
+            <a:spLocks noGrp="1"/>
+          </p:cNvSpPr>
+          <p:nvPr>
+            <p:ph idx="1"/>
+          </p:nvPr>
+        </p:nvSpPr>
+        <p:spPr/>
+        <p:txBody>
+          <a:bodyPr>
+            <a:normAutofit/>
+          </a:bodyPr>
+          <a:lstStyle/>
+          <a:p>
+            <a:pPr marL="0" indent="0">
+              <a:buNone/>
+            </a:pPr>
+            <a:endParaRPr lang="en-US" altLang="zh-TW" sz="2800"/>
+          </a:p>
+          <a:p>
+            <a:pPr marL="0" indent="0">
+              <a:buNone/>
+            </a:pPr>
+            <a:r>
+              <a:rPr lang="en-US" altLang="zh-TW" sz="2800"/>
+              <a:t>[</a:t>
+            </a:r>
+            <a:r>
+              <a:rPr lang="en-US" altLang="zh-TW" sz="2800">
+                <a:solidFill>
+                  <a:srgbClr val="0070C0"/>
+                </a:solidFill>
+              </a:rPr>
+              <a:t>1, 2</a:t>
+            </a:r>
+            <a:r>
+              <a:rPr lang="en-US" altLang="zh-TW" sz="2800"/>
+              <a:t>] + [</a:t>
+            </a:r>
+            <a:r>
+              <a:rPr lang="en-US" altLang="zh-TW" sz="2800">
+                <a:solidFill>
+                  <a:srgbClr val="FF0000"/>
+                </a:solidFill>
+              </a:rPr>
+              <a:t>“a”, “xyz”</a:t>
+            </a:r>
+            <a:r>
+              <a:rPr lang="en-US" altLang="zh-TW" sz="2800"/>
+              <a:t>]</a:t>
+            </a:r>
+          </a:p>
+          <a:p>
+            <a:pPr marL="0" indent="0">
+              <a:buNone/>
+            </a:pPr>
+            <a:r>
+              <a:rPr lang="en-US" altLang="zh-TW" sz="2800"/>
+              <a:t>	</a:t>
+            </a:r>
+            <a:r>
+              <a:rPr lang="zh-TW" altLang="en-US" sz="2800"/>
+              <a:t>→ </a:t>
+            </a:r>
+            <a:r>
+              <a:rPr lang="en-US" altLang="zh-TW" sz="2800"/>
+              <a:t>[</a:t>
+            </a:r>
+            <a:r>
+              <a:rPr lang="en-US" altLang="zh-TW" sz="2800">
+                <a:solidFill>
+                  <a:srgbClr val="0070C0"/>
+                </a:solidFill>
+              </a:rPr>
+              <a:t>1, 2, </a:t>
+            </a:r>
+            <a:r>
+              <a:rPr lang="en-US" altLang="zh-TW" sz="2800">
+                <a:solidFill>
+                  <a:srgbClr val="FF0000"/>
+                </a:solidFill>
+              </a:rPr>
+              <a:t>“a”, “xyz”</a:t>
+            </a:r>
+            <a:r>
+              <a:rPr lang="en-US" altLang="zh-TW" sz="2800"/>
+              <a:t>]</a:t>
+            </a:r>
+          </a:p>
+          <a:p>
+            <a:pPr marL="0" indent="0">
+              <a:buNone/>
+            </a:pPr>
+            <a:endParaRPr lang="en-US" altLang="zh-TW" sz="2800"/>
+          </a:p>
+          <a:p>
+            <a:pPr marL="0" indent="0">
+              <a:buNone/>
+            </a:pPr>
+            <a:r>
+              <a:rPr lang="en-US" altLang="zh-TW" sz="2800"/>
+              <a:t>lst = [</a:t>
+            </a:r>
+            <a:r>
+              <a:rPr lang="en-US" altLang="zh-TW" sz="2800">
+                <a:solidFill>
+                  <a:srgbClr val="0070C0"/>
+                </a:solidFill>
+              </a:rPr>
+              <a:t>0, 2, 4</a:t>
+            </a:r>
+            <a:r>
+              <a:rPr lang="en-US" altLang="zh-TW" sz="2800"/>
+              <a:t>]</a:t>
+            </a:r>
+          </a:p>
+          <a:p>
+            <a:pPr marL="0" indent="0">
+              <a:buNone/>
+            </a:pPr>
+            <a:r>
+              <a:rPr lang="en-US" altLang="zh-TW" sz="2800"/>
+              <a:t>lst += [</a:t>
+            </a:r>
+            <a:r>
+              <a:rPr lang="en-US" altLang="zh-TW" sz="2800">
+                <a:solidFill>
+                  <a:srgbClr val="FF0000"/>
+                </a:solidFill>
+              </a:rPr>
+              <a:t>6</a:t>
+            </a:r>
+            <a:r>
+              <a:rPr lang="en-US" altLang="zh-TW" sz="2800"/>
+              <a:t>]</a:t>
+            </a:r>
+          </a:p>
+          <a:p>
+            <a:pPr marL="0" indent="0">
+              <a:buNone/>
+            </a:pPr>
+            <a:r>
+              <a:rPr lang="en-US" altLang="zh-TW" sz="2800"/>
+              <a:t>lst </a:t>
+            </a:r>
+            <a:r>
+              <a:rPr lang="zh-TW" altLang="en-US" sz="2800"/>
+              <a:t>→ </a:t>
+            </a:r>
+            <a:r>
+              <a:rPr lang="en-US" altLang="zh-TW" sz="2800"/>
+              <a:t>[</a:t>
+            </a:r>
+            <a:r>
+              <a:rPr lang="en-US" altLang="zh-TW" sz="2800">
+                <a:solidFill>
+                  <a:srgbClr val="0070C0"/>
+                </a:solidFill>
+              </a:rPr>
+              <a:t>0, 2, 4, </a:t>
+            </a:r>
+            <a:r>
+              <a:rPr lang="en-US" altLang="zh-TW" sz="2800">
+                <a:solidFill>
+                  <a:srgbClr val="FF0000"/>
+                </a:solidFill>
+              </a:rPr>
+              <a:t>6</a:t>
+            </a:r>
+            <a:r>
+              <a:rPr lang="en-US" altLang="zh-TW" sz="2800"/>
+              <a:t>]</a:t>
+            </a:r>
+            <a:endParaRPr lang="zh-TW" altLang="en-US" sz="2800"/>
+          </a:p>
+        </p:txBody>
+      </p:sp>
+    </p:spTree>
+    <p:extLst>
+      <p:ext uri="{BB962C8B-B14F-4D97-AF65-F5344CB8AC3E}">
+        <p14:creationId xmlns:p14="http://schemas.microsoft.com/office/powerpoint/2010/main" val="3271310130"/>
+      </p:ext>
+    </p:extLst>
+  </p:cSld>
+  <p:clrMapOvr>
+    <a:masterClrMapping/>
+  </p:clrMapOvr>
+</p:sld>
+</file>
+
+<file path=ppt/slides/slide33.xml><?xml version="1.0" encoding="utf-8"?>
+<p:sld xmlns:a="http://schemas.openxmlformats.org/drawingml/2006/main" xmlns:r="http://schemas.openxmlformats.org/officeDocument/2006/relationships" xmlns:p="http://schemas.openxmlformats.org/presentationml/2006/main">
+  <p:cSld>
+    <p:spTree>
+      <p:nvGrpSpPr>
+        <p:cNvPr id="1" name=""/>
+        <p:cNvGrpSpPr/>
+        <p:nvPr/>
+      </p:nvGrpSpPr>
+      <p:grpSpPr>
+        <a:xfrm>
+          <a:off x="0" y="0"/>
+          <a:ext cx="0" cy="0"/>
+          <a:chOff x="0" y="0"/>
+          <a:chExt cx="0" cy="0"/>
+        </a:xfrm>
+      </p:grpSpPr>
+      <p:sp>
+        <p:nvSpPr>
+          <p:cNvPr id="2" name="標題 1">
+            <a:extLst>
+              <a:ext uri="{FF2B5EF4-FFF2-40B4-BE49-F238E27FC236}">
+                <a16:creationId xmlns:a16="http://schemas.microsoft.com/office/drawing/2014/main" id="{E5DFD65C-1C9D-4B85-80C3-D81AE46D21B5}"/>
+              </a:ext>
+            </a:extLst>
+          </p:cNvPr>
+          <p:cNvSpPr>
+            <a:spLocks noGrp="1"/>
+          </p:cNvSpPr>
+          <p:nvPr>
+            <p:ph type="title"/>
+          </p:nvPr>
+        </p:nvSpPr>
+        <p:spPr/>
+        <p:txBody>
+          <a:bodyPr/>
+          <a:lstStyle/>
+          <a:p>
+            <a:r>
+              <a:rPr lang="zh-TW" altLang="en-US"/>
+              <a:t>串列乘法：與字串相同</a:t>
+            </a:r>
+          </a:p>
+        </p:txBody>
+      </p:sp>
+      <p:sp>
+        <p:nvSpPr>
+          <p:cNvPr id="3" name="內容版面配置區 2">
+            <a:extLst>
+              <a:ext uri="{FF2B5EF4-FFF2-40B4-BE49-F238E27FC236}">
+                <a16:creationId xmlns:a16="http://schemas.microsoft.com/office/drawing/2014/main" id="{08CC9785-9BEE-42EC-BC98-520CF6084C8D}"/>
+              </a:ext>
+            </a:extLst>
+          </p:cNvPr>
+          <p:cNvSpPr>
+            <a:spLocks noGrp="1"/>
+          </p:cNvSpPr>
+          <p:nvPr>
+            <p:ph idx="1"/>
+          </p:nvPr>
+        </p:nvSpPr>
+        <p:spPr/>
+        <p:txBody>
+          <a:bodyPr>
+            <a:normAutofit/>
+          </a:bodyPr>
+          <a:lstStyle/>
+          <a:p>
+            <a:pPr marL="0" indent="0">
+              <a:buNone/>
+            </a:pPr>
+            <a:endParaRPr lang="en-US" altLang="zh-TW" sz="2800"/>
+          </a:p>
+          <a:p>
+            <a:pPr marL="0" indent="0">
+              <a:buNone/>
+            </a:pPr>
+            <a:r>
+              <a:rPr lang="en-US" altLang="zh-TW" sz="2800"/>
+              <a:t>[1, 2]</a:t>
+            </a:r>
+            <a:r>
+              <a:rPr lang="zh-TW" altLang="en-US" sz="2800"/>
+              <a:t> * </a:t>
+            </a:r>
+            <a:r>
+              <a:rPr lang="en-US" altLang="zh-TW" sz="2800"/>
+              <a:t>3</a:t>
+            </a:r>
+          </a:p>
+          <a:p>
+            <a:pPr marL="0" indent="0">
+              <a:buNone/>
+            </a:pPr>
+            <a:r>
+              <a:rPr lang="en-US" altLang="zh-TW" sz="2800"/>
+              <a:t>	</a:t>
+            </a:r>
+            <a:r>
+              <a:rPr lang="zh-TW" altLang="en-US" sz="2800"/>
+              <a:t>→ </a:t>
+            </a:r>
+            <a:r>
+              <a:rPr lang="en-US" altLang="zh-TW" sz="2800"/>
+              <a:t>[</a:t>
+            </a:r>
+            <a:r>
+              <a:rPr lang="en-US" altLang="zh-TW" sz="2800">
+                <a:solidFill>
+                  <a:srgbClr val="FF0000"/>
+                </a:solidFill>
+              </a:rPr>
+              <a:t>1, 2, </a:t>
+            </a:r>
+            <a:r>
+              <a:rPr lang="en-US" altLang="zh-TW" sz="2800">
+                <a:solidFill>
+                  <a:srgbClr val="0070C0"/>
+                </a:solidFill>
+              </a:rPr>
+              <a:t>1, 2, </a:t>
+            </a:r>
+            <a:r>
+              <a:rPr lang="en-US" altLang="zh-TW" sz="2800">
+                <a:solidFill>
+                  <a:srgbClr val="FF0000"/>
+                </a:solidFill>
+              </a:rPr>
+              <a:t>1, 2</a:t>
+            </a:r>
+            <a:r>
+              <a:rPr lang="en-US" altLang="zh-TW" sz="2800"/>
+              <a:t>]</a:t>
+            </a:r>
+          </a:p>
+          <a:p>
+            <a:pPr marL="0" indent="0">
+              <a:buNone/>
+            </a:pPr>
+            <a:endParaRPr lang="en-US" altLang="zh-TW" sz="2800"/>
+          </a:p>
+          <a:p>
+            <a:pPr marL="0" indent="0">
+              <a:buNone/>
+            </a:pPr>
+            <a:r>
+              <a:rPr lang="en-US" altLang="zh-TW" sz="2800"/>
+              <a:t>lst = [0, 2, 4]</a:t>
+            </a:r>
+          </a:p>
+          <a:p>
+            <a:pPr marL="0" indent="0">
+              <a:buNone/>
+            </a:pPr>
+            <a:r>
+              <a:rPr lang="en-US" altLang="zh-TW" sz="2800"/>
+              <a:t>lst *= 2</a:t>
+            </a:r>
+          </a:p>
+          <a:p>
+            <a:pPr marL="0" indent="0">
+              <a:buNone/>
+            </a:pPr>
+            <a:r>
+              <a:rPr lang="en-US" altLang="zh-TW" sz="2800"/>
+              <a:t>lst </a:t>
+            </a:r>
+            <a:r>
+              <a:rPr lang="zh-TW" altLang="en-US" sz="2800"/>
+              <a:t>→ </a:t>
+            </a:r>
+            <a:r>
+              <a:rPr lang="en-US" altLang="zh-TW" sz="2800"/>
+              <a:t>[</a:t>
+            </a:r>
+            <a:r>
+              <a:rPr lang="en-US" altLang="zh-TW" sz="2800">
+                <a:solidFill>
+                  <a:srgbClr val="0070C0"/>
+                </a:solidFill>
+              </a:rPr>
+              <a:t>0, 2, 4, </a:t>
+            </a:r>
+            <a:r>
+              <a:rPr lang="en-US" altLang="zh-TW" sz="2800">
+                <a:solidFill>
+                  <a:srgbClr val="FF0000"/>
+                </a:solidFill>
+              </a:rPr>
+              <a:t>0, 2, 4</a:t>
+            </a:r>
+            <a:r>
+              <a:rPr lang="en-US" altLang="zh-TW" sz="2800"/>
+              <a:t>]</a:t>
+            </a:r>
+            <a:endParaRPr lang="zh-TW" altLang="en-US" sz="2800"/>
+          </a:p>
+        </p:txBody>
+      </p:sp>
+    </p:spTree>
+    <p:extLst>
+      <p:ext uri="{BB962C8B-B14F-4D97-AF65-F5344CB8AC3E}">
+        <p14:creationId xmlns:p14="http://schemas.microsoft.com/office/powerpoint/2010/main" val="1515998711"/>
+      </p:ext>
+    </p:extLst>
+  </p:cSld>
+  <p:clrMapOvr>
+    <a:masterClrMapping/>
+  </p:clrMapOvr>
+</p:sld>
+</file>
+
+<file path=ppt/slides/slide34.xml><?xml version="1.0" encoding="utf-8"?>
+<p:sld xmlns:a="http://schemas.openxmlformats.org/drawingml/2006/main" xmlns:r="http://schemas.openxmlformats.org/officeDocument/2006/relationships" xmlns:p="http://schemas.openxmlformats.org/presentationml/2006/main">
+  <p:cSld>
+    <p:spTree>
+      <p:nvGrpSpPr>
+        <p:cNvPr id="1" name=""/>
+        <p:cNvGrpSpPr/>
+        <p:nvPr/>
+      </p:nvGrpSpPr>
+      <p:grpSpPr>
+        <a:xfrm>
+          <a:off x="0" y="0"/>
+          <a:ext cx="0" cy="0"/>
+          <a:chOff x="0" y="0"/>
+          <a:chExt cx="0" cy="0"/>
+        </a:xfrm>
+      </p:grpSpPr>
+      <p:sp>
+        <p:nvSpPr>
+          <p:cNvPr id="2" name="標題 1">
+            <a:extLst>
+              <a:ext uri="{FF2B5EF4-FFF2-40B4-BE49-F238E27FC236}">
+                <a16:creationId xmlns:a16="http://schemas.microsoft.com/office/drawing/2014/main" id="{E5DFD65C-1C9D-4B85-80C3-D81AE46D21B5}"/>
+              </a:ext>
+            </a:extLst>
+          </p:cNvPr>
+          <p:cNvSpPr>
+            <a:spLocks noGrp="1"/>
+          </p:cNvSpPr>
+          <p:nvPr>
+            <p:ph type="title"/>
+          </p:nvPr>
+        </p:nvSpPr>
+        <p:spPr/>
+        <p:txBody>
+          <a:bodyPr/>
+          <a:lstStyle/>
+          <a:p>
+            <a:r>
+              <a:rPr lang="zh-TW" altLang="en-US"/>
+              <a:t>串列長度 </a:t>
+            </a:r>
+            <a:r>
+              <a:rPr lang="en-US" altLang="zh-TW"/>
+              <a:t>len</a:t>
+            </a:r>
+            <a:endParaRPr lang="zh-TW" altLang="en-US"/>
+          </a:p>
+        </p:txBody>
+      </p:sp>
+      <p:sp>
+        <p:nvSpPr>
+          <p:cNvPr id="3" name="內容版面配置區 2">
+            <a:extLst>
+              <a:ext uri="{FF2B5EF4-FFF2-40B4-BE49-F238E27FC236}">
+                <a16:creationId xmlns:a16="http://schemas.microsoft.com/office/drawing/2014/main" id="{08CC9785-9BEE-42EC-BC98-520CF6084C8D}"/>
+              </a:ext>
+            </a:extLst>
+          </p:cNvPr>
+          <p:cNvSpPr>
+            <a:spLocks noGrp="1"/>
+          </p:cNvSpPr>
+          <p:nvPr>
+            <p:ph idx="1"/>
+          </p:nvPr>
+        </p:nvSpPr>
+        <p:spPr>
+          <a:xfrm>
+            <a:off x="1261872" y="1828800"/>
+            <a:ext cx="8595360" cy="4351337"/>
+          </a:xfrm>
+        </p:spPr>
+        <p:txBody>
+          <a:bodyPr>
+            <a:normAutofit/>
+          </a:bodyPr>
+          <a:lstStyle/>
+          <a:p>
+            <a:pPr marL="0" indent="0">
+              <a:buNone/>
+            </a:pPr>
+            <a:endParaRPr lang="en-US" altLang="zh-TW" sz="2400"/>
+          </a:p>
+          <a:p>
+            <a:pPr marL="0" indent="0">
+              <a:buNone/>
+            </a:pPr>
+            <a:r>
+              <a:rPr lang="en-US" altLang="zh-TW" sz="2400"/>
+              <a:t>len(list) </a:t>
+            </a:r>
+            <a:r>
+              <a:rPr lang="zh-TW" altLang="en-US" sz="2400"/>
+              <a:t>→ </a:t>
+            </a:r>
+            <a:r>
+              <a:rPr lang="zh-TW" altLang="en-US" sz="2400">
+                <a:solidFill>
+                  <a:srgbClr val="FF0000"/>
+                </a:solidFill>
+              </a:rPr>
+              <a:t>回傳 </a:t>
+            </a:r>
+            <a:r>
+              <a:rPr lang="en-US" altLang="zh-TW" sz="2400"/>
+              <a:t>list </a:t>
+            </a:r>
+            <a:r>
+              <a:rPr lang="zh-TW" altLang="en-US" sz="2400"/>
+              <a:t>的長度（元素數量）</a:t>
+            </a:r>
+            <a:endParaRPr lang="en-US" altLang="zh-TW" sz="2400"/>
+          </a:p>
+          <a:p>
+            <a:pPr marL="0" indent="0">
+              <a:buNone/>
+            </a:pPr>
+            <a:endParaRPr lang="en-US" altLang="zh-TW" sz="2400"/>
+          </a:p>
+          <a:p>
+            <a:pPr marL="0" indent="0">
+              <a:buNone/>
+            </a:pPr>
+            <a:r>
+              <a:rPr lang="en-US" altLang="zh-TW" sz="2400"/>
+              <a:t>lst</a:t>
+            </a:r>
+            <a:r>
+              <a:rPr lang="zh-TW" altLang="en-US" sz="2400"/>
+              <a:t> </a:t>
+            </a:r>
+            <a:r>
+              <a:rPr lang="en-US" altLang="zh-TW" sz="2400"/>
+              <a:t>=</a:t>
+            </a:r>
+            <a:r>
+              <a:rPr lang="zh-TW" altLang="en-US" sz="2400"/>
+              <a:t> </a:t>
+            </a:r>
+            <a:r>
+              <a:rPr lang="en-US" altLang="zh-TW" sz="2400"/>
+              <a:t>[1, 1, 2, 3, 5, 8]</a:t>
+            </a:r>
+          </a:p>
+          <a:p>
+            <a:pPr marL="0" indent="0">
+              <a:buNone/>
+            </a:pPr>
+            <a:r>
+              <a:rPr lang="en-US" altLang="zh-TW" sz="2400"/>
+              <a:t>l = len(lst) </a:t>
+            </a:r>
+            <a:r>
+              <a:rPr lang="zh-TW" altLang="en-US" sz="2400"/>
+              <a:t>→ </a:t>
+            </a:r>
+            <a:r>
+              <a:rPr lang="en-US" altLang="zh-TW" sz="2400"/>
+              <a:t>6</a:t>
+            </a:r>
+          </a:p>
+          <a:p>
+            <a:pPr marL="0" indent="0">
+              <a:buNone/>
+            </a:pPr>
+            <a:endParaRPr lang="en-US" altLang="zh-TW" sz="2400"/>
+          </a:p>
+          <a:p>
+            <a:pPr marL="0" indent="0">
+              <a:buNone/>
+            </a:pPr>
+            <a:r>
+              <a:rPr lang="en-US" altLang="zh-TW" sz="2400"/>
+              <a:t>lst</a:t>
+            </a:r>
+            <a:r>
+              <a:rPr lang="zh-TW" altLang="en-US" sz="2400"/>
+              <a:t> </a:t>
+            </a:r>
+            <a:r>
+              <a:rPr lang="en-US" altLang="zh-TW" sz="2400"/>
+              <a:t>=</a:t>
+            </a:r>
+            <a:r>
+              <a:rPr lang="zh-TW" altLang="en-US" sz="2400"/>
+              <a:t> </a:t>
+            </a:r>
+            <a:r>
+              <a:rPr lang="en-US" altLang="zh-TW" sz="2400"/>
+              <a:t>[1, 1, 2, 3, 5, 8, </a:t>
+            </a:r>
+            <a:r>
+              <a:rPr lang="en-US" altLang="zh-TW" sz="2400">
+                <a:solidFill>
+                  <a:srgbClr val="FF0000"/>
+                </a:solidFill>
+              </a:rPr>
+              <a:t>[0, 0, 0]</a:t>
+            </a:r>
+            <a:r>
+              <a:rPr lang="en-US" altLang="zh-TW" sz="2400"/>
+              <a:t>]</a:t>
+            </a:r>
+          </a:p>
+          <a:p>
+            <a:pPr marL="0" indent="0">
+              <a:buNone/>
+            </a:pPr>
+            <a:r>
+              <a:rPr lang="en-US" altLang="zh-TW" sz="2400"/>
+              <a:t>l = len(lst) </a:t>
+            </a:r>
+            <a:r>
+              <a:rPr lang="zh-TW" altLang="en-US" sz="2400"/>
+              <a:t>→ </a:t>
+            </a:r>
+            <a:r>
+              <a:rPr lang="en-US" altLang="zh-TW" sz="2400"/>
+              <a:t>7</a:t>
+            </a:r>
+          </a:p>
+        </p:txBody>
+      </p:sp>
+      <p:sp>
+        <p:nvSpPr>
+          <p:cNvPr id="4" name="箭號: 向下 3">
+            <a:extLst>
+              <a:ext uri="{FF2B5EF4-FFF2-40B4-BE49-F238E27FC236}">
+                <a16:creationId xmlns:a16="http://schemas.microsoft.com/office/drawing/2014/main" id="{C7E5A4BB-DC2E-42E1-9F89-6BD414667741}"/>
+              </a:ext>
+            </a:extLst>
+          </p:cNvPr>
+          <p:cNvSpPr/>
+          <p:nvPr/>
+        </p:nvSpPr>
+        <p:spPr>
+          <a:xfrm rot="12792551">
+            <a:off x="6915729" y="4406415"/>
+            <a:ext cx="414867" cy="508000"/>
+          </a:xfrm>
+          <a:prstGeom prst="downArrow">
+            <a:avLst/>
+          </a:prstGeom>
+        </p:spPr>
+        <p:style>
+          <a:lnRef idx="2">
+            <a:schemeClr val="accent1">
+              <a:shade val="50000"/>
+            </a:schemeClr>
+          </a:lnRef>
+          <a:fillRef idx="1">
+            <a:schemeClr val="accent1"/>
+          </a:fillRef>
+          <a:effectRef idx="0">
+            <a:schemeClr val="accent1"/>
+          </a:effectRef>
+          <a:fontRef idx="minor">
+            <a:schemeClr val="lt1"/>
+          </a:fontRef>
+        </p:style>
+        <p:txBody>
+          <a:bodyPr rtlCol="0" anchor="ctr"/>
+          <a:lstStyle/>
+          <a:p>
+            <a:pPr algn="ctr"/>
+            <a:endParaRPr lang="zh-TW" altLang="en-US"/>
+          </a:p>
+        </p:txBody>
+      </p:sp>
+      <p:sp>
+        <p:nvSpPr>
+          <p:cNvPr id="5" name="文字方塊 4">
+            <a:extLst>
+              <a:ext uri="{FF2B5EF4-FFF2-40B4-BE49-F238E27FC236}">
+                <a16:creationId xmlns:a16="http://schemas.microsoft.com/office/drawing/2014/main" id="{33DF8B8D-1065-4C5F-A7D8-076967E09642}"/>
+              </a:ext>
+            </a:extLst>
+          </p:cNvPr>
+          <p:cNvSpPr txBox="1"/>
+          <p:nvPr/>
+        </p:nvSpPr>
+        <p:spPr>
+          <a:xfrm>
+            <a:off x="6190317" y="3733434"/>
+            <a:ext cx="3358612" cy="461665"/>
+          </a:xfrm>
+          <a:prstGeom prst="rect">
+            <a:avLst/>
+          </a:prstGeom>
+          <a:noFill/>
+        </p:spPr>
+        <p:txBody>
+          <a:bodyPr wrap="none" rtlCol="0">
+            <a:spAutoFit/>
+          </a:bodyPr>
+          <a:lstStyle/>
+          <a:p>
+            <a:r>
+              <a:rPr lang="zh-TW" altLang="en-US" sz="2400"/>
+              <a:t>整個 </a:t>
+            </a:r>
+            <a:r>
+              <a:rPr lang="en-US" altLang="zh-TW" sz="2400"/>
+              <a:t>list </a:t>
+            </a:r>
+            <a:r>
+              <a:rPr lang="zh-TW" altLang="en-US" sz="2400"/>
+              <a:t>是一個元素</a:t>
+            </a:r>
+          </a:p>
+        </p:txBody>
+      </p:sp>
+    </p:spTree>
+    <p:extLst>
+      <p:ext uri="{BB962C8B-B14F-4D97-AF65-F5344CB8AC3E}">
+        <p14:creationId xmlns:p14="http://schemas.microsoft.com/office/powerpoint/2010/main" val="1909198585"/>
+      </p:ext>
+    </p:extLst>
+  </p:cSld>
+  <p:clrMapOvr>
+    <a:masterClrMapping/>
+  </p:clrMapOvr>
+</p:sld>
+</file>
+
+<file path=ppt/slides/slide35.xml><?xml version="1.0" encoding="utf-8"?>
+<p:sld xmlns:a="http://schemas.openxmlformats.org/drawingml/2006/main" xmlns:r="http://schemas.openxmlformats.org/officeDocument/2006/relationships" xmlns:p="http://schemas.openxmlformats.org/presentationml/2006/main">
+  <p:cSld>
+    <p:spTree>
+      <p:nvGrpSpPr>
+        <p:cNvPr id="1" name=""/>
+        <p:cNvGrpSpPr/>
+        <p:nvPr/>
+      </p:nvGrpSpPr>
+      <p:grpSpPr>
+        <a:xfrm>
+          <a:off x="0" y="0"/>
+          <a:ext cx="0" cy="0"/>
+          <a:chOff x="0" y="0"/>
+          <a:chExt cx="0" cy="0"/>
+        </a:xfrm>
+      </p:grpSpPr>
+      <p:sp>
+        <p:nvSpPr>
+          <p:cNvPr id="2" name="標題 1">
+            <a:extLst>
+              <a:ext uri="{FF2B5EF4-FFF2-40B4-BE49-F238E27FC236}">
+                <a16:creationId xmlns:a16="http://schemas.microsoft.com/office/drawing/2014/main" id="{E5DFD65C-1C9D-4B85-80C3-D81AE46D21B5}"/>
+              </a:ext>
+            </a:extLst>
+          </p:cNvPr>
+          <p:cNvSpPr>
+            <a:spLocks noGrp="1"/>
+          </p:cNvSpPr>
+          <p:nvPr>
+            <p:ph type="title"/>
+          </p:nvPr>
+        </p:nvSpPr>
+        <p:spPr/>
+        <p:txBody>
+          <a:bodyPr/>
+          <a:lstStyle/>
+          <a:p>
+            <a:r>
+              <a:rPr lang="zh-TW" altLang="en-US"/>
               <a:t>擴增 </a:t>
             </a:r>
             <a:r>
@@ -12240,6 +13314,256 @@
             </a:r>
             <a:r>
               <a:rPr lang="zh-TW" altLang="en-US" sz="2400"/>
+              <a:t>新增一個元素的空間並置於最後</a:t>
+            </a:r>
+            <a:endParaRPr lang="en-US" altLang="zh-TW" sz="2400"/>
+          </a:p>
+          <a:p>
+            <a:pPr marL="0" indent="0">
+              <a:buNone/>
+            </a:pPr>
+            <a:r>
+              <a:rPr lang="en-US" altLang="zh-TW" sz="2400"/>
+              <a:t>lst.extend(container) </a:t>
+            </a:r>
+            <a:r>
+              <a:rPr lang="zh-TW" altLang="en-US" sz="2400"/>
+              <a:t>→ 將容器內的元素展開放到 </a:t>
+            </a:r>
+            <a:r>
+              <a:rPr lang="en-US" altLang="zh-TW" sz="2400"/>
+              <a:t>lst </a:t>
+            </a:r>
+            <a:r>
+              <a:rPr lang="zh-TW" altLang="en-US" sz="2400"/>
+              <a:t>後面</a:t>
+            </a:r>
+            <a:endParaRPr lang="en-US" altLang="zh-TW" sz="2400"/>
+          </a:p>
+          <a:p>
+            <a:pPr marL="0" indent="0">
+              <a:buNone/>
+            </a:pPr>
+            <a:endParaRPr lang="en-US" altLang="zh-TW" sz="2400"/>
+          </a:p>
+          <a:p>
+            <a:pPr marL="0" indent="0">
+              <a:buNone/>
+            </a:pPr>
+            <a:r>
+              <a:rPr lang="en-US" altLang="zh-TW" sz="2400"/>
+              <a:t>lst = [0, 1, 2]</a:t>
+            </a:r>
+          </a:p>
+          <a:p>
+            <a:pPr marL="0" indent="0">
+              <a:buNone/>
+            </a:pPr>
+            <a:r>
+              <a:rPr lang="en-US" altLang="zh-TW" sz="2400"/>
+              <a:t>lst.append(</a:t>
+            </a:r>
+            <a:r>
+              <a:rPr lang="en-US" altLang="zh-TW" sz="2400">
+                <a:solidFill>
+                  <a:srgbClr val="FF0000"/>
+                </a:solidFill>
+              </a:rPr>
+              <a:t>3</a:t>
+            </a:r>
+            <a:r>
+              <a:rPr lang="en-US" altLang="zh-TW" sz="2400"/>
+              <a:t>)</a:t>
+            </a:r>
+            <a:r>
+              <a:rPr lang="zh-TW" altLang="en-US" sz="2400"/>
+              <a:t> </a:t>
+            </a:r>
+            <a:r>
+              <a:rPr lang="en-US" altLang="zh-TW" sz="2400"/>
+              <a:t># lst </a:t>
+            </a:r>
+            <a:r>
+              <a:rPr lang="zh-TW" altLang="en-US" sz="2400"/>
+              <a:t>→ </a:t>
+            </a:r>
+            <a:r>
+              <a:rPr lang="en-US" altLang="zh-TW" sz="2400"/>
+              <a:t>[0, 1, 2, </a:t>
+            </a:r>
+            <a:r>
+              <a:rPr lang="en-US" altLang="zh-TW" sz="2400">
+                <a:solidFill>
+                  <a:srgbClr val="FF0000"/>
+                </a:solidFill>
+              </a:rPr>
+              <a:t>3</a:t>
+            </a:r>
+            <a:r>
+              <a:rPr lang="en-US" altLang="zh-TW" sz="2400"/>
+              <a:t>]</a:t>
+            </a:r>
+          </a:p>
+          <a:p>
+            <a:pPr marL="0" indent="0">
+              <a:buNone/>
+            </a:pPr>
+            <a:r>
+              <a:rPr lang="en-US" altLang="zh-TW" sz="2400"/>
+              <a:t>lst.extend(3) </a:t>
+            </a:r>
+            <a:r>
+              <a:rPr lang="zh-TW" altLang="en-US" sz="2400"/>
+              <a:t>→ </a:t>
+            </a:r>
+            <a:r>
+              <a:rPr lang="en-US" altLang="zh-TW" sz="2400"/>
+              <a:t>Error </a:t>
+            </a:r>
+            <a:r>
+              <a:rPr lang="en-US" altLang="zh-TW" sz="2400">
+                <a:solidFill>
+                  <a:schemeClr val="bg1">
+                    <a:lumMod val="65000"/>
+                  </a:schemeClr>
+                </a:solidFill>
+              </a:rPr>
+              <a:t># 3 </a:t>
+            </a:r>
+            <a:r>
+              <a:rPr lang="zh-TW" altLang="en-US" sz="2400">
+                <a:solidFill>
+                  <a:schemeClr val="bg1">
+                    <a:lumMod val="65000"/>
+                  </a:schemeClr>
+                </a:solidFill>
+              </a:rPr>
+              <a:t>不是容器（非可迭代物件）</a:t>
+            </a:r>
+            <a:endParaRPr lang="en-US" altLang="zh-TW" sz="2400">
+              <a:solidFill>
+                <a:schemeClr val="bg1">
+                  <a:lumMod val="65000"/>
+                </a:schemeClr>
+              </a:solidFill>
+            </a:endParaRPr>
+          </a:p>
+        </p:txBody>
+      </p:sp>
+    </p:spTree>
+    <p:extLst>
+      <p:ext uri="{BB962C8B-B14F-4D97-AF65-F5344CB8AC3E}">
+        <p14:creationId xmlns:p14="http://schemas.microsoft.com/office/powerpoint/2010/main" val="2432678669"/>
+      </p:ext>
+    </p:extLst>
+  </p:cSld>
+  <p:clrMapOvr>
+    <a:masterClrMapping/>
+  </p:clrMapOvr>
+</p:sld>
+</file>
+
+<file path=ppt/slides/slide36.xml><?xml version="1.0" encoding="utf-8"?>
+<p:sld xmlns:a="http://schemas.openxmlformats.org/drawingml/2006/main" xmlns:r="http://schemas.openxmlformats.org/officeDocument/2006/relationships" xmlns:p="http://schemas.openxmlformats.org/presentationml/2006/main">
+  <p:cSld>
+    <p:spTree>
+      <p:nvGrpSpPr>
+        <p:cNvPr id="1" name=""/>
+        <p:cNvGrpSpPr/>
+        <p:nvPr/>
+      </p:nvGrpSpPr>
+      <p:grpSpPr>
+        <a:xfrm>
+          <a:off x="0" y="0"/>
+          <a:ext cx="0" cy="0"/>
+          <a:chOff x="0" y="0"/>
+          <a:chExt cx="0" cy="0"/>
+        </a:xfrm>
+      </p:grpSpPr>
+      <p:sp>
+        <p:nvSpPr>
+          <p:cNvPr id="2" name="標題 1">
+            <a:extLst>
+              <a:ext uri="{FF2B5EF4-FFF2-40B4-BE49-F238E27FC236}">
+                <a16:creationId xmlns:a16="http://schemas.microsoft.com/office/drawing/2014/main" id="{E5DFD65C-1C9D-4B85-80C3-D81AE46D21B5}"/>
+              </a:ext>
+            </a:extLst>
+          </p:cNvPr>
+          <p:cNvSpPr>
+            <a:spLocks noGrp="1"/>
+          </p:cNvSpPr>
+          <p:nvPr>
+            <p:ph type="title"/>
+          </p:nvPr>
+        </p:nvSpPr>
+        <p:spPr/>
+        <p:txBody>
+          <a:bodyPr/>
+          <a:lstStyle/>
+          <a:p>
+            <a:r>
+              <a:rPr lang="zh-TW" altLang="en-US"/>
+              <a:t>擴增 </a:t>
+            </a:r>
+            <a:r>
+              <a:rPr lang="en-US" altLang="zh-TW"/>
+              <a:t>append v.s. extend</a:t>
+            </a:r>
+            <a:endParaRPr lang="zh-TW" altLang="en-US"/>
+          </a:p>
+        </p:txBody>
+      </p:sp>
+      <p:sp>
+        <p:nvSpPr>
+          <p:cNvPr id="3" name="內容版面配置區 2">
+            <a:extLst>
+              <a:ext uri="{FF2B5EF4-FFF2-40B4-BE49-F238E27FC236}">
+                <a16:creationId xmlns:a16="http://schemas.microsoft.com/office/drawing/2014/main" id="{08CC9785-9BEE-42EC-BC98-520CF6084C8D}"/>
+              </a:ext>
+            </a:extLst>
+          </p:cNvPr>
+          <p:cNvSpPr>
+            <a:spLocks noGrp="1"/>
+          </p:cNvSpPr>
+          <p:nvPr>
+            <p:ph idx="1"/>
+          </p:nvPr>
+        </p:nvSpPr>
+        <p:spPr>
+          <a:xfrm>
+            <a:off x="1261871" y="1828800"/>
+            <a:ext cx="9692639" cy="4351337"/>
+          </a:xfrm>
+        </p:spPr>
+        <p:txBody>
+          <a:bodyPr>
+            <a:normAutofit/>
+          </a:bodyPr>
+          <a:lstStyle/>
+          <a:p>
+            <a:pPr marL="0" indent="0">
+              <a:buNone/>
+            </a:pPr>
+            <a:endParaRPr lang="en-US" altLang="zh-TW" sz="2400"/>
+          </a:p>
+          <a:p>
+            <a:pPr marL="0" indent="0">
+              <a:buNone/>
+            </a:pPr>
+            <a:r>
+              <a:rPr lang="en-US" altLang="zh-TW" sz="2400"/>
+              <a:t>lst.append(any)</a:t>
+            </a:r>
+            <a:r>
+              <a:rPr lang="zh-TW" altLang="en-US" sz="2400"/>
+              <a:t> → 將 </a:t>
+            </a:r>
+            <a:r>
+              <a:rPr lang="en-US" altLang="zh-TW" sz="2400"/>
+              <a:t>lst </a:t>
+            </a:r>
+            <a:r>
+              <a:rPr lang="zh-TW" altLang="en-US" sz="2400"/>
               <a:t>新增一個元素的空間並置 </a:t>
             </a:r>
             <a:r>
@@ -12426,7 +13750,7 @@
 </p:sld>
 </file>
 
-<file path=ppt/slides/slide32.xml><?xml version="1.0" encoding="utf-8"?>
+<file path=ppt/slides/slide37.xml><?xml version="1.0" encoding="utf-8"?>
 <p:sld xmlns:a="http://schemas.openxmlformats.org/drawingml/2006/main" xmlns:r="http://schemas.openxmlformats.org/officeDocument/2006/relationships" xmlns:p="http://schemas.openxmlformats.org/presentationml/2006/main">
   <p:cSld>
     <p:spTree>
@@ -12636,7 +13960,7 @@
 </p:sld>
 </file>
 
-<file path=ppt/slides/slide33.xml><?xml version="1.0" encoding="utf-8"?>
+<file path=ppt/slides/slide38.xml><?xml version="1.0" encoding="utf-8"?>
 <p:sld xmlns:a="http://schemas.openxmlformats.org/drawingml/2006/main" xmlns:r="http://schemas.openxmlformats.org/officeDocument/2006/relationships" xmlns:p="http://schemas.openxmlformats.org/presentationml/2006/main">
   <p:cSld>
     <p:spTree>
@@ -12827,1076 +14151,6 @@
 </p:sld>
 </file>
 
-<file path=ppt/slides/slide34.xml><?xml version="1.0" encoding="utf-8"?>
-<p:sld xmlns:a="http://schemas.openxmlformats.org/drawingml/2006/main" xmlns:r="http://schemas.openxmlformats.org/officeDocument/2006/relationships" xmlns:p="http://schemas.openxmlformats.org/presentationml/2006/main">
-  <p:cSld>
-    <p:spTree>
-      <p:nvGrpSpPr>
-        <p:cNvPr id="1" name=""/>
-        <p:cNvGrpSpPr/>
-        <p:nvPr/>
-      </p:nvGrpSpPr>
-      <p:grpSpPr>
-        <a:xfrm>
-          <a:off x="0" y="0"/>
-          <a:ext cx="0" cy="0"/>
-          <a:chOff x="0" y="0"/>
-          <a:chExt cx="0" cy="0"/>
-        </a:xfrm>
-      </p:grpSpPr>
-      <p:sp>
-        <p:nvSpPr>
-          <p:cNvPr id="2" name="標題 1">
-            <a:extLst>
-              <a:ext uri="{FF2B5EF4-FFF2-40B4-BE49-F238E27FC236}">
-                <a16:creationId xmlns:a16="http://schemas.microsoft.com/office/drawing/2014/main" id="{AC68AEB4-CBAD-4AC3-BCC6-CDF5736D7ADC}"/>
-              </a:ext>
-            </a:extLst>
-          </p:cNvPr>
-          <p:cNvSpPr>
-            <a:spLocks noGrp="1"/>
-          </p:cNvSpPr>
-          <p:nvPr>
-            <p:ph type="title"/>
-          </p:nvPr>
-        </p:nvSpPr>
-        <p:spPr/>
-        <p:txBody>
-          <a:bodyPr/>
-          <a:lstStyle/>
-          <a:p>
-            <a:r>
-              <a:rPr lang="zh-TW" altLang="en-US"/>
-              <a:t>反轉 </a:t>
-            </a:r>
-            <a:r>
-              <a:rPr lang="en-US" altLang="zh-TW"/>
-              <a:t>reverse</a:t>
-            </a:r>
-            <a:endParaRPr lang="zh-TW" altLang="en-US"/>
-          </a:p>
-        </p:txBody>
-      </p:sp>
-      <p:sp>
-        <p:nvSpPr>
-          <p:cNvPr id="3" name="內容版面配置區 2">
-            <a:extLst>
-              <a:ext uri="{FF2B5EF4-FFF2-40B4-BE49-F238E27FC236}">
-                <a16:creationId xmlns:a16="http://schemas.microsoft.com/office/drawing/2014/main" id="{F2EBC56D-02E2-4D14-BBF6-2745DE009B31}"/>
-              </a:ext>
-            </a:extLst>
-          </p:cNvPr>
-          <p:cNvSpPr>
-            <a:spLocks noGrp="1"/>
-          </p:cNvSpPr>
-          <p:nvPr>
-            <p:ph idx="1"/>
-          </p:nvPr>
-        </p:nvSpPr>
-        <p:spPr/>
-        <p:txBody>
-          <a:bodyPr/>
-          <a:lstStyle/>
-          <a:p>
-            <a:pPr marL="0" indent="0">
-              <a:buNone/>
-            </a:pPr>
-            <a:endParaRPr lang="en-US" altLang="zh-TW"/>
-          </a:p>
-          <a:p>
-            <a:pPr marL="0" indent="0">
-              <a:buNone/>
-            </a:pPr>
-            <a:r>
-              <a:rPr lang="en-US" altLang="zh-TW" sz="2400"/>
-              <a:t>lst.reverse() </a:t>
-            </a:r>
-            <a:r>
-              <a:rPr lang="zh-TW" altLang="en-US" sz="2400"/>
-              <a:t>→ 將 </a:t>
-            </a:r>
-            <a:r>
-              <a:rPr lang="en-US" altLang="zh-TW" sz="2400"/>
-              <a:t>lst </a:t>
-            </a:r>
-            <a:r>
-              <a:rPr lang="zh-TW" altLang="en-US" sz="2400"/>
-              <a:t>的元素反轉</a:t>
-            </a:r>
-            <a:endParaRPr lang="en-US" altLang="zh-TW" sz="2400"/>
-          </a:p>
-          <a:p>
-            <a:pPr marL="0" indent="0">
-              <a:buNone/>
-            </a:pPr>
-            <a:endParaRPr lang="en-US" altLang="zh-TW" sz="2400"/>
-          </a:p>
-          <a:p>
-            <a:pPr marL="0" indent="0">
-              <a:buNone/>
-            </a:pPr>
-            <a:r>
-              <a:rPr lang="en-US" altLang="zh-TW" sz="2400"/>
-              <a:t>lst = [“a”, True, [0, 1]]</a:t>
-            </a:r>
-          </a:p>
-          <a:p>
-            <a:pPr marL="0" indent="0">
-              <a:buNone/>
-            </a:pPr>
-            <a:r>
-              <a:rPr lang="en-US" altLang="zh-TW" sz="2400"/>
-              <a:t>lst.reverse()</a:t>
-            </a:r>
-          </a:p>
-          <a:p>
-            <a:pPr marL="0" indent="0">
-              <a:buNone/>
-            </a:pPr>
-            <a:r>
-              <a:rPr lang="en-US" altLang="zh-TW" sz="2400"/>
-              <a:t>lst </a:t>
-            </a:r>
-            <a:r>
-              <a:rPr lang="zh-TW" altLang="en-US" sz="2400"/>
-              <a:t>→ </a:t>
-            </a:r>
-            <a:r>
-              <a:rPr lang="en-US" altLang="zh-TW" sz="2400"/>
-              <a:t>[[0, 1], True, “a”]</a:t>
-            </a:r>
-            <a:endParaRPr lang="zh-TW" altLang="en-US" sz="2400"/>
-          </a:p>
-        </p:txBody>
-      </p:sp>
-    </p:spTree>
-    <p:extLst>
-      <p:ext uri="{BB962C8B-B14F-4D97-AF65-F5344CB8AC3E}">
-        <p14:creationId xmlns:p14="http://schemas.microsoft.com/office/powerpoint/2010/main" val="1143315519"/>
-      </p:ext>
-    </p:extLst>
-  </p:cSld>
-  <p:clrMapOvr>
-    <a:masterClrMapping/>
-  </p:clrMapOvr>
-</p:sld>
-</file>
-
-<file path=ppt/slides/slide35.xml><?xml version="1.0" encoding="utf-8"?>
-<p:sld xmlns:a="http://schemas.openxmlformats.org/drawingml/2006/main" xmlns:r="http://schemas.openxmlformats.org/officeDocument/2006/relationships" xmlns:p="http://schemas.openxmlformats.org/presentationml/2006/main">
-  <p:cSld>
-    <p:spTree>
-      <p:nvGrpSpPr>
-        <p:cNvPr id="1" name=""/>
-        <p:cNvGrpSpPr/>
-        <p:nvPr/>
-      </p:nvGrpSpPr>
-      <p:grpSpPr>
-        <a:xfrm>
-          <a:off x="0" y="0"/>
-          <a:ext cx="0" cy="0"/>
-          <a:chOff x="0" y="0"/>
-          <a:chExt cx="0" cy="0"/>
-        </a:xfrm>
-      </p:grpSpPr>
-      <p:sp>
-        <p:nvSpPr>
-          <p:cNvPr id="2" name="標題 1">
-            <a:extLst>
-              <a:ext uri="{FF2B5EF4-FFF2-40B4-BE49-F238E27FC236}">
-                <a16:creationId xmlns:a16="http://schemas.microsoft.com/office/drawing/2014/main" id="{AC68AEB4-CBAD-4AC3-BCC6-CDF5736D7ADC}"/>
-              </a:ext>
-            </a:extLst>
-          </p:cNvPr>
-          <p:cNvSpPr>
-            <a:spLocks noGrp="1"/>
-          </p:cNvSpPr>
-          <p:nvPr>
-            <p:ph type="title"/>
-          </p:nvPr>
-        </p:nvSpPr>
-        <p:spPr/>
-        <p:txBody>
-          <a:bodyPr/>
-          <a:lstStyle/>
-          <a:p>
-            <a:r>
-              <a:rPr lang="zh-TW" altLang="en-US"/>
-              <a:t>插入 </a:t>
-            </a:r>
-            <a:r>
-              <a:rPr lang="en-US" altLang="zh-TW"/>
-              <a:t>insert</a:t>
-            </a:r>
-            <a:endParaRPr lang="zh-TW" altLang="en-US"/>
-          </a:p>
-        </p:txBody>
-      </p:sp>
-      <p:sp>
-        <p:nvSpPr>
-          <p:cNvPr id="3" name="內容版面配置區 2">
-            <a:extLst>
-              <a:ext uri="{FF2B5EF4-FFF2-40B4-BE49-F238E27FC236}">
-                <a16:creationId xmlns:a16="http://schemas.microsoft.com/office/drawing/2014/main" id="{F2EBC56D-02E2-4D14-BBF6-2745DE009B31}"/>
-              </a:ext>
-            </a:extLst>
-          </p:cNvPr>
-          <p:cNvSpPr>
-            <a:spLocks noGrp="1"/>
-          </p:cNvSpPr>
-          <p:nvPr>
-            <p:ph idx="1"/>
-          </p:nvPr>
-        </p:nvSpPr>
-        <p:spPr/>
-        <p:txBody>
-          <a:bodyPr/>
-          <a:lstStyle/>
-          <a:p>
-            <a:pPr marL="0" indent="0">
-              <a:buNone/>
-            </a:pPr>
-            <a:endParaRPr lang="en-US" altLang="zh-TW"/>
-          </a:p>
-          <a:p>
-            <a:pPr marL="0" indent="0">
-              <a:buNone/>
-            </a:pPr>
-            <a:r>
-              <a:rPr lang="en-US" altLang="zh-TW" sz="2400"/>
-              <a:t>lst.insert(index, any) </a:t>
-            </a:r>
-            <a:r>
-              <a:rPr lang="zh-TW" altLang="en-US" sz="2400"/>
-              <a:t>→ 插入 </a:t>
-            </a:r>
-            <a:r>
-              <a:rPr lang="en-US" altLang="zh-TW" sz="2400"/>
-              <a:t>any </a:t>
-            </a:r>
-            <a:r>
-              <a:rPr lang="zh-TW" altLang="en-US" sz="2400"/>
-              <a:t>到 </a:t>
-            </a:r>
-            <a:r>
-              <a:rPr lang="en-US" altLang="zh-TW" sz="2400"/>
-              <a:t>index </a:t>
-            </a:r>
-            <a:r>
-              <a:rPr lang="zh-TW" altLang="en-US" sz="2400"/>
-              <a:t>之前</a:t>
-            </a:r>
-            <a:endParaRPr lang="en-US" altLang="zh-TW" sz="2400"/>
-          </a:p>
-          <a:p>
-            <a:pPr marL="0" indent="0">
-              <a:buNone/>
-            </a:pPr>
-            <a:endParaRPr lang="en-US" altLang="zh-TW" sz="2400"/>
-          </a:p>
-          <a:p>
-            <a:pPr marL="0" indent="0">
-              <a:buNone/>
-            </a:pPr>
-            <a:r>
-              <a:rPr lang="en-US" altLang="zh-TW" sz="2400"/>
-              <a:t>lst = [‘A’, ‘B’, </a:t>
-            </a:r>
-            <a:r>
-              <a:rPr lang="en-US" altLang="zh-TW" sz="2400">
-                <a:solidFill>
-                  <a:srgbClr val="0070C0"/>
-                </a:solidFill>
-              </a:rPr>
-              <a:t>‘C’</a:t>
-            </a:r>
-            <a:r>
-              <a:rPr lang="en-US" altLang="zh-TW" sz="2400"/>
-              <a:t>, ‘D’]</a:t>
-            </a:r>
-          </a:p>
-          <a:p>
-            <a:pPr marL="0" indent="0">
-              <a:buNone/>
-            </a:pPr>
-            <a:r>
-              <a:rPr lang="en-US" altLang="zh-TW" sz="2400"/>
-              <a:t>lst.insert(2, </a:t>
-            </a:r>
-            <a:r>
-              <a:rPr lang="en-US" altLang="zh-TW" sz="2400">
-                <a:solidFill>
-                  <a:srgbClr val="FF0000"/>
-                </a:solidFill>
-              </a:rPr>
-              <a:t>‘X’</a:t>
-            </a:r>
-            <a:r>
-              <a:rPr lang="en-US" altLang="zh-TW" sz="2400"/>
-              <a:t>)</a:t>
-            </a:r>
-          </a:p>
-          <a:p>
-            <a:pPr marL="0" indent="0">
-              <a:buNone/>
-            </a:pPr>
-            <a:r>
-              <a:rPr lang="en-US" altLang="zh-TW" sz="2400"/>
-              <a:t>lst </a:t>
-            </a:r>
-            <a:r>
-              <a:rPr lang="zh-TW" altLang="en-US" sz="2400"/>
-              <a:t>→ </a:t>
-            </a:r>
-            <a:r>
-              <a:rPr lang="en-US" altLang="zh-TW" sz="2400"/>
-              <a:t>[‘A’, ‘B’, </a:t>
-            </a:r>
-            <a:r>
-              <a:rPr lang="en-US" altLang="zh-TW" sz="2400">
-                <a:solidFill>
-                  <a:srgbClr val="FF0000"/>
-                </a:solidFill>
-              </a:rPr>
-              <a:t>‘X’</a:t>
-            </a:r>
-            <a:r>
-              <a:rPr lang="en-US" altLang="zh-TW" sz="2400"/>
-              <a:t>, </a:t>
-            </a:r>
-            <a:r>
-              <a:rPr lang="en-US" altLang="zh-TW" sz="2400">
-                <a:solidFill>
-                  <a:srgbClr val="0070C0"/>
-                </a:solidFill>
-              </a:rPr>
-              <a:t>‘C’</a:t>
-            </a:r>
-            <a:r>
-              <a:rPr lang="en-US" altLang="zh-TW" sz="2400"/>
-              <a:t>, ‘D’]</a:t>
-            </a:r>
-          </a:p>
-        </p:txBody>
-      </p:sp>
-    </p:spTree>
-    <p:extLst>
-      <p:ext uri="{BB962C8B-B14F-4D97-AF65-F5344CB8AC3E}">
-        <p14:creationId xmlns:p14="http://schemas.microsoft.com/office/powerpoint/2010/main" val="2310598532"/>
-      </p:ext>
-    </p:extLst>
-  </p:cSld>
-  <p:clrMapOvr>
-    <a:masterClrMapping/>
-  </p:clrMapOvr>
-</p:sld>
-</file>
-
-<file path=ppt/slides/slide36.xml><?xml version="1.0" encoding="utf-8"?>
-<p:sld xmlns:a="http://schemas.openxmlformats.org/drawingml/2006/main" xmlns:r="http://schemas.openxmlformats.org/officeDocument/2006/relationships" xmlns:p="http://schemas.openxmlformats.org/presentationml/2006/main">
-  <p:cSld>
-    <p:spTree>
-      <p:nvGrpSpPr>
-        <p:cNvPr id="1" name=""/>
-        <p:cNvGrpSpPr/>
-        <p:nvPr/>
-      </p:nvGrpSpPr>
-      <p:grpSpPr>
-        <a:xfrm>
-          <a:off x="0" y="0"/>
-          <a:ext cx="0" cy="0"/>
-          <a:chOff x="0" y="0"/>
-          <a:chExt cx="0" cy="0"/>
-        </a:xfrm>
-      </p:grpSpPr>
-      <p:sp>
-        <p:nvSpPr>
-          <p:cNvPr id="2" name="標題 1">
-            <a:extLst>
-              <a:ext uri="{FF2B5EF4-FFF2-40B4-BE49-F238E27FC236}">
-                <a16:creationId xmlns:a16="http://schemas.microsoft.com/office/drawing/2014/main" id="{4B003158-B04D-4D32-8B78-F70D5BA633AD}"/>
-              </a:ext>
-            </a:extLst>
-          </p:cNvPr>
-          <p:cNvSpPr>
-            <a:spLocks noGrp="1"/>
-          </p:cNvSpPr>
-          <p:nvPr>
-            <p:ph type="title"/>
-          </p:nvPr>
-        </p:nvSpPr>
-        <p:spPr/>
-        <p:txBody>
-          <a:bodyPr/>
-          <a:lstStyle/>
-          <a:p>
-            <a:r>
-              <a:rPr lang="zh-TW" altLang="en-US"/>
-              <a:t>取值並刪除 </a:t>
-            </a:r>
-            <a:r>
-              <a:rPr lang="en-US" altLang="zh-TW"/>
-              <a:t>pop</a:t>
-            </a:r>
-            <a:endParaRPr lang="zh-TW" altLang="en-US"/>
-          </a:p>
-        </p:txBody>
-      </p:sp>
-      <p:sp>
-        <p:nvSpPr>
-          <p:cNvPr id="3" name="內容版面配置區 2">
-            <a:extLst>
-              <a:ext uri="{FF2B5EF4-FFF2-40B4-BE49-F238E27FC236}">
-                <a16:creationId xmlns:a16="http://schemas.microsoft.com/office/drawing/2014/main" id="{7485DC28-0745-4016-AECF-9B3F3F643C42}"/>
-              </a:ext>
-            </a:extLst>
-          </p:cNvPr>
-          <p:cNvSpPr>
-            <a:spLocks noGrp="1"/>
-          </p:cNvSpPr>
-          <p:nvPr>
-            <p:ph idx="1"/>
-          </p:nvPr>
-        </p:nvSpPr>
-        <p:spPr/>
-        <p:txBody>
-          <a:bodyPr>
-            <a:normAutofit/>
-          </a:bodyPr>
-          <a:lstStyle/>
-          <a:p>
-            <a:pPr marL="0" indent="0">
-              <a:buNone/>
-            </a:pPr>
-            <a:endParaRPr lang="en-US" altLang="zh-TW" sz="2400"/>
-          </a:p>
-          <a:p>
-            <a:pPr marL="0" indent="0">
-              <a:buNone/>
-            </a:pPr>
-            <a:r>
-              <a:rPr lang="en-US" altLang="zh-TW" sz="2400"/>
-              <a:t>lst.pop(index) </a:t>
-            </a:r>
-            <a:r>
-              <a:rPr lang="zh-TW" altLang="en-US" sz="2400"/>
-              <a:t>→ </a:t>
-            </a:r>
-            <a:r>
-              <a:rPr lang="zh-TW" altLang="en-US" sz="2400">
-                <a:solidFill>
-                  <a:srgbClr val="FF0000"/>
-                </a:solidFill>
-              </a:rPr>
-              <a:t>回傳</a:t>
-            </a:r>
-            <a:r>
-              <a:rPr lang="zh-TW" altLang="en-US" sz="2400"/>
-              <a:t> </a:t>
-            </a:r>
-            <a:r>
-              <a:rPr lang="en-US" altLang="zh-TW" sz="2400"/>
-              <a:t>lst[index] </a:t>
-            </a:r>
-            <a:r>
-              <a:rPr lang="zh-TW" altLang="en-US" sz="2400"/>
-              <a:t>並將其刪除</a:t>
-            </a:r>
-            <a:endParaRPr lang="en-US" altLang="zh-TW" sz="2400"/>
-          </a:p>
-          <a:p>
-            <a:pPr marL="0" indent="0">
-              <a:buNone/>
-            </a:pPr>
-            <a:endParaRPr lang="en-US" altLang="zh-TW" sz="2400"/>
-          </a:p>
-          <a:p>
-            <a:pPr marL="0" indent="0">
-              <a:buNone/>
-            </a:pPr>
-            <a:r>
-              <a:rPr lang="en-US" altLang="zh-TW" sz="2400"/>
-              <a:t>lst = [‘A’, ‘B’, </a:t>
-            </a:r>
-            <a:r>
-              <a:rPr lang="en-US" altLang="zh-TW" sz="2400">
-                <a:solidFill>
-                  <a:srgbClr val="FF0000"/>
-                </a:solidFill>
-              </a:rPr>
-              <a:t>‘C’</a:t>
-            </a:r>
-            <a:r>
-              <a:rPr lang="en-US" altLang="zh-TW" sz="2400"/>
-              <a:t>, ‘D’]</a:t>
-            </a:r>
-          </a:p>
-          <a:p>
-            <a:pPr marL="0" indent="0">
-              <a:buNone/>
-            </a:pPr>
-            <a:r>
-              <a:rPr lang="en-US" altLang="zh-TW" sz="2400"/>
-              <a:t>s = lst.pop(2)</a:t>
-            </a:r>
-          </a:p>
-          <a:p>
-            <a:pPr marL="0" indent="0">
-              <a:buNone/>
-            </a:pPr>
-            <a:r>
-              <a:rPr lang="en-US" altLang="zh-TW" sz="2400"/>
-              <a:t>s </a:t>
-            </a:r>
-            <a:r>
-              <a:rPr lang="zh-TW" altLang="en-US" sz="2400"/>
-              <a:t>→ </a:t>
-            </a:r>
-            <a:r>
-              <a:rPr lang="en-US" altLang="zh-TW" sz="2400">
-                <a:solidFill>
-                  <a:srgbClr val="FF0000"/>
-                </a:solidFill>
-              </a:rPr>
-              <a:t>‘C’</a:t>
-            </a:r>
-          </a:p>
-          <a:p>
-            <a:pPr marL="0" indent="0">
-              <a:buNone/>
-            </a:pPr>
-            <a:r>
-              <a:rPr lang="en-US" altLang="zh-TW" sz="2400"/>
-              <a:t>lst</a:t>
-            </a:r>
-            <a:r>
-              <a:rPr lang="zh-TW" altLang="en-US" sz="2400"/>
-              <a:t> → </a:t>
-            </a:r>
-            <a:r>
-              <a:rPr lang="en-US" altLang="zh-TW" sz="2400"/>
-              <a:t>[‘A’,</a:t>
-            </a:r>
-            <a:r>
-              <a:rPr lang="zh-TW" altLang="en-US" sz="2400"/>
-              <a:t> </a:t>
-            </a:r>
-            <a:r>
-              <a:rPr lang="en-US" altLang="zh-TW" sz="2400"/>
-              <a:t>‘B’, ‘D’]</a:t>
-            </a:r>
-            <a:endParaRPr lang="zh-TW" altLang="en-US" sz="2400"/>
-          </a:p>
-        </p:txBody>
-      </p:sp>
-    </p:spTree>
-    <p:extLst>
-      <p:ext uri="{BB962C8B-B14F-4D97-AF65-F5344CB8AC3E}">
-        <p14:creationId xmlns:p14="http://schemas.microsoft.com/office/powerpoint/2010/main" val="3643430733"/>
-      </p:ext>
-    </p:extLst>
-  </p:cSld>
-  <p:clrMapOvr>
-    <a:masterClrMapping/>
-  </p:clrMapOvr>
-</p:sld>
-</file>
-
-<file path=ppt/slides/slide37.xml><?xml version="1.0" encoding="utf-8"?>
-<p:sld xmlns:a="http://schemas.openxmlformats.org/drawingml/2006/main" xmlns:r="http://schemas.openxmlformats.org/officeDocument/2006/relationships" xmlns:p="http://schemas.openxmlformats.org/presentationml/2006/main">
-  <p:cSld>
-    <p:spTree>
-      <p:nvGrpSpPr>
-        <p:cNvPr id="1" name=""/>
-        <p:cNvGrpSpPr/>
-        <p:nvPr/>
-      </p:nvGrpSpPr>
-      <p:grpSpPr>
-        <a:xfrm>
-          <a:off x="0" y="0"/>
-          <a:ext cx="0" cy="0"/>
-          <a:chOff x="0" y="0"/>
-          <a:chExt cx="0" cy="0"/>
-        </a:xfrm>
-      </p:grpSpPr>
-      <p:sp>
-        <p:nvSpPr>
-          <p:cNvPr id="2" name="標題 1">
-            <a:extLst>
-              <a:ext uri="{FF2B5EF4-FFF2-40B4-BE49-F238E27FC236}">
-                <a16:creationId xmlns:a16="http://schemas.microsoft.com/office/drawing/2014/main" id="{86166935-A246-4823-9799-71DAAF7681D0}"/>
-              </a:ext>
-            </a:extLst>
-          </p:cNvPr>
-          <p:cNvSpPr>
-            <a:spLocks noGrp="1"/>
-          </p:cNvSpPr>
-          <p:nvPr>
-            <p:ph type="title"/>
-          </p:nvPr>
-        </p:nvSpPr>
-        <p:spPr/>
-        <p:txBody>
-          <a:bodyPr/>
-          <a:lstStyle/>
-          <a:p>
-            <a:r>
-              <a:rPr lang="zh-TW" altLang="en-US"/>
-              <a:t>數量 </a:t>
-            </a:r>
-            <a:r>
-              <a:rPr lang="en-US" altLang="zh-TW"/>
-              <a:t>count</a:t>
-            </a:r>
-            <a:endParaRPr lang="zh-TW" altLang="en-US"/>
-          </a:p>
-        </p:txBody>
-      </p:sp>
-      <p:sp>
-        <p:nvSpPr>
-          <p:cNvPr id="3" name="內容版面配置區 2">
-            <a:extLst>
-              <a:ext uri="{FF2B5EF4-FFF2-40B4-BE49-F238E27FC236}">
-                <a16:creationId xmlns:a16="http://schemas.microsoft.com/office/drawing/2014/main" id="{BCE19237-B733-4595-B2FB-7B85AC65C316}"/>
-              </a:ext>
-            </a:extLst>
-          </p:cNvPr>
-          <p:cNvSpPr>
-            <a:spLocks noGrp="1"/>
-          </p:cNvSpPr>
-          <p:nvPr>
-            <p:ph idx="1"/>
-          </p:nvPr>
-        </p:nvSpPr>
-        <p:spPr/>
-        <p:txBody>
-          <a:bodyPr/>
-          <a:lstStyle/>
-          <a:p>
-            <a:pPr marL="0" indent="0">
-              <a:buNone/>
-            </a:pPr>
-            <a:endParaRPr lang="en-US" altLang="zh-TW"/>
-          </a:p>
-          <a:p>
-            <a:pPr marL="0" indent="0">
-              <a:buNone/>
-            </a:pPr>
-            <a:r>
-              <a:rPr lang="en-US" altLang="zh-TW" sz="2400"/>
-              <a:t>lst.count(item) </a:t>
-            </a:r>
-            <a:r>
-              <a:rPr lang="zh-TW" altLang="en-US" sz="2400"/>
-              <a:t>→ </a:t>
-            </a:r>
-            <a:r>
-              <a:rPr lang="zh-TW" altLang="en-US" sz="2400">
-                <a:solidFill>
-                  <a:srgbClr val="FF0000"/>
-                </a:solidFill>
-              </a:rPr>
-              <a:t>回傳</a:t>
-            </a:r>
-            <a:r>
-              <a:rPr lang="zh-TW" altLang="en-US" sz="2400"/>
-              <a:t> </a:t>
-            </a:r>
-            <a:r>
-              <a:rPr lang="en-US" altLang="zh-TW" sz="2400"/>
-              <a:t>lst </a:t>
-            </a:r>
-            <a:r>
-              <a:rPr lang="zh-TW" altLang="en-US" sz="2400"/>
-              <a:t>中 </a:t>
-            </a:r>
-            <a:r>
-              <a:rPr lang="en-US" altLang="zh-TW" sz="2400"/>
-              <a:t>item</a:t>
-            </a:r>
-            <a:r>
-              <a:rPr lang="zh-TW" altLang="en-US" sz="2400"/>
-              <a:t> 的數量</a:t>
-            </a:r>
-            <a:endParaRPr lang="en-US" altLang="zh-TW" sz="2400"/>
-          </a:p>
-          <a:p>
-            <a:pPr marL="0" indent="0">
-              <a:buNone/>
-            </a:pPr>
-            <a:endParaRPr lang="en-US" altLang="zh-TW" sz="2400"/>
-          </a:p>
-          <a:p>
-            <a:pPr marL="0" indent="0">
-              <a:buNone/>
-            </a:pPr>
-            <a:r>
-              <a:rPr lang="en-US" altLang="zh-TW" sz="2400"/>
-              <a:t>lst = [</a:t>
-            </a:r>
-            <a:r>
-              <a:rPr lang="en-US" altLang="zh-TW" sz="2400">
-                <a:solidFill>
-                  <a:srgbClr val="FF0000"/>
-                </a:solidFill>
-              </a:rPr>
-              <a:t>1</a:t>
-            </a:r>
-            <a:r>
-              <a:rPr lang="en-US" altLang="zh-TW" sz="2400"/>
-              <a:t>, 2, </a:t>
-            </a:r>
-            <a:r>
-              <a:rPr lang="en-US" altLang="zh-TW" sz="2400">
-                <a:solidFill>
-                  <a:srgbClr val="FF0000"/>
-                </a:solidFill>
-              </a:rPr>
-              <a:t>1</a:t>
-            </a:r>
-            <a:r>
-              <a:rPr lang="en-US" altLang="zh-TW" sz="2400"/>
-              <a:t>, 5, 6, 3]</a:t>
-            </a:r>
-          </a:p>
-          <a:p>
-            <a:pPr marL="0" indent="0">
-              <a:buNone/>
-            </a:pPr>
-            <a:r>
-              <a:rPr lang="en-US" altLang="zh-TW" sz="2400"/>
-              <a:t>lst.count(</a:t>
-            </a:r>
-            <a:r>
-              <a:rPr lang="en-US" altLang="zh-TW" sz="2400">
-                <a:solidFill>
-                  <a:srgbClr val="FF0000"/>
-                </a:solidFill>
-              </a:rPr>
-              <a:t>1</a:t>
-            </a:r>
-            <a:r>
-              <a:rPr lang="en-US" altLang="zh-TW" sz="2400"/>
-              <a:t>) </a:t>
-            </a:r>
-            <a:r>
-              <a:rPr lang="zh-TW" altLang="en-US" sz="2400"/>
-              <a:t>→ </a:t>
-            </a:r>
-            <a:r>
-              <a:rPr lang="en-US" altLang="zh-TW" sz="2400"/>
-              <a:t>2</a:t>
-            </a:r>
-            <a:endParaRPr lang="zh-TW" altLang="en-US" sz="2400"/>
-          </a:p>
-        </p:txBody>
-      </p:sp>
-    </p:spTree>
-    <p:extLst>
-      <p:ext uri="{BB962C8B-B14F-4D97-AF65-F5344CB8AC3E}">
-        <p14:creationId xmlns:p14="http://schemas.microsoft.com/office/powerpoint/2010/main" val="979539519"/>
-      </p:ext>
-    </p:extLst>
-  </p:cSld>
-  <p:clrMapOvr>
-    <a:masterClrMapping/>
-  </p:clrMapOvr>
-</p:sld>
-</file>
-
-<file path=ppt/slides/slide38.xml><?xml version="1.0" encoding="utf-8"?>
-<p:sld xmlns:a="http://schemas.openxmlformats.org/drawingml/2006/main" xmlns:r="http://schemas.openxmlformats.org/officeDocument/2006/relationships" xmlns:p="http://schemas.openxmlformats.org/presentationml/2006/main">
-  <p:cSld>
-    <p:spTree>
-      <p:nvGrpSpPr>
-        <p:cNvPr id="1" name=""/>
-        <p:cNvGrpSpPr/>
-        <p:nvPr/>
-      </p:nvGrpSpPr>
-      <p:grpSpPr>
-        <a:xfrm>
-          <a:off x="0" y="0"/>
-          <a:ext cx="0" cy="0"/>
-          <a:chOff x="0" y="0"/>
-          <a:chExt cx="0" cy="0"/>
-        </a:xfrm>
-      </p:grpSpPr>
-      <p:sp>
-        <p:nvSpPr>
-          <p:cNvPr id="2" name="標題 1">
-            <a:extLst>
-              <a:ext uri="{FF2B5EF4-FFF2-40B4-BE49-F238E27FC236}">
-                <a16:creationId xmlns:a16="http://schemas.microsoft.com/office/drawing/2014/main" id="{86166935-A246-4823-9799-71DAAF7681D0}"/>
-              </a:ext>
-            </a:extLst>
-          </p:cNvPr>
-          <p:cNvSpPr>
-            <a:spLocks noGrp="1"/>
-          </p:cNvSpPr>
-          <p:nvPr>
-            <p:ph type="title"/>
-          </p:nvPr>
-        </p:nvSpPr>
-        <p:spPr/>
-        <p:txBody>
-          <a:bodyPr/>
-          <a:lstStyle/>
-          <a:p>
-            <a:r>
-              <a:rPr lang="zh-TW" altLang="en-US"/>
-              <a:t>補充：映射 </a:t>
-            </a:r>
-            <a:r>
-              <a:rPr lang="en-US" altLang="zh-TW"/>
-              <a:t>map</a:t>
-            </a:r>
-            <a:endParaRPr lang="zh-TW" altLang="en-US"/>
-          </a:p>
-        </p:txBody>
-      </p:sp>
-      <p:sp>
-        <p:nvSpPr>
-          <p:cNvPr id="3" name="內容版面配置區 2">
-            <a:extLst>
-              <a:ext uri="{FF2B5EF4-FFF2-40B4-BE49-F238E27FC236}">
-                <a16:creationId xmlns:a16="http://schemas.microsoft.com/office/drawing/2014/main" id="{BCE19237-B733-4595-B2FB-7B85AC65C316}"/>
-              </a:ext>
-            </a:extLst>
-          </p:cNvPr>
-          <p:cNvSpPr>
-            <a:spLocks noGrp="1"/>
-          </p:cNvSpPr>
-          <p:nvPr>
-            <p:ph idx="1"/>
-          </p:nvPr>
-        </p:nvSpPr>
-        <p:spPr>
-          <a:xfrm>
-            <a:off x="1261872" y="1828800"/>
-            <a:ext cx="9775821" cy="4351337"/>
-          </a:xfrm>
-        </p:spPr>
-        <p:txBody>
-          <a:bodyPr>
-            <a:normAutofit/>
-          </a:bodyPr>
-          <a:lstStyle/>
-          <a:p>
-            <a:pPr marL="0" indent="0">
-              <a:buNone/>
-            </a:pPr>
-            <a:endParaRPr lang="en-US" altLang="zh-TW" sz="2400"/>
-          </a:p>
-          <a:p>
-            <a:pPr marL="0" indent="0">
-              <a:buNone/>
-            </a:pPr>
-            <a:r>
-              <a:rPr lang="en-US" altLang="zh-TW" sz="2400"/>
-              <a:t>map(func, container) </a:t>
-            </a:r>
-            <a:r>
-              <a:rPr lang="zh-TW" altLang="en-US" sz="2400"/>
-              <a:t>→ </a:t>
-            </a:r>
-            <a:r>
-              <a:rPr lang="zh-TW" altLang="en-US" sz="2400">
-                <a:solidFill>
-                  <a:srgbClr val="FF0000"/>
-                </a:solidFill>
-              </a:rPr>
-              <a:t>回傳</a:t>
-            </a:r>
-            <a:r>
-              <a:rPr lang="zh-TW" altLang="en-US" sz="2400"/>
-              <a:t>將每個元素經 </a:t>
-            </a:r>
-            <a:r>
-              <a:rPr lang="en-US" altLang="zh-TW" sz="2400"/>
-              <a:t>func </a:t>
-            </a:r>
-            <a:r>
-              <a:rPr lang="zh-TW" altLang="en-US" sz="2400"/>
-              <a:t>後的 </a:t>
-            </a:r>
-            <a:r>
-              <a:rPr lang="en-US" altLang="zh-TW" sz="2400"/>
-              <a:t>map </a:t>
-            </a:r>
-            <a:r>
-              <a:rPr lang="zh-TW" altLang="en-US" sz="2400"/>
-              <a:t>物件</a:t>
-            </a:r>
-            <a:endParaRPr lang="en-US" altLang="zh-TW" sz="2400"/>
-          </a:p>
-          <a:p>
-            <a:pPr marL="0" indent="0">
-              <a:buNone/>
-            </a:pPr>
-            <a:endParaRPr lang="en-US" altLang="zh-TW" sz="2400"/>
-          </a:p>
-          <a:p>
-            <a:pPr marL="0" indent="0">
-              <a:buNone/>
-            </a:pPr>
-            <a:r>
-              <a:rPr lang="en-US" altLang="zh-TW" sz="2400"/>
-              <a:t>lst = [“2”, “6”, “-3”]</a:t>
-            </a:r>
-          </a:p>
-          <a:p>
-            <a:pPr marL="0" indent="0">
-              <a:buNone/>
-            </a:pPr>
-            <a:r>
-              <a:rPr lang="en-US" altLang="zh-TW" sz="2400"/>
-              <a:t>lst = map(</a:t>
-            </a:r>
-            <a:r>
-              <a:rPr lang="en-US" altLang="zh-TW" sz="2400">
-                <a:solidFill>
-                  <a:srgbClr val="FF0000"/>
-                </a:solidFill>
-              </a:rPr>
-              <a:t>int</a:t>
-            </a:r>
-            <a:r>
-              <a:rPr lang="en-US" altLang="zh-TW" sz="2400"/>
-              <a:t>, </a:t>
-            </a:r>
-            <a:r>
-              <a:rPr lang="en-US" altLang="zh-TW" sz="2400">
-                <a:solidFill>
-                  <a:srgbClr val="FF0000"/>
-                </a:solidFill>
-              </a:rPr>
-              <a:t>lst</a:t>
-            </a:r>
-            <a:r>
-              <a:rPr lang="en-US" altLang="zh-TW" sz="2400"/>
-              <a:t>) </a:t>
-            </a:r>
-            <a:r>
-              <a:rPr lang="en-US" altLang="zh-TW" sz="2400">
-                <a:solidFill>
-                  <a:schemeClr val="bg1">
-                    <a:lumMod val="65000"/>
-                  </a:schemeClr>
-                </a:solidFill>
-              </a:rPr>
-              <a:t># type(lst) </a:t>
-            </a:r>
-            <a:r>
-              <a:rPr lang="zh-TW" altLang="en-US" sz="2400">
-                <a:solidFill>
-                  <a:schemeClr val="bg1">
-                    <a:lumMod val="65000"/>
-                  </a:schemeClr>
-                </a:solidFill>
-              </a:rPr>
-              <a:t>→ </a:t>
-            </a:r>
-            <a:r>
-              <a:rPr lang="en-US" altLang="zh-TW" sz="2400">
-                <a:solidFill>
-                  <a:schemeClr val="bg1">
-                    <a:lumMod val="65000"/>
-                  </a:schemeClr>
-                </a:solidFill>
-              </a:rPr>
-              <a:t>map</a:t>
-            </a:r>
-          </a:p>
-          <a:p>
-            <a:pPr marL="0" indent="0">
-              <a:buNone/>
-            </a:pPr>
-            <a:r>
-              <a:rPr lang="en-US" altLang="zh-TW" sz="2400"/>
-              <a:t>lst = </a:t>
-            </a:r>
-            <a:r>
-              <a:rPr lang="en-US" altLang="zh-TW" sz="2400">
-                <a:solidFill>
-                  <a:srgbClr val="0070C0"/>
-                </a:solidFill>
-              </a:rPr>
-              <a:t>list</a:t>
-            </a:r>
-            <a:r>
-              <a:rPr lang="en-US" altLang="zh-TW" sz="2400"/>
-              <a:t>(map(</a:t>
-            </a:r>
-            <a:r>
-              <a:rPr lang="en-US" altLang="zh-TW" sz="2400">
-                <a:solidFill>
-                  <a:srgbClr val="FF0000"/>
-                </a:solidFill>
-              </a:rPr>
-              <a:t>int</a:t>
-            </a:r>
-            <a:r>
-              <a:rPr lang="en-US" altLang="zh-TW" sz="2400"/>
-              <a:t>, </a:t>
-            </a:r>
-            <a:r>
-              <a:rPr lang="en-US" altLang="zh-TW" sz="2400">
-                <a:solidFill>
-                  <a:srgbClr val="FF0000"/>
-                </a:solidFill>
-              </a:rPr>
-              <a:t>lst</a:t>
-            </a:r>
-            <a:r>
-              <a:rPr lang="en-US" altLang="zh-TW" sz="2400"/>
-              <a:t>)) </a:t>
-            </a:r>
-            <a:r>
-              <a:rPr lang="en-US" altLang="zh-TW" sz="2400">
-                <a:solidFill>
-                  <a:schemeClr val="bg1">
-                    <a:lumMod val="65000"/>
-                  </a:schemeClr>
-                </a:solidFill>
-              </a:rPr>
-              <a:t># type(lst) </a:t>
-            </a:r>
-            <a:r>
-              <a:rPr lang="zh-TW" altLang="en-US" sz="2400">
-                <a:solidFill>
-                  <a:schemeClr val="bg1">
-                    <a:lumMod val="65000"/>
-                  </a:schemeClr>
-                </a:solidFill>
-              </a:rPr>
-              <a:t>→ </a:t>
-            </a:r>
-            <a:r>
-              <a:rPr lang="en-US" altLang="zh-TW" sz="2400">
-                <a:solidFill>
-                  <a:schemeClr val="bg1">
-                    <a:lumMod val="65000"/>
-                  </a:schemeClr>
-                </a:solidFill>
-              </a:rPr>
-              <a:t>list</a:t>
-            </a:r>
-          </a:p>
-        </p:txBody>
-      </p:sp>
-    </p:spTree>
-    <p:extLst>
-      <p:ext uri="{BB962C8B-B14F-4D97-AF65-F5344CB8AC3E}">
-        <p14:creationId xmlns:p14="http://schemas.microsoft.com/office/powerpoint/2010/main" val="942100656"/>
-      </p:ext>
-    </p:extLst>
-  </p:cSld>
-  <p:clrMapOvr>
-    <a:masterClrMapping/>
-  </p:clrMapOvr>
-</p:sld>
-</file>
-
 <file path=ppt/slides/slide39.xml><?xml version="1.0" encoding="utf-8"?>
 <p:sld xmlns:a="http://schemas.openxmlformats.org/drawingml/2006/main" xmlns:r="http://schemas.openxmlformats.org/officeDocument/2006/relationships" xmlns:p="http://schemas.openxmlformats.org/presentationml/2006/main">
   <p:cSld>
@@ -13919,7 +14173,7 @@
           <p:cNvPr id="2" name="標題 1">
             <a:extLst>
               <a:ext uri="{FF2B5EF4-FFF2-40B4-BE49-F238E27FC236}">
-                <a16:creationId xmlns:a16="http://schemas.microsoft.com/office/drawing/2014/main" id="{C2D0B30B-F9F1-411C-8B97-58C8979BB899}"/>
+                <a16:creationId xmlns:a16="http://schemas.microsoft.com/office/drawing/2014/main" id="{9CE269D6-FA10-4F83-8D8D-A11B04A986B2}"/>
               </a:ext>
             </a:extLst>
           </p:cNvPr>
@@ -13936,20 +14190,8 @@
           <a:lstStyle/>
           <a:p>
             <a:r>
-              <a:rPr lang="zh-TW" altLang="en-US"/>
-              <a:t>字串 </a:t>
-            </a:r>
-            <a:r>
-              <a:rPr lang="zh-TW" altLang="en-US" sz="4000"/>
-              <a:t>與</a:t>
-            </a:r>
-            <a:r>
-              <a:rPr lang="zh-TW" altLang="en-US"/>
-              <a:t> 串列 </a:t>
-            </a:r>
-            <a:r>
-              <a:rPr lang="zh-TW" altLang="en-US" sz="4400"/>
-              <a:t>的交互操作</a:t>
+              <a:rPr lang="en-US" altLang="zh-TW"/>
+              <a:t>sort v.s. sorted</a:t>
             </a:r>
             <a:endParaRPr lang="zh-TW" altLang="en-US"/>
           </a:p>
@@ -13957,10 +14199,10 @@
       </p:sp>
       <p:sp>
         <p:nvSpPr>
-          <p:cNvPr id="3" name="文字版面配置區 2">
+          <p:cNvPr id="3" name="內容版面配置區 2">
             <a:extLst>
               <a:ext uri="{FF2B5EF4-FFF2-40B4-BE49-F238E27FC236}">
-                <a16:creationId xmlns:a16="http://schemas.microsoft.com/office/drawing/2014/main" id="{9701EB94-FBB1-4339-81A8-CA44614DE3ED}"/>
+                <a16:creationId xmlns:a16="http://schemas.microsoft.com/office/drawing/2014/main" id="{180231C4-AFE6-499F-874B-C7F6DB7FB2A6}"/>
               </a:ext>
             </a:extLst>
           </p:cNvPr>
@@ -13968,22 +14210,129 @@
             <a:spLocks noGrp="1"/>
           </p:cNvSpPr>
           <p:nvPr>
-            <p:ph type="body" idx="1"/>
+            <p:ph idx="1"/>
           </p:nvPr>
         </p:nvSpPr>
-        <p:spPr/>
+        <p:spPr>
+          <a:xfrm>
+            <a:off x="1261872" y="1820333"/>
+            <a:ext cx="9253728" cy="4351337"/>
+          </a:xfrm>
+        </p:spPr>
         <p:txBody>
-          <a:bodyPr/>
+          <a:bodyPr>
+            <a:normAutofit/>
+          </a:bodyPr>
           <a:lstStyle/>
           <a:p>
-            <a:endParaRPr lang="zh-TW" altLang="en-US"/>
+            <a:pPr marL="0" indent="0">
+              <a:buNone/>
+            </a:pPr>
+            <a:endParaRPr lang="en-US" altLang="zh-TW" sz="2400"/>
+          </a:p>
+          <a:p>
+            <a:pPr marL="0" indent="0">
+              <a:buNone/>
+            </a:pPr>
+            <a:r>
+              <a:rPr lang="en-US" altLang="zh-TW" sz="2400"/>
+              <a:t>sorted(container)</a:t>
+            </a:r>
+            <a:r>
+              <a:rPr lang="zh-TW" altLang="en-US" sz="2400"/>
+              <a:t> → </a:t>
+            </a:r>
+            <a:r>
+              <a:rPr lang="zh-TW" altLang="en-US" sz="2400">
+                <a:solidFill>
+                  <a:srgbClr val="FF0000"/>
+                </a:solidFill>
+              </a:rPr>
+              <a:t>回傳</a:t>
+            </a:r>
+            <a:r>
+              <a:rPr lang="zh-TW" altLang="en-US" sz="2400"/>
+              <a:t>排序後的物件，且不影響原物件</a:t>
+            </a:r>
+            <a:endParaRPr lang="en-US" altLang="zh-TW" sz="2400"/>
+          </a:p>
+          <a:p>
+            <a:pPr marL="0" indent="0">
+              <a:buNone/>
+            </a:pPr>
+            <a:r>
+              <a:rPr lang="en-US" altLang="zh-TW" sz="2400"/>
+              <a:t>list.sort()</a:t>
+            </a:r>
+            <a:r>
+              <a:rPr lang="zh-TW" altLang="en-US" sz="2400"/>
+              <a:t> → 直接對 </a:t>
+            </a:r>
+            <a:r>
+              <a:rPr lang="en-US" altLang="zh-TW" sz="2400"/>
+              <a:t>list </a:t>
+            </a:r>
+            <a:r>
+              <a:rPr lang="zh-TW" altLang="en-US" sz="2400"/>
+              <a:t>排序</a:t>
+            </a:r>
+            <a:endParaRPr lang="en-US" altLang="zh-TW" sz="2400"/>
+          </a:p>
+          <a:p>
+            <a:pPr marL="0" indent="0">
+              <a:buNone/>
+            </a:pPr>
+            <a:endParaRPr lang="en-US" altLang="zh-TW" sz="2400"/>
+          </a:p>
+          <a:p>
+            <a:pPr marL="0" indent="0">
+              <a:buNone/>
+            </a:pPr>
+            <a:r>
+              <a:rPr lang="en-US" altLang="zh-TW" sz="2400"/>
+              <a:t>s = "aBcD"</a:t>
+            </a:r>
+          </a:p>
+          <a:p>
+            <a:pPr marL="0" indent="0">
+              <a:buNone/>
+            </a:pPr>
+            <a:r>
+              <a:rPr lang="en-US" altLang="zh-TW" sz="2400"/>
+              <a:t>sorted(s) </a:t>
+            </a:r>
+            <a:r>
+              <a:rPr lang="zh-TW" altLang="en-US" sz="2400"/>
+              <a:t>→ </a:t>
+            </a:r>
+            <a:r>
+              <a:rPr lang="en-US" altLang="zh-TW" sz="2400"/>
+              <a:t>['B', 'D', 'a', 'c']</a:t>
+            </a:r>
+          </a:p>
+          <a:p>
+            <a:pPr marL="0" indent="0">
+              <a:buNone/>
+            </a:pPr>
+            <a:r>
+              <a:rPr lang="en-US" altLang="zh-TW" sz="2400"/>
+              <a:t>s.sort() </a:t>
+            </a:r>
+            <a:r>
+              <a:rPr lang="zh-TW" altLang="en-US" sz="2400"/>
+              <a:t>→ </a:t>
+            </a:r>
+            <a:r>
+              <a:rPr lang="en-US" altLang="zh-TW" sz="2400"/>
+              <a:t>Error</a:t>
+            </a:r>
           </a:p>
         </p:txBody>
       </p:sp>
     </p:spTree>
     <p:extLst>
       <p:ext uri="{BB962C8B-B14F-4D97-AF65-F5344CB8AC3E}">
-        <p14:creationId xmlns:p14="http://schemas.microsoft.com/office/powerpoint/2010/main" val="1888925656"/>
+        <p14:creationId xmlns:p14="http://schemas.microsoft.com/office/powerpoint/2010/main" val="1798116919"/>
       </p:ext>
     </p:extLst>
   </p:cSld>
@@ -14111,6 +14460,1172 @@
           <p:cNvPr id="2" name="標題 1">
             <a:extLst>
               <a:ext uri="{FF2B5EF4-FFF2-40B4-BE49-F238E27FC236}">
+                <a16:creationId xmlns:a16="http://schemas.microsoft.com/office/drawing/2014/main" id="{AC68AEB4-CBAD-4AC3-BCC6-CDF5736D7ADC}"/>
+              </a:ext>
+            </a:extLst>
+          </p:cNvPr>
+          <p:cNvSpPr>
+            <a:spLocks noGrp="1"/>
+          </p:cNvSpPr>
+          <p:nvPr>
+            <p:ph type="title"/>
+          </p:nvPr>
+        </p:nvSpPr>
+        <p:spPr/>
+        <p:txBody>
+          <a:bodyPr/>
+          <a:lstStyle/>
+          <a:p>
+            <a:r>
+              <a:rPr lang="zh-TW" altLang="en-US"/>
+              <a:t>反轉 </a:t>
+            </a:r>
+            <a:r>
+              <a:rPr lang="en-US" altLang="zh-TW"/>
+              <a:t>reverse</a:t>
+            </a:r>
+            <a:endParaRPr lang="zh-TW" altLang="en-US"/>
+          </a:p>
+        </p:txBody>
+      </p:sp>
+      <p:sp>
+        <p:nvSpPr>
+          <p:cNvPr id="3" name="內容版面配置區 2">
+            <a:extLst>
+              <a:ext uri="{FF2B5EF4-FFF2-40B4-BE49-F238E27FC236}">
+                <a16:creationId xmlns:a16="http://schemas.microsoft.com/office/drawing/2014/main" id="{F2EBC56D-02E2-4D14-BBF6-2745DE009B31}"/>
+              </a:ext>
+            </a:extLst>
+          </p:cNvPr>
+          <p:cNvSpPr>
+            <a:spLocks noGrp="1"/>
+          </p:cNvSpPr>
+          <p:nvPr>
+            <p:ph idx="1"/>
+          </p:nvPr>
+        </p:nvSpPr>
+        <p:spPr/>
+        <p:txBody>
+          <a:bodyPr/>
+          <a:lstStyle/>
+          <a:p>
+            <a:pPr marL="0" indent="0">
+              <a:buNone/>
+            </a:pPr>
+            <a:endParaRPr lang="en-US" altLang="zh-TW"/>
+          </a:p>
+          <a:p>
+            <a:pPr marL="0" indent="0">
+              <a:buNone/>
+            </a:pPr>
+            <a:r>
+              <a:rPr lang="en-US" altLang="zh-TW" sz="2400"/>
+              <a:t>lst.reverse() </a:t>
+            </a:r>
+            <a:r>
+              <a:rPr lang="zh-TW" altLang="en-US" sz="2400"/>
+              <a:t>→ 將 </a:t>
+            </a:r>
+            <a:r>
+              <a:rPr lang="en-US" altLang="zh-TW" sz="2400"/>
+              <a:t>lst </a:t>
+            </a:r>
+            <a:r>
+              <a:rPr lang="zh-TW" altLang="en-US" sz="2400"/>
+              <a:t>的元素反轉</a:t>
+            </a:r>
+            <a:endParaRPr lang="en-US" altLang="zh-TW" sz="2400"/>
+          </a:p>
+          <a:p>
+            <a:pPr marL="0" indent="0">
+              <a:buNone/>
+            </a:pPr>
+            <a:endParaRPr lang="en-US" altLang="zh-TW" sz="2400"/>
+          </a:p>
+          <a:p>
+            <a:pPr marL="0" indent="0">
+              <a:buNone/>
+            </a:pPr>
+            <a:r>
+              <a:rPr lang="en-US" altLang="zh-TW" sz="2400"/>
+              <a:t>lst = [“a”, True, [0, 1]]</a:t>
+            </a:r>
+          </a:p>
+          <a:p>
+            <a:pPr marL="0" indent="0">
+              <a:buNone/>
+            </a:pPr>
+            <a:r>
+              <a:rPr lang="en-US" altLang="zh-TW" sz="2400"/>
+              <a:t>lst.reverse()</a:t>
+            </a:r>
+          </a:p>
+          <a:p>
+            <a:pPr marL="0" indent="0">
+              <a:buNone/>
+            </a:pPr>
+            <a:r>
+              <a:rPr lang="en-US" altLang="zh-TW" sz="2400"/>
+              <a:t>lst </a:t>
+            </a:r>
+            <a:r>
+              <a:rPr lang="zh-TW" altLang="en-US" sz="2400"/>
+              <a:t>→ </a:t>
+            </a:r>
+            <a:r>
+              <a:rPr lang="en-US" altLang="zh-TW" sz="2400"/>
+              <a:t>[[0, 1], True, “a”]</a:t>
+            </a:r>
+            <a:endParaRPr lang="zh-TW" altLang="en-US" sz="2400"/>
+          </a:p>
+        </p:txBody>
+      </p:sp>
+    </p:spTree>
+    <p:extLst>
+      <p:ext uri="{BB962C8B-B14F-4D97-AF65-F5344CB8AC3E}">
+        <p14:creationId xmlns:p14="http://schemas.microsoft.com/office/powerpoint/2010/main" val="1143315519"/>
+      </p:ext>
+    </p:extLst>
+  </p:cSld>
+  <p:clrMapOvr>
+    <a:masterClrMapping/>
+  </p:clrMapOvr>
+</p:sld>
+</file>
+
+<file path=ppt/slides/slide41.xml><?xml version="1.0" encoding="utf-8"?>
+<p:sld xmlns:a="http://schemas.openxmlformats.org/drawingml/2006/main" xmlns:r="http://schemas.openxmlformats.org/officeDocument/2006/relationships" xmlns:p="http://schemas.openxmlformats.org/presentationml/2006/main">
+  <p:cSld>
+    <p:spTree>
+      <p:nvGrpSpPr>
+        <p:cNvPr id="1" name=""/>
+        <p:cNvGrpSpPr/>
+        <p:nvPr/>
+      </p:nvGrpSpPr>
+      <p:grpSpPr>
+        <a:xfrm>
+          <a:off x="0" y="0"/>
+          <a:ext cx="0" cy="0"/>
+          <a:chOff x="0" y="0"/>
+          <a:chExt cx="0" cy="0"/>
+        </a:xfrm>
+      </p:grpSpPr>
+      <p:sp>
+        <p:nvSpPr>
+          <p:cNvPr id="2" name="標題 1">
+            <a:extLst>
+              <a:ext uri="{FF2B5EF4-FFF2-40B4-BE49-F238E27FC236}">
+                <a16:creationId xmlns:a16="http://schemas.microsoft.com/office/drawing/2014/main" id="{AC68AEB4-CBAD-4AC3-BCC6-CDF5736D7ADC}"/>
+              </a:ext>
+            </a:extLst>
+          </p:cNvPr>
+          <p:cNvSpPr>
+            <a:spLocks noGrp="1"/>
+          </p:cNvSpPr>
+          <p:nvPr>
+            <p:ph type="title"/>
+          </p:nvPr>
+        </p:nvSpPr>
+        <p:spPr/>
+        <p:txBody>
+          <a:bodyPr/>
+          <a:lstStyle/>
+          <a:p>
+            <a:r>
+              <a:rPr lang="zh-TW" altLang="en-US"/>
+              <a:t>插入 </a:t>
+            </a:r>
+            <a:r>
+              <a:rPr lang="en-US" altLang="zh-TW"/>
+              <a:t>insert</a:t>
+            </a:r>
+            <a:endParaRPr lang="zh-TW" altLang="en-US"/>
+          </a:p>
+        </p:txBody>
+      </p:sp>
+      <p:sp>
+        <p:nvSpPr>
+          <p:cNvPr id="3" name="內容版面配置區 2">
+            <a:extLst>
+              <a:ext uri="{FF2B5EF4-FFF2-40B4-BE49-F238E27FC236}">
+                <a16:creationId xmlns:a16="http://schemas.microsoft.com/office/drawing/2014/main" id="{F2EBC56D-02E2-4D14-BBF6-2745DE009B31}"/>
+              </a:ext>
+            </a:extLst>
+          </p:cNvPr>
+          <p:cNvSpPr>
+            <a:spLocks noGrp="1"/>
+          </p:cNvSpPr>
+          <p:nvPr>
+            <p:ph idx="1"/>
+          </p:nvPr>
+        </p:nvSpPr>
+        <p:spPr/>
+        <p:txBody>
+          <a:bodyPr/>
+          <a:lstStyle/>
+          <a:p>
+            <a:pPr marL="0" indent="0">
+              <a:buNone/>
+            </a:pPr>
+            <a:endParaRPr lang="en-US" altLang="zh-TW"/>
+          </a:p>
+          <a:p>
+            <a:pPr marL="0" indent="0">
+              <a:buNone/>
+            </a:pPr>
+            <a:r>
+              <a:rPr lang="en-US" altLang="zh-TW" sz="2400"/>
+              <a:t>lst.insert(index, any) </a:t>
+            </a:r>
+            <a:r>
+              <a:rPr lang="zh-TW" altLang="en-US" sz="2400"/>
+              <a:t>→ 插入 </a:t>
+            </a:r>
+            <a:r>
+              <a:rPr lang="en-US" altLang="zh-TW" sz="2400"/>
+              <a:t>any </a:t>
+            </a:r>
+            <a:r>
+              <a:rPr lang="zh-TW" altLang="en-US" sz="2400"/>
+              <a:t>到 </a:t>
+            </a:r>
+            <a:r>
+              <a:rPr lang="en-US" altLang="zh-TW" sz="2400"/>
+              <a:t>index </a:t>
+            </a:r>
+            <a:r>
+              <a:rPr lang="zh-TW" altLang="en-US" sz="2400"/>
+              <a:t>之前</a:t>
+            </a:r>
+            <a:endParaRPr lang="en-US" altLang="zh-TW" sz="2400"/>
+          </a:p>
+          <a:p>
+            <a:pPr marL="0" indent="0">
+              <a:buNone/>
+            </a:pPr>
+            <a:endParaRPr lang="en-US" altLang="zh-TW" sz="2400"/>
+          </a:p>
+          <a:p>
+            <a:pPr marL="0" indent="0">
+              <a:buNone/>
+            </a:pPr>
+            <a:r>
+              <a:rPr lang="en-US" altLang="zh-TW" sz="2400"/>
+              <a:t>lst = [‘A’, ‘B’, </a:t>
+            </a:r>
+            <a:r>
+              <a:rPr lang="en-US" altLang="zh-TW" sz="2400">
+                <a:solidFill>
+                  <a:srgbClr val="0070C0"/>
+                </a:solidFill>
+              </a:rPr>
+              <a:t>‘C’</a:t>
+            </a:r>
+            <a:r>
+              <a:rPr lang="en-US" altLang="zh-TW" sz="2400"/>
+              <a:t>, ‘D’]</a:t>
+            </a:r>
+          </a:p>
+          <a:p>
+            <a:pPr marL="0" indent="0">
+              <a:buNone/>
+            </a:pPr>
+            <a:r>
+              <a:rPr lang="en-US" altLang="zh-TW" sz="2400"/>
+              <a:t>lst.insert(2, </a:t>
+            </a:r>
+            <a:r>
+              <a:rPr lang="en-US" altLang="zh-TW" sz="2400">
+                <a:solidFill>
+                  <a:srgbClr val="FF0000"/>
+                </a:solidFill>
+              </a:rPr>
+              <a:t>‘X’</a:t>
+            </a:r>
+            <a:r>
+              <a:rPr lang="en-US" altLang="zh-TW" sz="2400"/>
+              <a:t>)</a:t>
+            </a:r>
+          </a:p>
+          <a:p>
+            <a:pPr marL="0" indent="0">
+              <a:buNone/>
+            </a:pPr>
+            <a:r>
+              <a:rPr lang="en-US" altLang="zh-TW" sz="2400"/>
+              <a:t>lst </a:t>
+            </a:r>
+            <a:r>
+              <a:rPr lang="zh-TW" altLang="en-US" sz="2400"/>
+              <a:t>→ </a:t>
+            </a:r>
+            <a:r>
+              <a:rPr lang="en-US" altLang="zh-TW" sz="2400"/>
+              <a:t>[‘A’, ‘B’, </a:t>
+            </a:r>
+            <a:r>
+              <a:rPr lang="en-US" altLang="zh-TW" sz="2400">
+                <a:solidFill>
+                  <a:srgbClr val="FF0000"/>
+                </a:solidFill>
+              </a:rPr>
+              <a:t>‘X’</a:t>
+            </a:r>
+            <a:r>
+              <a:rPr lang="en-US" altLang="zh-TW" sz="2400"/>
+              <a:t>, </a:t>
+            </a:r>
+            <a:r>
+              <a:rPr lang="en-US" altLang="zh-TW" sz="2400">
+                <a:solidFill>
+                  <a:srgbClr val="0070C0"/>
+                </a:solidFill>
+              </a:rPr>
+              <a:t>‘C’</a:t>
+            </a:r>
+            <a:r>
+              <a:rPr lang="en-US" altLang="zh-TW" sz="2400"/>
+              <a:t>, ‘D’]</a:t>
+            </a:r>
+          </a:p>
+        </p:txBody>
+      </p:sp>
+    </p:spTree>
+    <p:extLst>
+      <p:ext uri="{BB962C8B-B14F-4D97-AF65-F5344CB8AC3E}">
+        <p14:creationId xmlns:p14="http://schemas.microsoft.com/office/powerpoint/2010/main" val="2310598532"/>
+      </p:ext>
+    </p:extLst>
+  </p:cSld>
+  <p:clrMapOvr>
+    <a:masterClrMapping/>
+  </p:clrMapOvr>
+</p:sld>
+</file>
+
+<file path=ppt/slides/slide42.xml><?xml version="1.0" encoding="utf-8"?>
+<p:sld xmlns:a="http://schemas.openxmlformats.org/drawingml/2006/main" xmlns:r="http://schemas.openxmlformats.org/officeDocument/2006/relationships" xmlns:p="http://schemas.openxmlformats.org/presentationml/2006/main">
+  <p:cSld>
+    <p:spTree>
+      <p:nvGrpSpPr>
+        <p:cNvPr id="1" name=""/>
+        <p:cNvGrpSpPr/>
+        <p:nvPr/>
+      </p:nvGrpSpPr>
+      <p:grpSpPr>
+        <a:xfrm>
+          <a:off x="0" y="0"/>
+          <a:ext cx="0" cy="0"/>
+          <a:chOff x="0" y="0"/>
+          <a:chExt cx="0" cy="0"/>
+        </a:xfrm>
+      </p:grpSpPr>
+      <p:sp>
+        <p:nvSpPr>
+          <p:cNvPr id="2" name="標題 1">
+            <a:extLst>
+              <a:ext uri="{FF2B5EF4-FFF2-40B4-BE49-F238E27FC236}">
+                <a16:creationId xmlns:a16="http://schemas.microsoft.com/office/drawing/2014/main" id="{4B003158-B04D-4D32-8B78-F70D5BA633AD}"/>
+              </a:ext>
+            </a:extLst>
+          </p:cNvPr>
+          <p:cNvSpPr>
+            <a:spLocks noGrp="1"/>
+          </p:cNvSpPr>
+          <p:nvPr>
+            <p:ph type="title"/>
+          </p:nvPr>
+        </p:nvSpPr>
+        <p:spPr/>
+        <p:txBody>
+          <a:bodyPr/>
+          <a:lstStyle/>
+          <a:p>
+            <a:r>
+              <a:rPr lang="zh-TW" altLang="en-US"/>
+              <a:t>取值並刪除 </a:t>
+            </a:r>
+            <a:r>
+              <a:rPr lang="en-US" altLang="zh-TW"/>
+              <a:t>pop</a:t>
+            </a:r>
+            <a:endParaRPr lang="zh-TW" altLang="en-US"/>
+          </a:p>
+        </p:txBody>
+      </p:sp>
+      <p:sp>
+        <p:nvSpPr>
+          <p:cNvPr id="3" name="內容版面配置區 2">
+            <a:extLst>
+              <a:ext uri="{FF2B5EF4-FFF2-40B4-BE49-F238E27FC236}">
+                <a16:creationId xmlns:a16="http://schemas.microsoft.com/office/drawing/2014/main" id="{7485DC28-0745-4016-AECF-9B3F3F643C42}"/>
+              </a:ext>
+            </a:extLst>
+          </p:cNvPr>
+          <p:cNvSpPr>
+            <a:spLocks noGrp="1"/>
+          </p:cNvSpPr>
+          <p:nvPr>
+            <p:ph idx="1"/>
+          </p:nvPr>
+        </p:nvSpPr>
+        <p:spPr/>
+        <p:txBody>
+          <a:bodyPr>
+            <a:normAutofit/>
+          </a:bodyPr>
+          <a:lstStyle/>
+          <a:p>
+            <a:pPr marL="0" indent="0">
+              <a:buNone/>
+            </a:pPr>
+            <a:endParaRPr lang="en-US" altLang="zh-TW" sz="2400"/>
+          </a:p>
+          <a:p>
+            <a:pPr marL="0" indent="0">
+              <a:buNone/>
+            </a:pPr>
+            <a:r>
+              <a:rPr lang="en-US" altLang="zh-TW" sz="2400"/>
+              <a:t>lst.pop(index) </a:t>
+            </a:r>
+            <a:r>
+              <a:rPr lang="zh-TW" altLang="en-US" sz="2400"/>
+              <a:t>→ </a:t>
+            </a:r>
+            <a:r>
+              <a:rPr lang="zh-TW" altLang="en-US" sz="2400">
+                <a:solidFill>
+                  <a:srgbClr val="FF0000"/>
+                </a:solidFill>
+              </a:rPr>
+              <a:t>回傳</a:t>
+            </a:r>
+            <a:r>
+              <a:rPr lang="zh-TW" altLang="en-US" sz="2400"/>
+              <a:t> </a:t>
+            </a:r>
+            <a:r>
+              <a:rPr lang="en-US" altLang="zh-TW" sz="2400"/>
+              <a:t>lst[index] </a:t>
+            </a:r>
+            <a:r>
+              <a:rPr lang="zh-TW" altLang="en-US" sz="2400"/>
+              <a:t>並將其刪除</a:t>
+            </a:r>
+            <a:endParaRPr lang="en-US" altLang="zh-TW" sz="2400"/>
+          </a:p>
+          <a:p>
+            <a:pPr marL="0" indent="0">
+              <a:buNone/>
+            </a:pPr>
+            <a:endParaRPr lang="en-US" altLang="zh-TW" sz="2400"/>
+          </a:p>
+          <a:p>
+            <a:pPr marL="0" indent="0">
+              <a:buNone/>
+            </a:pPr>
+            <a:r>
+              <a:rPr lang="en-US" altLang="zh-TW" sz="2400"/>
+              <a:t>lst = [‘A’, ‘B’, </a:t>
+            </a:r>
+            <a:r>
+              <a:rPr lang="en-US" altLang="zh-TW" sz="2400">
+                <a:solidFill>
+                  <a:srgbClr val="FF0000"/>
+                </a:solidFill>
+              </a:rPr>
+              <a:t>‘C’</a:t>
+            </a:r>
+            <a:r>
+              <a:rPr lang="en-US" altLang="zh-TW" sz="2400"/>
+              <a:t>, ‘D’]</a:t>
+            </a:r>
+          </a:p>
+          <a:p>
+            <a:pPr marL="0" indent="0">
+              <a:buNone/>
+            </a:pPr>
+            <a:r>
+              <a:rPr lang="en-US" altLang="zh-TW" sz="2400"/>
+              <a:t>s = lst.pop(2)</a:t>
+            </a:r>
+          </a:p>
+          <a:p>
+            <a:pPr marL="0" indent="0">
+              <a:buNone/>
+            </a:pPr>
+            <a:r>
+              <a:rPr lang="en-US" altLang="zh-TW" sz="2400"/>
+              <a:t>s </a:t>
+            </a:r>
+            <a:r>
+              <a:rPr lang="zh-TW" altLang="en-US" sz="2400"/>
+              <a:t>→ </a:t>
+            </a:r>
+            <a:r>
+              <a:rPr lang="en-US" altLang="zh-TW" sz="2400">
+                <a:solidFill>
+                  <a:srgbClr val="FF0000"/>
+                </a:solidFill>
+              </a:rPr>
+              <a:t>‘C’</a:t>
+            </a:r>
+          </a:p>
+          <a:p>
+            <a:pPr marL="0" indent="0">
+              <a:buNone/>
+            </a:pPr>
+            <a:r>
+              <a:rPr lang="en-US" altLang="zh-TW" sz="2400"/>
+              <a:t>lst</a:t>
+            </a:r>
+            <a:r>
+              <a:rPr lang="zh-TW" altLang="en-US" sz="2400"/>
+              <a:t> → </a:t>
+            </a:r>
+            <a:r>
+              <a:rPr lang="en-US" altLang="zh-TW" sz="2400"/>
+              <a:t>[‘A’,</a:t>
+            </a:r>
+            <a:r>
+              <a:rPr lang="zh-TW" altLang="en-US" sz="2400"/>
+              <a:t> </a:t>
+            </a:r>
+            <a:r>
+              <a:rPr lang="en-US" altLang="zh-TW" sz="2400"/>
+              <a:t>‘B’, ‘D’]</a:t>
+            </a:r>
+            <a:endParaRPr lang="zh-TW" altLang="en-US" sz="2400"/>
+          </a:p>
+        </p:txBody>
+      </p:sp>
+    </p:spTree>
+    <p:extLst>
+      <p:ext uri="{BB962C8B-B14F-4D97-AF65-F5344CB8AC3E}">
+        <p14:creationId xmlns:p14="http://schemas.microsoft.com/office/powerpoint/2010/main" val="3643430733"/>
+      </p:ext>
+    </p:extLst>
+  </p:cSld>
+  <p:clrMapOvr>
+    <a:masterClrMapping/>
+  </p:clrMapOvr>
+</p:sld>
+</file>
+
+<file path=ppt/slides/slide43.xml><?xml version="1.0" encoding="utf-8"?>
+<p:sld xmlns:a="http://schemas.openxmlformats.org/drawingml/2006/main" xmlns:r="http://schemas.openxmlformats.org/officeDocument/2006/relationships" xmlns:p="http://schemas.openxmlformats.org/presentationml/2006/main">
+  <p:cSld>
+    <p:spTree>
+      <p:nvGrpSpPr>
+        <p:cNvPr id="1" name=""/>
+        <p:cNvGrpSpPr/>
+        <p:nvPr/>
+      </p:nvGrpSpPr>
+      <p:grpSpPr>
+        <a:xfrm>
+          <a:off x="0" y="0"/>
+          <a:ext cx="0" cy="0"/>
+          <a:chOff x="0" y="0"/>
+          <a:chExt cx="0" cy="0"/>
+        </a:xfrm>
+      </p:grpSpPr>
+      <p:sp>
+        <p:nvSpPr>
+          <p:cNvPr id="2" name="標題 1">
+            <a:extLst>
+              <a:ext uri="{FF2B5EF4-FFF2-40B4-BE49-F238E27FC236}">
+                <a16:creationId xmlns:a16="http://schemas.microsoft.com/office/drawing/2014/main" id="{86166935-A246-4823-9799-71DAAF7681D0}"/>
+              </a:ext>
+            </a:extLst>
+          </p:cNvPr>
+          <p:cNvSpPr>
+            <a:spLocks noGrp="1"/>
+          </p:cNvSpPr>
+          <p:nvPr>
+            <p:ph type="title"/>
+          </p:nvPr>
+        </p:nvSpPr>
+        <p:spPr/>
+        <p:txBody>
+          <a:bodyPr/>
+          <a:lstStyle/>
+          <a:p>
+            <a:r>
+              <a:rPr lang="zh-TW" altLang="en-US"/>
+              <a:t>數量 </a:t>
+            </a:r>
+            <a:r>
+              <a:rPr lang="en-US" altLang="zh-TW"/>
+              <a:t>count</a:t>
+            </a:r>
+            <a:endParaRPr lang="zh-TW" altLang="en-US"/>
+          </a:p>
+        </p:txBody>
+      </p:sp>
+      <p:sp>
+        <p:nvSpPr>
+          <p:cNvPr id="3" name="內容版面配置區 2">
+            <a:extLst>
+              <a:ext uri="{FF2B5EF4-FFF2-40B4-BE49-F238E27FC236}">
+                <a16:creationId xmlns:a16="http://schemas.microsoft.com/office/drawing/2014/main" id="{BCE19237-B733-4595-B2FB-7B85AC65C316}"/>
+              </a:ext>
+            </a:extLst>
+          </p:cNvPr>
+          <p:cNvSpPr>
+            <a:spLocks noGrp="1"/>
+          </p:cNvSpPr>
+          <p:nvPr>
+            <p:ph idx="1"/>
+          </p:nvPr>
+        </p:nvSpPr>
+        <p:spPr/>
+        <p:txBody>
+          <a:bodyPr/>
+          <a:lstStyle/>
+          <a:p>
+            <a:pPr marL="0" indent="0">
+              <a:buNone/>
+            </a:pPr>
+            <a:endParaRPr lang="en-US" altLang="zh-TW"/>
+          </a:p>
+          <a:p>
+            <a:pPr marL="0" indent="0">
+              <a:buNone/>
+            </a:pPr>
+            <a:r>
+              <a:rPr lang="en-US" altLang="zh-TW" sz="2400"/>
+              <a:t>lst.count(item) </a:t>
+            </a:r>
+            <a:r>
+              <a:rPr lang="zh-TW" altLang="en-US" sz="2400"/>
+              <a:t>→ </a:t>
+            </a:r>
+            <a:r>
+              <a:rPr lang="zh-TW" altLang="en-US" sz="2400">
+                <a:solidFill>
+                  <a:srgbClr val="FF0000"/>
+                </a:solidFill>
+              </a:rPr>
+              <a:t>回傳</a:t>
+            </a:r>
+            <a:r>
+              <a:rPr lang="zh-TW" altLang="en-US" sz="2400"/>
+              <a:t> </a:t>
+            </a:r>
+            <a:r>
+              <a:rPr lang="en-US" altLang="zh-TW" sz="2400"/>
+              <a:t>lst </a:t>
+            </a:r>
+            <a:r>
+              <a:rPr lang="zh-TW" altLang="en-US" sz="2400"/>
+              <a:t>中 </a:t>
+            </a:r>
+            <a:r>
+              <a:rPr lang="en-US" altLang="zh-TW" sz="2400"/>
+              <a:t>item</a:t>
+            </a:r>
+            <a:r>
+              <a:rPr lang="zh-TW" altLang="en-US" sz="2400"/>
+              <a:t> 的數量</a:t>
+            </a:r>
+            <a:endParaRPr lang="en-US" altLang="zh-TW" sz="2400"/>
+          </a:p>
+          <a:p>
+            <a:pPr marL="0" indent="0">
+              <a:buNone/>
+            </a:pPr>
+            <a:endParaRPr lang="en-US" altLang="zh-TW" sz="2400"/>
+          </a:p>
+          <a:p>
+            <a:pPr marL="0" indent="0">
+              <a:buNone/>
+            </a:pPr>
+            <a:r>
+              <a:rPr lang="en-US" altLang="zh-TW" sz="2400"/>
+              <a:t>lst = [</a:t>
+            </a:r>
+            <a:r>
+              <a:rPr lang="en-US" altLang="zh-TW" sz="2400">
+                <a:solidFill>
+                  <a:srgbClr val="FF0000"/>
+                </a:solidFill>
+              </a:rPr>
+              <a:t>1</a:t>
+            </a:r>
+            <a:r>
+              <a:rPr lang="en-US" altLang="zh-TW" sz="2400"/>
+              <a:t>, 2, </a:t>
+            </a:r>
+            <a:r>
+              <a:rPr lang="en-US" altLang="zh-TW" sz="2400">
+                <a:solidFill>
+                  <a:srgbClr val="FF0000"/>
+                </a:solidFill>
+              </a:rPr>
+              <a:t>1</a:t>
+            </a:r>
+            <a:r>
+              <a:rPr lang="en-US" altLang="zh-TW" sz="2400"/>
+              <a:t>, 5, 6, 3]</a:t>
+            </a:r>
+          </a:p>
+          <a:p>
+            <a:pPr marL="0" indent="0">
+              <a:buNone/>
+            </a:pPr>
+            <a:r>
+              <a:rPr lang="en-US" altLang="zh-TW" sz="2400"/>
+              <a:t>lst.count(</a:t>
+            </a:r>
+            <a:r>
+              <a:rPr lang="en-US" altLang="zh-TW" sz="2400">
+                <a:solidFill>
+                  <a:srgbClr val="FF0000"/>
+                </a:solidFill>
+              </a:rPr>
+              <a:t>1</a:t>
+            </a:r>
+            <a:r>
+              <a:rPr lang="en-US" altLang="zh-TW" sz="2400"/>
+              <a:t>) </a:t>
+            </a:r>
+            <a:r>
+              <a:rPr lang="zh-TW" altLang="en-US" sz="2400"/>
+              <a:t>→ </a:t>
+            </a:r>
+            <a:r>
+              <a:rPr lang="en-US" altLang="zh-TW" sz="2400"/>
+              <a:t>2</a:t>
+            </a:r>
+            <a:endParaRPr lang="zh-TW" altLang="en-US" sz="2400"/>
+          </a:p>
+        </p:txBody>
+      </p:sp>
+    </p:spTree>
+    <p:extLst>
+      <p:ext uri="{BB962C8B-B14F-4D97-AF65-F5344CB8AC3E}">
+        <p14:creationId xmlns:p14="http://schemas.microsoft.com/office/powerpoint/2010/main" val="979539519"/>
+      </p:ext>
+    </p:extLst>
+  </p:cSld>
+  <p:clrMapOvr>
+    <a:masterClrMapping/>
+  </p:clrMapOvr>
+</p:sld>
+</file>
+
+<file path=ppt/slides/slide44.xml><?xml version="1.0" encoding="utf-8"?>
+<p:sld xmlns:a="http://schemas.openxmlformats.org/drawingml/2006/main" xmlns:r="http://schemas.openxmlformats.org/officeDocument/2006/relationships" xmlns:p="http://schemas.openxmlformats.org/presentationml/2006/main">
+  <p:cSld>
+    <p:spTree>
+      <p:nvGrpSpPr>
+        <p:cNvPr id="1" name=""/>
+        <p:cNvGrpSpPr/>
+        <p:nvPr/>
+      </p:nvGrpSpPr>
+      <p:grpSpPr>
+        <a:xfrm>
+          <a:off x="0" y="0"/>
+          <a:ext cx="0" cy="0"/>
+          <a:chOff x="0" y="0"/>
+          <a:chExt cx="0" cy="0"/>
+        </a:xfrm>
+      </p:grpSpPr>
+      <p:sp>
+        <p:nvSpPr>
+          <p:cNvPr id="2" name="標題 1">
+            <a:extLst>
+              <a:ext uri="{FF2B5EF4-FFF2-40B4-BE49-F238E27FC236}">
+                <a16:creationId xmlns:a16="http://schemas.microsoft.com/office/drawing/2014/main" id="{86166935-A246-4823-9799-71DAAF7681D0}"/>
+              </a:ext>
+            </a:extLst>
+          </p:cNvPr>
+          <p:cNvSpPr>
+            <a:spLocks noGrp="1"/>
+          </p:cNvSpPr>
+          <p:nvPr>
+            <p:ph type="title"/>
+          </p:nvPr>
+        </p:nvSpPr>
+        <p:spPr/>
+        <p:txBody>
+          <a:bodyPr/>
+          <a:lstStyle/>
+          <a:p>
+            <a:r>
+              <a:rPr lang="zh-TW" altLang="en-US"/>
+              <a:t>補充：映射 </a:t>
+            </a:r>
+            <a:r>
+              <a:rPr lang="en-US" altLang="zh-TW"/>
+              <a:t>map</a:t>
+            </a:r>
+            <a:endParaRPr lang="zh-TW" altLang="en-US"/>
+          </a:p>
+        </p:txBody>
+      </p:sp>
+      <p:sp>
+        <p:nvSpPr>
+          <p:cNvPr id="3" name="內容版面配置區 2">
+            <a:extLst>
+              <a:ext uri="{FF2B5EF4-FFF2-40B4-BE49-F238E27FC236}">
+                <a16:creationId xmlns:a16="http://schemas.microsoft.com/office/drawing/2014/main" id="{BCE19237-B733-4595-B2FB-7B85AC65C316}"/>
+              </a:ext>
+            </a:extLst>
+          </p:cNvPr>
+          <p:cNvSpPr>
+            <a:spLocks noGrp="1"/>
+          </p:cNvSpPr>
+          <p:nvPr>
+            <p:ph idx="1"/>
+          </p:nvPr>
+        </p:nvSpPr>
+        <p:spPr>
+          <a:xfrm>
+            <a:off x="1261872" y="1828800"/>
+            <a:ext cx="9775821" cy="4351337"/>
+          </a:xfrm>
+        </p:spPr>
+        <p:txBody>
+          <a:bodyPr>
+            <a:normAutofit/>
+          </a:bodyPr>
+          <a:lstStyle/>
+          <a:p>
+            <a:pPr marL="0" indent="0">
+              <a:buNone/>
+            </a:pPr>
+            <a:endParaRPr lang="en-US" altLang="zh-TW" sz="2400"/>
+          </a:p>
+          <a:p>
+            <a:pPr marL="0" indent="0">
+              <a:buNone/>
+            </a:pPr>
+            <a:r>
+              <a:rPr lang="en-US" altLang="zh-TW" sz="2400"/>
+              <a:t>map(func, container) </a:t>
+            </a:r>
+            <a:r>
+              <a:rPr lang="zh-TW" altLang="en-US" sz="2400"/>
+              <a:t>→ </a:t>
+            </a:r>
+            <a:r>
+              <a:rPr lang="zh-TW" altLang="en-US" sz="2400">
+                <a:solidFill>
+                  <a:srgbClr val="FF0000"/>
+                </a:solidFill>
+              </a:rPr>
+              <a:t>回傳</a:t>
+            </a:r>
+            <a:r>
+              <a:rPr lang="zh-TW" altLang="en-US" sz="2400"/>
+              <a:t>將每個元素經 </a:t>
+            </a:r>
+            <a:r>
+              <a:rPr lang="en-US" altLang="zh-TW" sz="2400"/>
+              <a:t>func </a:t>
+            </a:r>
+            <a:r>
+              <a:rPr lang="zh-TW" altLang="en-US" sz="2400"/>
+              <a:t>後的 </a:t>
+            </a:r>
+            <a:r>
+              <a:rPr lang="en-US" altLang="zh-TW" sz="2400"/>
+              <a:t>map </a:t>
+            </a:r>
+            <a:r>
+              <a:rPr lang="zh-TW" altLang="en-US" sz="2400"/>
+              <a:t>物件</a:t>
+            </a:r>
+            <a:endParaRPr lang="en-US" altLang="zh-TW" sz="2400"/>
+          </a:p>
+          <a:p>
+            <a:pPr marL="0" indent="0">
+              <a:buNone/>
+            </a:pPr>
+            <a:endParaRPr lang="en-US" altLang="zh-TW" sz="2400"/>
+          </a:p>
+          <a:p>
+            <a:pPr marL="0" indent="0">
+              <a:buNone/>
+            </a:pPr>
+            <a:r>
+              <a:rPr lang="en-US" altLang="zh-TW" sz="2400"/>
+              <a:t>lst = [“2”, “6”, “-3”]</a:t>
+            </a:r>
+          </a:p>
+          <a:p>
+            <a:pPr marL="0" indent="0">
+              <a:buNone/>
+            </a:pPr>
+            <a:r>
+              <a:rPr lang="en-US" altLang="zh-TW" sz="2400"/>
+              <a:t>lst = map(</a:t>
+            </a:r>
+            <a:r>
+              <a:rPr lang="en-US" altLang="zh-TW" sz="2400">
+                <a:solidFill>
+                  <a:srgbClr val="FF0000"/>
+                </a:solidFill>
+              </a:rPr>
+              <a:t>int</a:t>
+            </a:r>
+            <a:r>
+              <a:rPr lang="en-US" altLang="zh-TW" sz="2400"/>
+              <a:t>, </a:t>
+            </a:r>
+            <a:r>
+              <a:rPr lang="en-US" altLang="zh-TW" sz="2400">
+                <a:solidFill>
+                  <a:srgbClr val="FF0000"/>
+                </a:solidFill>
+              </a:rPr>
+              <a:t>lst</a:t>
+            </a:r>
+            <a:r>
+              <a:rPr lang="en-US" altLang="zh-TW" sz="2400"/>
+              <a:t>) </a:t>
+            </a:r>
+            <a:r>
+              <a:rPr lang="en-US" altLang="zh-TW" sz="2400">
+                <a:solidFill>
+                  <a:schemeClr val="bg1">
+                    <a:lumMod val="65000"/>
+                  </a:schemeClr>
+                </a:solidFill>
+              </a:rPr>
+              <a:t># type(lst) </a:t>
+            </a:r>
+            <a:r>
+              <a:rPr lang="zh-TW" altLang="en-US" sz="2400">
+                <a:solidFill>
+                  <a:schemeClr val="bg1">
+                    <a:lumMod val="65000"/>
+                  </a:schemeClr>
+                </a:solidFill>
+              </a:rPr>
+              <a:t>→ </a:t>
+            </a:r>
+            <a:r>
+              <a:rPr lang="en-US" altLang="zh-TW" sz="2400">
+                <a:solidFill>
+                  <a:schemeClr val="bg1">
+                    <a:lumMod val="65000"/>
+                  </a:schemeClr>
+                </a:solidFill>
+              </a:rPr>
+              <a:t>map</a:t>
+            </a:r>
+          </a:p>
+          <a:p>
+            <a:pPr marL="0" indent="0">
+              <a:buNone/>
+            </a:pPr>
+            <a:r>
+              <a:rPr lang="en-US" altLang="zh-TW" sz="2400"/>
+              <a:t>lst = </a:t>
+            </a:r>
+            <a:r>
+              <a:rPr lang="en-US" altLang="zh-TW" sz="2400">
+                <a:solidFill>
+                  <a:srgbClr val="0070C0"/>
+                </a:solidFill>
+              </a:rPr>
+              <a:t>list</a:t>
+            </a:r>
+            <a:r>
+              <a:rPr lang="en-US" altLang="zh-TW" sz="2400"/>
+              <a:t>(map(</a:t>
+            </a:r>
+            <a:r>
+              <a:rPr lang="en-US" altLang="zh-TW" sz="2400">
+                <a:solidFill>
+                  <a:srgbClr val="FF0000"/>
+                </a:solidFill>
+              </a:rPr>
+              <a:t>int</a:t>
+            </a:r>
+            <a:r>
+              <a:rPr lang="en-US" altLang="zh-TW" sz="2400"/>
+              <a:t>, </a:t>
+            </a:r>
+            <a:r>
+              <a:rPr lang="en-US" altLang="zh-TW" sz="2400">
+                <a:solidFill>
+                  <a:srgbClr val="FF0000"/>
+                </a:solidFill>
+              </a:rPr>
+              <a:t>lst</a:t>
+            </a:r>
+            <a:r>
+              <a:rPr lang="en-US" altLang="zh-TW" sz="2400"/>
+              <a:t>)) </a:t>
+            </a:r>
+            <a:r>
+              <a:rPr lang="en-US" altLang="zh-TW" sz="2400">
+                <a:solidFill>
+                  <a:schemeClr val="bg1">
+                    <a:lumMod val="65000"/>
+                  </a:schemeClr>
+                </a:solidFill>
+              </a:rPr>
+              <a:t># type(lst) </a:t>
+            </a:r>
+            <a:r>
+              <a:rPr lang="zh-TW" altLang="en-US" sz="2400">
+                <a:solidFill>
+                  <a:schemeClr val="bg1">
+                    <a:lumMod val="65000"/>
+                  </a:schemeClr>
+                </a:solidFill>
+              </a:rPr>
+              <a:t>→ </a:t>
+            </a:r>
+            <a:r>
+              <a:rPr lang="en-US" altLang="zh-TW" sz="2400">
+                <a:solidFill>
+                  <a:schemeClr val="bg1">
+                    <a:lumMod val="65000"/>
+                  </a:schemeClr>
+                </a:solidFill>
+              </a:rPr>
+              <a:t>list</a:t>
+            </a:r>
+          </a:p>
+        </p:txBody>
+      </p:sp>
+    </p:spTree>
+    <p:extLst>
+      <p:ext uri="{BB962C8B-B14F-4D97-AF65-F5344CB8AC3E}">
+        <p14:creationId xmlns:p14="http://schemas.microsoft.com/office/powerpoint/2010/main" val="942100656"/>
+      </p:ext>
+    </p:extLst>
+  </p:cSld>
+  <p:clrMapOvr>
+    <a:masterClrMapping/>
+  </p:clrMapOvr>
+</p:sld>
+</file>
+
+<file path=ppt/slides/slide45.xml><?xml version="1.0" encoding="utf-8"?>
+<p:sld xmlns:a="http://schemas.openxmlformats.org/drawingml/2006/main" xmlns:r="http://schemas.openxmlformats.org/officeDocument/2006/relationships" xmlns:p="http://schemas.openxmlformats.org/presentationml/2006/main">
+  <p:cSld>
+    <p:spTree>
+      <p:nvGrpSpPr>
+        <p:cNvPr id="1" name=""/>
+        <p:cNvGrpSpPr/>
+        <p:nvPr/>
+      </p:nvGrpSpPr>
+      <p:grpSpPr>
+        <a:xfrm>
+          <a:off x="0" y="0"/>
+          <a:ext cx="0" cy="0"/>
+          <a:chOff x="0" y="0"/>
+          <a:chExt cx="0" cy="0"/>
+        </a:xfrm>
+      </p:grpSpPr>
+      <p:sp>
+        <p:nvSpPr>
+          <p:cNvPr id="2" name="標題 1">
+            <a:extLst>
+              <a:ext uri="{FF2B5EF4-FFF2-40B4-BE49-F238E27FC236}">
+                <a16:creationId xmlns:a16="http://schemas.microsoft.com/office/drawing/2014/main" id="{C2D0B30B-F9F1-411C-8B97-58C8979BB899}"/>
+              </a:ext>
+            </a:extLst>
+          </p:cNvPr>
+          <p:cNvSpPr>
+            <a:spLocks noGrp="1"/>
+          </p:cNvSpPr>
+          <p:nvPr>
+            <p:ph type="title"/>
+          </p:nvPr>
+        </p:nvSpPr>
+        <p:spPr/>
+        <p:txBody>
+          <a:bodyPr/>
+          <a:lstStyle/>
+          <a:p>
+            <a:r>
+              <a:rPr lang="zh-TW" altLang="en-US"/>
+              <a:t>字串 </a:t>
+            </a:r>
+            <a:r>
+              <a:rPr lang="zh-TW" altLang="en-US" sz="4000"/>
+              <a:t>與</a:t>
+            </a:r>
+            <a:r>
+              <a:rPr lang="zh-TW" altLang="en-US"/>
+              <a:t> 串列 </a:t>
+            </a:r>
+            <a:r>
+              <a:rPr lang="zh-TW" altLang="en-US" sz="4400"/>
+              <a:t>的交互操作</a:t>
+            </a:r>
+            <a:endParaRPr lang="zh-TW" altLang="en-US"/>
+          </a:p>
+        </p:txBody>
+      </p:sp>
+      <p:sp>
+        <p:nvSpPr>
+          <p:cNvPr id="3" name="文字版面配置區 2">
+            <a:extLst>
+              <a:ext uri="{FF2B5EF4-FFF2-40B4-BE49-F238E27FC236}">
+                <a16:creationId xmlns:a16="http://schemas.microsoft.com/office/drawing/2014/main" id="{9701EB94-FBB1-4339-81A8-CA44614DE3ED}"/>
+              </a:ext>
+            </a:extLst>
+          </p:cNvPr>
+          <p:cNvSpPr>
+            <a:spLocks noGrp="1"/>
+          </p:cNvSpPr>
+          <p:nvPr>
+            <p:ph type="body" idx="1"/>
+          </p:nvPr>
+        </p:nvSpPr>
+        <p:spPr/>
+        <p:txBody>
+          <a:bodyPr/>
+          <a:lstStyle/>
+          <a:p>
+            <a:endParaRPr lang="zh-TW" altLang="en-US"/>
+          </a:p>
+        </p:txBody>
+      </p:sp>
+    </p:spTree>
+    <p:extLst>
+      <p:ext uri="{BB962C8B-B14F-4D97-AF65-F5344CB8AC3E}">
+        <p14:creationId xmlns:p14="http://schemas.microsoft.com/office/powerpoint/2010/main" val="1888925656"/>
+      </p:ext>
+    </p:extLst>
+  </p:cSld>
+  <p:clrMapOvr>
+    <a:masterClrMapping/>
+  </p:clrMapOvr>
+</p:sld>
+</file>
+
+<file path=ppt/slides/slide46.xml><?xml version="1.0" encoding="utf-8"?>
+<p:sld xmlns:a="http://schemas.openxmlformats.org/drawingml/2006/main" xmlns:r="http://schemas.openxmlformats.org/officeDocument/2006/relationships" xmlns:p="http://schemas.openxmlformats.org/presentationml/2006/main">
+  <p:cSld>
+    <p:spTree>
+      <p:nvGrpSpPr>
+        <p:cNvPr id="1" name=""/>
+        <p:cNvGrpSpPr/>
+        <p:nvPr/>
+      </p:nvGrpSpPr>
+      <p:grpSpPr>
+        <a:xfrm>
+          <a:off x="0" y="0"/>
+          <a:ext cx="0" cy="0"/>
+          <a:chOff x="0" y="0"/>
+          <a:chExt cx="0" cy="0"/>
+        </a:xfrm>
+      </p:grpSpPr>
+      <p:sp>
+        <p:nvSpPr>
+          <p:cNvPr id="2" name="標題 1">
+            <a:extLst>
+              <a:ext uri="{FF2B5EF4-FFF2-40B4-BE49-F238E27FC236}">
                 <a16:creationId xmlns:a16="http://schemas.microsoft.com/office/drawing/2014/main" id="{40A56DC8-1CC0-466B-8BE2-A746A6C92886}"/>
               </a:ext>
             </a:extLst>
@@ -14257,7 +15772,7 @@
 </p:sld>
 </file>
 
-<file path=ppt/slides/slide41.xml><?xml version="1.0" encoding="utf-8"?>
+<file path=ppt/slides/slide47.xml><?xml version="1.0" encoding="utf-8"?>
 <p:sld xmlns:a="http://schemas.openxmlformats.org/drawingml/2006/main" xmlns:r="http://schemas.openxmlformats.org/officeDocument/2006/relationships" xmlns:p="http://schemas.openxmlformats.org/presentationml/2006/main">
   <p:cSld>
     <p:spTree>
@@ -14656,7 +16171,7 @@
 </p:sld>
 </file>
 
-<file path=ppt/slides/slide42.xml><?xml version="1.0" encoding="utf-8"?>
+<file path=ppt/slides/slide48.xml><?xml version="1.0" encoding="utf-8"?>
 <p:sld xmlns:a="http://schemas.openxmlformats.org/drawingml/2006/main" xmlns:r="http://schemas.openxmlformats.org/officeDocument/2006/relationships" xmlns:p="http://schemas.openxmlformats.org/presentationml/2006/main">
   <p:cSld>
     <p:spTree>
@@ -14790,7 +16305,7 @@
 </p:sld>
 </file>
 
-<file path=ppt/slides/slide43.xml><?xml version="1.0" encoding="utf-8"?>
+<file path=ppt/slides/slide49.xml><?xml version="1.0" encoding="utf-8"?>
 <p:sld xmlns:a="http://schemas.openxmlformats.org/drawingml/2006/main" xmlns:r="http://schemas.openxmlformats.org/officeDocument/2006/relationships" xmlns:p="http://schemas.openxmlformats.org/presentationml/2006/main">
   <p:cSld>
     <p:spTree>
@@ -15047,1060 +16562,6 @@
     <p:extLst>
       <p:ext uri="{BB962C8B-B14F-4D97-AF65-F5344CB8AC3E}">
         <p14:creationId xmlns:p14="http://schemas.microsoft.com/office/powerpoint/2010/main" val="2770485513"/>
-      </p:ext>
-    </p:extLst>
-  </p:cSld>
-  <p:clrMapOvr>
-    <a:masterClrMapping/>
-  </p:clrMapOvr>
-</p:sld>
-</file>
-
-<file path=ppt/slides/slide44.xml><?xml version="1.0" encoding="utf-8"?>
-<p:sld xmlns:a="http://schemas.openxmlformats.org/drawingml/2006/main" xmlns:r="http://schemas.openxmlformats.org/officeDocument/2006/relationships" xmlns:p="http://schemas.openxmlformats.org/presentationml/2006/main">
-  <p:cSld>
-    <p:spTree>
-      <p:nvGrpSpPr>
-        <p:cNvPr id="1" name=""/>
-        <p:cNvGrpSpPr/>
-        <p:nvPr/>
-      </p:nvGrpSpPr>
-      <p:grpSpPr>
-        <a:xfrm>
-          <a:off x="0" y="0"/>
-          <a:ext cx="0" cy="0"/>
-          <a:chOff x="0" y="0"/>
-          <a:chExt cx="0" cy="0"/>
-        </a:xfrm>
-      </p:grpSpPr>
-      <p:sp>
-        <p:nvSpPr>
-          <p:cNvPr id="2" name="標題 1">
-            <a:extLst>
-              <a:ext uri="{FF2B5EF4-FFF2-40B4-BE49-F238E27FC236}">
-                <a16:creationId xmlns:a16="http://schemas.microsoft.com/office/drawing/2014/main" id="{ADF711BD-BEDB-4622-AEA6-B091DB9D0AD7}"/>
-              </a:ext>
-            </a:extLst>
-          </p:cNvPr>
-          <p:cNvSpPr>
-            <a:spLocks noGrp="1"/>
-          </p:cNvSpPr>
-          <p:nvPr>
-            <p:ph type="title"/>
-          </p:nvPr>
-        </p:nvSpPr>
-        <p:spPr/>
-        <p:txBody>
-          <a:bodyPr/>
-          <a:lstStyle/>
-          <a:p>
-            <a:r>
-              <a:rPr lang="en-US" altLang="zh-TW"/>
-              <a:t>for </a:t>
-            </a:r>
-            <a:r>
-              <a:rPr lang="zh-TW" altLang="en-US"/>
-              <a:t>迭代</a:t>
-            </a:r>
-          </a:p>
-        </p:txBody>
-      </p:sp>
-      <p:sp>
-        <p:nvSpPr>
-          <p:cNvPr id="3" name="文字版面配置區 2">
-            <a:extLst>
-              <a:ext uri="{FF2B5EF4-FFF2-40B4-BE49-F238E27FC236}">
-                <a16:creationId xmlns:a16="http://schemas.microsoft.com/office/drawing/2014/main" id="{77BB5162-743A-40DA-BFB8-2C0E38EE7FD3}"/>
-              </a:ext>
-            </a:extLst>
-          </p:cNvPr>
-          <p:cNvSpPr>
-            <a:spLocks noGrp="1"/>
-          </p:cNvSpPr>
-          <p:nvPr>
-            <p:ph type="body" idx="1"/>
-          </p:nvPr>
-        </p:nvSpPr>
-        <p:spPr/>
-        <p:txBody>
-          <a:bodyPr/>
-          <a:lstStyle/>
-          <a:p>
-            <a:endParaRPr lang="zh-TW" altLang="en-US"/>
-          </a:p>
-        </p:txBody>
-      </p:sp>
-    </p:spTree>
-    <p:extLst>
-      <p:ext uri="{BB962C8B-B14F-4D97-AF65-F5344CB8AC3E}">
-        <p14:creationId xmlns:p14="http://schemas.microsoft.com/office/powerpoint/2010/main" val="984562152"/>
-      </p:ext>
-    </p:extLst>
-  </p:cSld>
-  <p:clrMapOvr>
-    <a:masterClrMapping/>
-  </p:clrMapOvr>
-</p:sld>
-</file>
-
-<file path=ppt/slides/slide45.xml><?xml version="1.0" encoding="utf-8"?>
-<p:sld xmlns:a="http://schemas.openxmlformats.org/drawingml/2006/main" xmlns:r="http://schemas.openxmlformats.org/officeDocument/2006/relationships" xmlns:p="http://schemas.openxmlformats.org/presentationml/2006/main">
-  <p:cSld>
-    <p:spTree>
-      <p:nvGrpSpPr>
-        <p:cNvPr id="1" name=""/>
-        <p:cNvGrpSpPr/>
-        <p:nvPr/>
-      </p:nvGrpSpPr>
-      <p:grpSpPr>
-        <a:xfrm>
-          <a:off x="0" y="0"/>
-          <a:ext cx="0" cy="0"/>
-          <a:chOff x="0" y="0"/>
-          <a:chExt cx="0" cy="0"/>
-        </a:xfrm>
-      </p:grpSpPr>
-      <p:sp>
-        <p:nvSpPr>
-          <p:cNvPr id="2" name="標題 1">
-            <a:extLst>
-              <a:ext uri="{FF2B5EF4-FFF2-40B4-BE49-F238E27FC236}">
-                <a16:creationId xmlns:a16="http://schemas.microsoft.com/office/drawing/2014/main" id="{0E19F189-725C-49D8-85BE-205FC24458F3}"/>
-              </a:ext>
-            </a:extLst>
-          </p:cNvPr>
-          <p:cNvSpPr>
-            <a:spLocks noGrp="1"/>
-          </p:cNvSpPr>
-          <p:nvPr>
-            <p:ph type="title"/>
-          </p:nvPr>
-        </p:nvSpPr>
-        <p:spPr/>
-        <p:txBody>
-          <a:bodyPr/>
-          <a:lstStyle/>
-          <a:p>
-            <a:r>
-              <a:rPr lang="en-US" altLang="zh-TW"/>
-              <a:t>for </a:t>
-            </a:r>
-            <a:r>
-              <a:rPr lang="zh-TW" altLang="en-US"/>
-              <a:t>基本語法</a:t>
-            </a:r>
-          </a:p>
-        </p:txBody>
-      </p:sp>
-      <p:sp>
-        <p:nvSpPr>
-          <p:cNvPr id="3" name="內容版面配置區 2">
-            <a:extLst>
-              <a:ext uri="{FF2B5EF4-FFF2-40B4-BE49-F238E27FC236}">
-                <a16:creationId xmlns:a16="http://schemas.microsoft.com/office/drawing/2014/main" id="{CC451F0E-68A4-4C76-86EC-CCCCAA563157}"/>
-              </a:ext>
-            </a:extLst>
-          </p:cNvPr>
-          <p:cNvSpPr>
-            <a:spLocks noGrp="1"/>
-          </p:cNvSpPr>
-          <p:nvPr>
-            <p:ph idx="1"/>
-          </p:nvPr>
-        </p:nvSpPr>
-        <p:spPr/>
-        <p:txBody>
-          <a:bodyPr>
-            <a:normAutofit/>
-          </a:bodyPr>
-          <a:lstStyle/>
-          <a:p>
-            <a:pPr marL="0" indent="0">
-              <a:buNone/>
-            </a:pPr>
-            <a:endParaRPr lang="en-US" altLang="zh-TW" sz="2800"/>
-          </a:p>
-          <a:p>
-            <a:pPr marL="0" indent="0">
-              <a:buNone/>
-            </a:pPr>
-            <a:r>
-              <a:rPr lang="en-US" altLang="zh-TW" sz="2800"/>
-              <a:t>for </a:t>
-            </a:r>
-            <a:r>
-              <a:rPr lang="en-US" altLang="zh-TW" sz="2800">
-                <a:solidFill>
-                  <a:schemeClr val="bg1">
-                    <a:lumMod val="65000"/>
-                  </a:schemeClr>
-                </a:solidFill>
-              </a:rPr>
-              <a:t>element</a:t>
-            </a:r>
-            <a:r>
-              <a:rPr lang="en-US" altLang="zh-TW" sz="2800"/>
-              <a:t> in </a:t>
-            </a:r>
-            <a:r>
-              <a:rPr lang="en-US" altLang="zh-TW" sz="2800">
-                <a:solidFill>
-                  <a:schemeClr val="bg1">
-                    <a:lumMod val="65000"/>
-                  </a:schemeClr>
-                </a:solidFill>
-              </a:rPr>
-              <a:t>container</a:t>
-            </a:r>
-            <a:r>
-              <a:rPr lang="en-US" altLang="zh-TW" sz="2800"/>
-              <a:t>:</a:t>
-            </a:r>
-          </a:p>
-          <a:p>
-            <a:pPr marL="0" indent="0">
-              <a:buNone/>
-            </a:pPr>
-            <a:r>
-              <a:rPr lang="en-US" altLang="zh-TW" sz="2800"/>
-              <a:t>	</a:t>
-            </a:r>
-            <a:r>
-              <a:rPr lang="en-US" altLang="zh-TW" sz="2800">
-                <a:solidFill>
-                  <a:schemeClr val="bg1">
-                    <a:lumMod val="65000"/>
-                  </a:schemeClr>
-                </a:solidFill>
-              </a:rPr>
-              <a:t>statements...</a:t>
-            </a:r>
-          </a:p>
-          <a:p>
-            <a:pPr marL="0" indent="0">
-              <a:buNone/>
-            </a:pPr>
-            <a:r>
-              <a:rPr lang="en-US" altLang="zh-TW" sz="2800">
-                <a:solidFill>
-                  <a:schemeClr val="bg1">
-                    <a:lumMod val="65000"/>
-                  </a:schemeClr>
-                </a:solidFill>
-              </a:rPr>
-              <a:t>	statements...</a:t>
-            </a:r>
-          </a:p>
-          <a:p>
-            <a:pPr marL="0" indent="0">
-              <a:buNone/>
-            </a:pPr>
-            <a:r>
-              <a:rPr lang="en-US" altLang="zh-TW" sz="2800">
-                <a:solidFill>
-                  <a:schemeClr val="bg1">
-                    <a:lumMod val="65000"/>
-                  </a:schemeClr>
-                </a:solidFill>
-              </a:rPr>
-              <a:t>	...</a:t>
-            </a:r>
-          </a:p>
-        </p:txBody>
-      </p:sp>
-      <p:sp>
-        <p:nvSpPr>
-          <p:cNvPr id="6" name="箭號: 向下 5">
-            <a:extLst>
-              <a:ext uri="{FF2B5EF4-FFF2-40B4-BE49-F238E27FC236}">
-                <a16:creationId xmlns:a16="http://schemas.microsoft.com/office/drawing/2014/main" id="{E458BE98-232C-49A4-A26B-06C3B92B05D1}"/>
-              </a:ext>
-            </a:extLst>
-          </p:cNvPr>
-          <p:cNvSpPr/>
-          <p:nvPr/>
-        </p:nvSpPr>
-        <p:spPr>
-          <a:xfrm rot="19385951">
-            <a:off x="5615473" y="3031065"/>
-            <a:ext cx="414867" cy="508000"/>
-          </a:xfrm>
-          <a:prstGeom prst="downArrow">
-            <a:avLst/>
-          </a:prstGeom>
-        </p:spPr>
-        <p:style>
-          <a:lnRef idx="2">
-            <a:schemeClr val="accent1">
-              <a:shade val="50000"/>
-            </a:schemeClr>
-          </a:lnRef>
-          <a:fillRef idx="1">
-            <a:schemeClr val="accent1"/>
-          </a:fillRef>
-          <a:effectRef idx="0">
-            <a:schemeClr val="accent1"/>
-          </a:effectRef>
-          <a:fontRef idx="minor">
-            <a:schemeClr val="lt1"/>
-          </a:fontRef>
-        </p:style>
-        <p:txBody>
-          <a:bodyPr rtlCol="0" anchor="ctr"/>
-          <a:lstStyle/>
-          <a:p>
-            <a:pPr algn="ctr"/>
-            <a:endParaRPr lang="zh-TW" altLang="en-US"/>
-          </a:p>
-        </p:txBody>
-      </p:sp>
-      <p:sp>
-        <p:nvSpPr>
-          <p:cNvPr id="7" name="文字方塊 6">
-            <a:extLst>
-              <a:ext uri="{FF2B5EF4-FFF2-40B4-BE49-F238E27FC236}">
-                <a16:creationId xmlns:a16="http://schemas.microsoft.com/office/drawing/2014/main" id="{6ACE168C-B420-48FC-A9FD-B38AB63BF18E}"/>
-              </a:ext>
-            </a:extLst>
-          </p:cNvPr>
-          <p:cNvSpPr txBox="1"/>
-          <p:nvPr/>
-        </p:nvSpPr>
-        <p:spPr>
-          <a:xfrm>
-            <a:off x="5504517" y="3680466"/>
-            <a:ext cx="3233578" cy="523220"/>
-          </a:xfrm>
-          <a:prstGeom prst="rect">
-            <a:avLst/>
-          </a:prstGeom>
-          <a:noFill/>
-        </p:spPr>
-        <p:txBody>
-          <a:bodyPr wrap="none" rtlCol="0">
-            <a:spAutoFit/>
-          </a:bodyPr>
-          <a:lstStyle/>
-          <a:p>
-            <a:r>
-              <a:rPr lang="zh-TW" altLang="en-US" sz="2800"/>
-              <a:t>可為 </a:t>
-            </a:r>
-            <a:r>
-              <a:rPr lang="en-US" altLang="zh-TW" sz="2800"/>
-              <a:t>list </a:t>
-            </a:r>
-            <a:r>
-              <a:rPr lang="zh-TW" altLang="en-US" sz="2800"/>
-              <a:t>或 </a:t>
-            </a:r>
-            <a:r>
-              <a:rPr lang="en-US" altLang="zh-TW" sz="2800"/>
-              <a:t>str</a:t>
-            </a:r>
-            <a:endParaRPr lang="zh-TW" altLang="en-US" sz="2800"/>
-          </a:p>
-        </p:txBody>
-      </p:sp>
-    </p:spTree>
-    <p:extLst>
-      <p:ext uri="{BB962C8B-B14F-4D97-AF65-F5344CB8AC3E}">
-        <p14:creationId xmlns:p14="http://schemas.microsoft.com/office/powerpoint/2010/main" val="595841610"/>
-      </p:ext>
-    </p:extLst>
-  </p:cSld>
-  <p:clrMapOvr>
-    <a:masterClrMapping/>
-  </p:clrMapOvr>
-</p:sld>
-</file>
-
-<file path=ppt/slides/slide46.xml><?xml version="1.0" encoding="utf-8"?>
-<p:sld xmlns:a="http://schemas.openxmlformats.org/drawingml/2006/main" xmlns:r="http://schemas.openxmlformats.org/officeDocument/2006/relationships" xmlns:p="http://schemas.openxmlformats.org/presentationml/2006/main">
-  <p:cSld>
-    <p:spTree>
-      <p:nvGrpSpPr>
-        <p:cNvPr id="1" name=""/>
-        <p:cNvGrpSpPr/>
-        <p:nvPr/>
-      </p:nvGrpSpPr>
-      <p:grpSpPr>
-        <a:xfrm>
-          <a:off x="0" y="0"/>
-          <a:ext cx="0" cy="0"/>
-          <a:chOff x="0" y="0"/>
-          <a:chExt cx="0" cy="0"/>
-        </a:xfrm>
-      </p:grpSpPr>
-      <p:sp>
-        <p:nvSpPr>
-          <p:cNvPr id="2" name="標題 1">
-            <a:extLst>
-              <a:ext uri="{FF2B5EF4-FFF2-40B4-BE49-F238E27FC236}">
-                <a16:creationId xmlns:a16="http://schemas.microsoft.com/office/drawing/2014/main" id="{0E19F189-725C-49D8-85BE-205FC24458F3}"/>
-              </a:ext>
-            </a:extLst>
-          </p:cNvPr>
-          <p:cNvSpPr>
-            <a:spLocks noGrp="1"/>
-          </p:cNvSpPr>
-          <p:nvPr>
-            <p:ph type="title"/>
-          </p:nvPr>
-        </p:nvSpPr>
-        <p:spPr/>
-        <p:txBody>
-          <a:bodyPr/>
-          <a:lstStyle/>
-          <a:p>
-            <a:r>
-              <a:rPr lang="en-US" altLang="zh-TW"/>
-              <a:t>for </a:t>
-            </a:r>
-            <a:r>
-              <a:rPr lang="zh-TW" altLang="en-US"/>
-              <a:t>基本語法</a:t>
-            </a:r>
-          </a:p>
-        </p:txBody>
-      </p:sp>
-      <p:sp>
-        <p:nvSpPr>
-          <p:cNvPr id="3" name="內容版面配置區 2">
-            <a:extLst>
-              <a:ext uri="{FF2B5EF4-FFF2-40B4-BE49-F238E27FC236}">
-                <a16:creationId xmlns:a16="http://schemas.microsoft.com/office/drawing/2014/main" id="{CC451F0E-68A4-4C76-86EC-CCCCAA563157}"/>
-              </a:ext>
-            </a:extLst>
-          </p:cNvPr>
-          <p:cNvSpPr>
-            <a:spLocks noGrp="1"/>
-          </p:cNvSpPr>
-          <p:nvPr>
-            <p:ph idx="1"/>
-          </p:nvPr>
-        </p:nvSpPr>
-        <p:spPr/>
-        <p:txBody>
-          <a:bodyPr>
-            <a:normAutofit/>
-          </a:bodyPr>
-          <a:lstStyle/>
-          <a:p>
-            <a:pPr marL="0" indent="0">
-              <a:buNone/>
-            </a:pPr>
-            <a:endParaRPr lang="en-US" altLang="zh-TW" sz="2800"/>
-          </a:p>
-          <a:p>
-            <a:pPr marL="0" indent="0">
-              <a:buNone/>
-            </a:pPr>
-            <a:r>
-              <a:rPr lang="en-US" altLang="zh-TW" sz="2800"/>
-              <a:t>for </a:t>
-            </a:r>
-            <a:r>
-              <a:rPr lang="en-US" altLang="zh-TW" sz="2800">
-                <a:solidFill>
-                  <a:srgbClr val="FF0000"/>
-                </a:solidFill>
-              </a:rPr>
-              <a:t>ch</a:t>
-            </a:r>
-            <a:r>
-              <a:rPr lang="en-US" altLang="zh-TW" sz="2800"/>
-              <a:t> in </a:t>
-            </a:r>
-            <a:r>
-              <a:rPr lang="en-US" altLang="zh-TW" sz="2800">
-                <a:solidFill>
-                  <a:srgbClr val="FF0000"/>
-                </a:solidFill>
-              </a:rPr>
-              <a:t>“apple”</a:t>
-            </a:r>
-            <a:r>
-              <a:rPr lang="en-US" altLang="zh-TW" sz="2800"/>
-              <a:t>:</a:t>
-            </a:r>
-          </a:p>
-          <a:p>
-            <a:pPr marL="0" indent="0">
-              <a:buNone/>
-            </a:pPr>
-            <a:r>
-              <a:rPr lang="en-US" altLang="zh-TW" sz="2800"/>
-              <a:t>	</a:t>
-            </a:r>
-            <a:r>
-              <a:rPr lang="en-US" altLang="zh-TW" sz="2800">
-                <a:solidFill>
-                  <a:srgbClr val="FF0000"/>
-                </a:solidFill>
-              </a:rPr>
-              <a:t>print(ch, end=“.”)</a:t>
-            </a:r>
-          </a:p>
-          <a:p>
-            <a:pPr marL="0" indent="0">
-              <a:buNone/>
-            </a:pPr>
-            <a:endParaRPr lang="en-US" altLang="zh-TW" sz="2800">
-              <a:solidFill>
-                <a:srgbClr val="FF0000"/>
-              </a:solidFill>
-            </a:endParaRPr>
-          </a:p>
-          <a:p>
-            <a:pPr marL="0" indent="0">
-              <a:buNone/>
-            </a:pPr>
-            <a:r>
-              <a:rPr lang="zh-TW" altLang="en-US" sz="2800"/>
-              <a:t>輸出：</a:t>
-            </a:r>
-            <a:endParaRPr lang="en-US" altLang="zh-TW" sz="2800"/>
-          </a:p>
-        </p:txBody>
-      </p:sp>
-    </p:spTree>
-    <p:extLst>
-      <p:ext uri="{BB962C8B-B14F-4D97-AF65-F5344CB8AC3E}">
-        <p14:creationId xmlns:p14="http://schemas.microsoft.com/office/powerpoint/2010/main" val="147608673"/>
-      </p:ext>
-    </p:extLst>
-  </p:cSld>
-  <p:clrMapOvr>
-    <a:masterClrMapping/>
-  </p:clrMapOvr>
-</p:sld>
-</file>
-
-<file path=ppt/slides/slide47.xml><?xml version="1.0" encoding="utf-8"?>
-<p:sld xmlns:a="http://schemas.openxmlformats.org/drawingml/2006/main" xmlns:r="http://schemas.openxmlformats.org/officeDocument/2006/relationships" xmlns:p="http://schemas.openxmlformats.org/presentationml/2006/main">
-  <p:cSld>
-    <p:spTree>
-      <p:nvGrpSpPr>
-        <p:cNvPr id="1" name=""/>
-        <p:cNvGrpSpPr/>
-        <p:nvPr/>
-      </p:nvGrpSpPr>
-      <p:grpSpPr>
-        <a:xfrm>
-          <a:off x="0" y="0"/>
-          <a:ext cx="0" cy="0"/>
-          <a:chOff x="0" y="0"/>
-          <a:chExt cx="0" cy="0"/>
-        </a:xfrm>
-      </p:grpSpPr>
-      <p:sp>
-        <p:nvSpPr>
-          <p:cNvPr id="2" name="標題 1">
-            <a:extLst>
-              <a:ext uri="{FF2B5EF4-FFF2-40B4-BE49-F238E27FC236}">
-                <a16:creationId xmlns:a16="http://schemas.microsoft.com/office/drawing/2014/main" id="{0E19F189-725C-49D8-85BE-205FC24458F3}"/>
-              </a:ext>
-            </a:extLst>
-          </p:cNvPr>
-          <p:cNvSpPr>
-            <a:spLocks noGrp="1"/>
-          </p:cNvSpPr>
-          <p:nvPr>
-            <p:ph type="title"/>
-          </p:nvPr>
-        </p:nvSpPr>
-        <p:spPr/>
-        <p:txBody>
-          <a:bodyPr/>
-          <a:lstStyle/>
-          <a:p>
-            <a:r>
-              <a:rPr lang="en-US" altLang="zh-TW"/>
-              <a:t>for </a:t>
-            </a:r>
-            <a:r>
-              <a:rPr lang="zh-TW" altLang="en-US"/>
-              <a:t>基本語法</a:t>
-            </a:r>
-          </a:p>
-        </p:txBody>
-      </p:sp>
-      <p:sp>
-        <p:nvSpPr>
-          <p:cNvPr id="3" name="內容版面配置區 2">
-            <a:extLst>
-              <a:ext uri="{FF2B5EF4-FFF2-40B4-BE49-F238E27FC236}">
-                <a16:creationId xmlns:a16="http://schemas.microsoft.com/office/drawing/2014/main" id="{CC451F0E-68A4-4C76-86EC-CCCCAA563157}"/>
-              </a:ext>
-            </a:extLst>
-          </p:cNvPr>
-          <p:cNvSpPr>
-            <a:spLocks noGrp="1"/>
-          </p:cNvSpPr>
-          <p:nvPr>
-            <p:ph idx="1"/>
-          </p:nvPr>
-        </p:nvSpPr>
-        <p:spPr/>
-        <p:txBody>
-          <a:bodyPr>
-            <a:normAutofit/>
-          </a:bodyPr>
-          <a:lstStyle/>
-          <a:p>
-            <a:pPr marL="0" indent="0">
-              <a:buNone/>
-            </a:pPr>
-            <a:endParaRPr lang="en-US" altLang="zh-TW" sz="2800"/>
-          </a:p>
-          <a:p>
-            <a:pPr marL="0" indent="0">
-              <a:buNone/>
-            </a:pPr>
-            <a:r>
-              <a:rPr lang="en-US" altLang="zh-TW" sz="2800"/>
-              <a:t>for </a:t>
-            </a:r>
-            <a:r>
-              <a:rPr lang="en-US" altLang="zh-TW" sz="2800">
-                <a:solidFill>
-                  <a:srgbClr val="FF0000"/>
-                </a:solidFill>
-              </a:rPr>
-              <a:t>ch</a:t>
-            </a:r>
-            <a:r>
-              <a:rPr lang="en-US" altLang="zh-TW" sz="2800"/>
-              <a:t> in </a:t>
-            </a:r>
-            <a:r>
-              <a:rPr lang="en-US" altLang="zh-TW" sz="2800">
-                <a:solidFill>
-                  <a:srgbClr val="FF0000"/>
-                </a:solidFill>
-              </a:rPr>
-              <a:t>“apple”</a:t>
-            </a:r>
-            <a:r>
-              <a:rPr lang="en-US" altLang="zh-TW" sz="2800"/>
-              <a:t>:</a:t>
-            </a:r>
-          </a:p>
-          <a:p>
-            <a:pPr marL="0" indent="0">
-              <a:buNone/>
-            </a:pPr>
-            <a:r>
-              <a:rPr lang="en-US" altLang="zh-TW" sz="2800"/>
-              <a:t>	</a:t>
-            </a:r>
-            <a:r>
-              <a:rPr lang="en-US" altLang="zh-TW" sz="2800">
-                <a:solidFill>
-                  <a:srgbClr val="FF0000"/>
-                </a:solidFill>
-              </a:rPr>
-              <a:t>print(ch, end=“.”)</a:t>
-            </a:r>
-          </a:p>
-          <a:p>
-            <a:pPr marL="0" indent="0">
-              <a:buNone/>
-            </a:pPr>
-            <a:endParaRPr lang="en-US" altLang="zh-TW" sz="2800">
-              <a:solidFill>
-                <a:srgbClr val="FF0000"/>
-              </a:solidFill>
-            </a:endParaRPr>
-          </a:p>
-          <a:p>
-            <a:pPr marL="0" indent="0">
-              <a:buNone/>
-            </a:pPr>
-            <a:r>
-              <a:rPr lang="zh-TW" altLang="en-US" sz="2800"/>
-              <a:t>輸出：</a:t>
-            </a:r>
-            <a:endParaRPr lang="en-US" altLang="zh-TW" sz="2800"/>
-          </a:p>
-          <a:p>
-            <a:pPr marL="0" indent="0">
-              <a:buNone/>
-            </a:pPr>
-            <a:r>
-              <a:rPr lang="en-US" altLang="zh-TW" sz="2800">
-                <a:solidFill>
-                  <a:srgbClr val="0070C0"/>
-                </a:solidFill>
-              </a:rPr>
-              <a:t>a.</a:t>
-            </a:r>
-          </a:p>
-        </p:txBody>
-      </p:sp>
-    </p:spTree>
-    <p:extLst>
-      <p:ext uri="{BB962C8B-B14F-4D97-AF65-F5344CB8AC3E}">
-        <p14:creationId xmlns:p14="http://schemas.microsoft.com/office/powerpoint/2010/main" val="3612237419"/>
-      </p:ext>
-    </p:extLst>
-  </p:cSld>
-  <p:clrMapOvr>
-    <a:masterClrMapping/>
-  </p:clrMapOvr>
-</p:sld>
-</file>
-
-<file path=ppt/slides/slide48.xml><?xml version="1.0" encoding="utf-8"?>
-<p:sld xmlns:a="http://schemas.openxmlformats.org/drawingml/2006/main" xmlns:r="http://schemas.openxmlformats.org/officeDocument/2006/relationships" xmlns:p="http://schemas.openxmlformats.org/presentationml/2006/main">
-  <p:cSld>
-    <p:spTree>
-      <p:nvGrpSpPr>
-        <p:cNvPr id="1" name=""/>
-        <p:cNvGrpSpPr/>
-        <p:nvPr/>
-      </p:nvGrpSpPr>
-      <p:grpSpPr>
-        <a:xfrm>
-          <a:off x="0" y="0"/>
-          <a:ext cx="0" cy="0"/>
-          <a:chOff x="0" y="0"/>
-          <a:chExt cx="0" cy="0"/>
-        </a:xfrm>
-      </p:grpSpPr>
-      <p:sp>
-        <p:nvSpPr>
-          <p:cNvPr id="2" name="標題 1">
-            <a:extLst>
-              <a:ext uri="{FF2B5EF4-FFF2-40B4-BE49-F238E27FC236}">
-                <a16:creationId xmlns:a16="http://schemas.microsoft.com/office/drawing/2014/main" id="{0E19F189-725C-49D8-85BE-205FC24458F3}"/>
-              </a:ext>
-            </a:extLst>
-          </p:cNvPr>
-          <p:cNvSpPr>
-            <a:spLocks noGrp="1"/>
-          </p:cNvSpPr>
-          <p:nvPr>
-            <p:ph type="title"/>
-          </p:nvPr>
-        </p:nvSpPr>
-        <p:spPr/>
-        <p:txBody>
-          <a:bodyPr/>
-          <a:lstStyle/>
-          <a:p>
-            <a:r>
-              <a:rPr lang="en-US" altLang="zh-TW"/>
-              <a:t>for </a:t>
-            </a:r>
-            <a:r>
-              <a:rPr lang="zh-TW" altLang="en-US"/>
-              <a:t>基本語法</a:t>
-            </a:r>
-          </a:p>
-        </p:txBody>
-      </p:sp>
-      <p:sp>
-        <p:nvSpPr>
-          <p:cNvPr id="3" name="內容版面配置區 2">
-            <a:extLst>
-              <a:ext uri="{FF2B5EF4-FFF2-40B4-BE49-F238E27FC236}">
-                <a16:creationId xmlns:a16="http://schemas.microsoft.com/office/drawing/2014/main" id="{CC451F0E-68A4-4C76-86EC-CCCCAA563157}"/>
-              </a:ext>
-            </a:extLst>
-          </p:cNvPr>
-          <p:cNvSpPr>
-            <a:spLocks noGrp="1"/>
-          </p:cNvSpPr>
-          <p:nvPr>
-            <p:ph idx="1"/>
-          </p:nvPr>
-        </p:nvSpPr>
-        <p:spPr/>
-        <p:txBody>
-          <a:bodyPr>
-            <a:normAutofit/>
-          </a:bodyPr>
-          <a:lstStyle/>
-          <a:p>
-            <a:pPr marL="0" indent="0">
-              <a:buNone/>
-            </a:pPr>
-            <a:endParaRPr lang="en-US" altLang="zh-TW" sz="2800"/>
-          </a:p>
-          <a:p>
-            <a:pPr marL="0" indent="0">
-              <a:buNone/>
-            </a:pPr>
-            <a:r>
-              <a:rPr lang="en-US" altLang="zh-TW" sz="2800"/>
-              <a:t>for </a:t>
-            </a:r>
-            <a:r>
-              <a:rPr lang="en-US" altLang="zh-TW" sz="2800">
-                <a:solidFill>
-                  <a:srgbClr val="FF0000"/>
-                </a:solidFill>
-              </a:rPr>
-              <a:t>ch</a:t>
-            </a:r>
-            <a:r>
-              <a:rPr lang="en-US" altLang="zh-TW" sz="2800"/>
-              <a:t> in </a:t>
-            </a:r>
-            <a:r>
-              <a:rPr lang="en-US" altLang="zh-TW" sz="2800">
-                <a:solidFill>
-                  <a:srgbClr val="FF0000"/>
-                </a:solidFill>
-              </a:rPr>
-              <a:t>“apple”</a:t>
-            </a:r>
-            <a:r>
-              <a:rPr lang="en-US" altLang="zh-TW" sz="2800"/>
-              <a:t>:</a:t>
-            </a:r>
-          </a:p>
-          <a:p>
-            <a:pPr marL="0" indent="0">
-              <a:buNone/>
-            </a:pPr>
-            <a:r>
-              <a:rPr lang="en-US" altLang="zh-TW" sz="2800"/>
-              <a:t>	</a:t>
-            </a:r>
-            <a:r>
-              <a:rPr lang="en-US" altLang="zh-TW" sz="2800">
-                <a:solidFill>
-                  <a:srgbClr val="FF0000"/>
-                </a:solidFill>
-              </a:rPr>
-              <a:t>print(ch, end=“.”)</a:t>
-            </a:r>
-          </a:p>
-          <a:p>
-            <a:pPr marL="0" indent="0">
-              <a:buNone/>
-            </a:pPr>
-            <a:endParaRPr lang="en-US" altLang="zh-TW" sz="2800">
-              <a:solidFill>
-                <a:srgbClr val="FF0000"/>
-              </a:solidFill>
-            </a:endParaRPr>
-          </a:p>
-          <a:p>
-            <a:pPr marL="0" indent="0">
-              <a:buNone/>
-            </a:pPr>
-            <a:r>
-              <a:rPr lang="zh-TW" altLang="en-US" sz="2800"/>
-              <a:t>輸出：</a:t>
-            </a:r>
-            <a:endParaRPr lang="en-US" altLang="zh-TW" sz="2800"/>
-          </a:p>
-          <a:p>
-            <a:pPr marL="0" indent="0">
-              <a:buNone/>
-            </a:pPr>
-            <a:r>
-              <a:rPr lang="en-US" altLang="zh-TW" sz="2800"/>
-              <a:t>a.</a:t>
-            </a:r>
-            <a:r>
-              <a:rPr lang="en-US" altLang="zh-TW" sz="2800">
-                <a:solidFill>
-                  <a:srgbClr val="0070C0"/>
-                </a:solidFill>
-              </a:rPr>
-              <a:t>p.</a:t>
-            </a:r>
-          </a:p>
-        </p:txBody>
-      </p:sp>
-    </p:spTree>
-    <p:extLst>
-      <p:ext uri="{BB962C8B-B14F-4D97-AF65-F5344CB8AC3E}">
-        <p14:creationId xmlns:p14="http://schemas.microsoft.com/office/powerpoint/2010/main" val="1714204985"/>
-      </p:ext>
-    </p:extLst>
-  </p:cSld>
-  <p:clrMapOvr>
-    <a:masterClrMapping/>
-  </p:clrMapOvr>
-</p:sld>
-</file>
-
-<file path=ppt/slides/slide49.xml><?xml version="1.0" encoding="utf-8"?>
-<p:sld xmlns:a="http://schemas.openxmlformats.org/drawingml/2006/main" xmlns:r="http://schemas.openxmlformats.org/officeDocument/2006/relationships" xmlns:p="http://schemas.openxmlformats.org/presentationml/2006/main">
-  <p:cSld>
-    <p:spTree>
-      <p:nvGrpSpPr>
-        <p:cNvPr id="1" name=""/>
-        <p:cNvGrpSpPr/>
-        <p:nvPr/>
-      </p:nvGrpSpPr>
-      <p:grpSpPr>
-        <a:xfrm>
-          <a:off x="0" y="0"/>
-          <a:ext cx="0" cy="0"/>
-          <a:chOff x="0" y="0"/>
-          <a:chExt cx="0" cy="0"/>
-        </a:xfrm>
-      </p:grpSpPr>
-      <p:sp>
-        <p:nvSpPr>
-          <p:cNvPr id="2" name="標題 1">
-            <a:extLst>
-              <a:ext uri="{FF2B5EF4-FFF2-40B4-BE49-F238E27FC236}">
-                <a16:creationId xmlns:a16="http://schemas.microsoft.com/office/drawing/2014/main" id="{0E19F189-725C-49D8-85BE-205FC24458F3}"/>
-              </a:ext>
-            </a:extLst>
-          </p:cNvPr>
-          <p:cNvSpPr>
-            <a:spLocks noGrp="1"/>
-          </p:cNvSpPr>
-          <p:nvPr>
-            <p:ph type="title"/>
-          </p:nvPr>
-        </p:nvSpPr>
-        <p:spPr/>
-        <p:txBody>
-          <a:bodyPr/>
-          <a:lstStyle/>
-          <a:p>
-            <a:r>
-              <a:rPr lang="en-US" altLang="zh-TW"/>
-              <a:t>for </a:t>
-            </a:r>
-            <a:r>
-              <a:rPr lang="zh-TW" altLang="en-US"/>
-              <a:t>基本語法</a:t>
-            </a:r>
-          </a:p>
-        </p:txBody>
-      </p:sp>
-      <p:sp>
-        <p:nvSpPr>
-          <p:cNvPr id="3" name="內容版面配置區 2">
-            <a:extLst>
-              <a:ext uri="{FF2B5EF4-FFF2-40B4-BE49-F238E27FC236}">
-                <a16:creationId xmlns:a16="http://schemas.microsoft.com/office/drawing/2014/main" id="{CC451F0E-68A4-4C76-86EC-CCCCAA563157}"/>
-              </a:ext>
-            </a:extLst>
-          </p:cNvPr>
-          <p:cNvSpPr>
-            <a:spLocks noGrp="1"/>
-          </p:cNvSpPr>
-          <p:nvPr>
-            <p:ph idx="1"/>
-          </p:nvPr>
-        </p:nvSpPr>
-        <p:spPr/>
-        <p:txBody>
-          <a:bodyPr>
-            <a:normAutofit/>
-          </a:bodyPr>
-          <a:lstStyle/>
-          <a:p>
-            <a:pPr marL="0" indent="0">
-              <a:buNone/>
-            </a:pPr>
-            <a:endParaRPr lang="en-US" altLang="zh-TW" sz="2800"/>
-          </a:p>
-          <a:p>
-            <a:pPr marL="0" indent="0">
-              <a:buNone/>
-            </a:pPr>
-            <a:r>
-              <a:rPr lang="en-US" altLang="zh-TW" sz="2800"/>
-              <a:t>for </a:t>
-            </a:r>
-            <a:r>
-              <a:rPr lang="en-US" altLang="zh-TW" sz="2800">
-                <a:solidFill>
-                  <a:srgbClr val="FF0000"/>
-                </a:solidFill>
-              </a:rPr>
-              <a:t>ch</a:t>
-            </a:r>
-            <a:r>
-              <a:rPr lang="en-US" altLang="zh-TW" sz="2800"/>
-              <a:t> in </a:t>
-            </a:r>
-            <a:r>
-              <a:rPr lang="en-US" altLang="zh-TW" sz="2800">
-                <a:solidFill>
-                  <a:srgbClr val="FF0000"/>
-                </a:solidFill>
-              </a:rPr>
-              <a:t>“apple”</a:t>
-            </a:r>
-            <a:r>
-              <a:rPr lang="en-US" altLang="zh-TW" sz="2800"/>
-              <a:t>:</a:t>
-            </a:r>
-          </a:p>
-          <a:p>
-            <a:pPr marL="0" indent="0">
-              <a:buNone/>
-            </a:pPr>
-            <a:r>
-              <a:rPr lang="en-US" altLang="zh-TW" sz="2800"/>
-              <a:t>	</a:t>
-            </a:r>
-            <a:r>
-              <a:rPr lang="en-US" altLang="zh-TW" sz="2800">
-                <a:solidFill>
-                  <a:srgbClr val="FF0000"/>
-                </a:solidFill>
-              </a:rPr>
-              <a:t>print(ch, end=“.”)</a:t>
-            </a:r>
-          </a:p>
-          <a:p>
-            <a:pPr marL="0" indent="0">
-              <a:buNone/>
-            </a:pPr>
-            <a:endParaRPr lang="en-US" altLang="zh-TW" sz="2800">
-              <a:solidFill>
-                <a:srgbClr val="FF0000"/>
-              </a:solidFill>
-            </a:endParaRPr>
-          </a:p>
-          <a:p>
-            <a:pPr marL="0" indent="0">
-              <a:buNone/>
-            </a:pPr>
-            <a:r>
-              <a:rPr lang="zh-TW" altLang="en-US" sz="2800"/>
-              <a:t>輸出：</a:t>
-            </a:r>
-            <a:endParaRPr lang="en-US" altLang="zh-TW" sz="2800"/>
-          </a:p>
-          <a:p>
-            <a:pPr marL="0" indent="0">
-              <a:buNone/>
-            </a:pPr>
-            <a:r>
-              <a:rPr lang="en-US" altLang="zh-TW" sz="2800"/>
-              <a:t>a.p.</a:t>
-            </a:r>
-            <a:r>
-              <a:rPr lang="en-US" altLang="zh-TW" sz="2800">
-                <a:solidFill>
-                  <a:srgbClr val="0070C0"/>
-                </a:solidFill>
-              </a:rPr>
-              <a:t>p.</a:t>
-            </a:r>
-          </a:p>
-        </p:txBody>
-      </p:sp>
-    </p:spTree>
-    <p:extLst>
-      <p:ext uri="{BB962C8B-B14F-4D97-AF65-F5344CB8AC3E}">
-        <p14:creationId xmlns:p14="http://schemas.microsoft.com/office/powerpoint/2010/main" val="174401486"/>
       </p:ext>
     </p:extLst>
   </p:cSld>
@@ -16308,7 +16769,7 @@
           <p:cNvPr id="2" name="標題 1">
             <a:extLst>
               <a:ext uri="{FF2B5EF4-FFF2-40B4-BE49-F238E27FC236}">
-                <a16:creationId xmlns:a16="http://schemas.microsoft.com/office/drawing/2014/main" id="{0E19F189-725C-49D8-85BE-205FC24458F3}"/>
+                <a16:creationId xmlns:a16="http://schemas.microsoft.com/office/drawing/2014/main" id="{ADF711BD-BEDB-4622-AEA6-B091DB9D0AD7}"/>
               </a:ext>
             </a:extLst>
           </p:cNvPr>
@@ -16330,17 +16791,17 @@
             </a:r>
             <a:r>
               <a:rPr lang="zh-TW" altLang="en-US"/>
-              <a:t>基本語法</a:t>
+              <a:t>迭代</a:t>
             </a:r>
           </a:p>
         </p:txBody>
       </p:sp>
       <p:sp>
         <p:nvSpPr>
-          <p:cNvPr id="3" name="內容版面配置區 2">
+          <p:cNvPr id="3" name="文字版面配置區 2">
             <a:extLst>
               <a:ext uri="{FF2B5EF4-FFF2-40B4-BE49-F238E27FC236}">
-                <a16:creationId xmlns:a16="http://schemas.microsoft.com/office/drawing/2014/main" id="{CC451F0E-68A4-4C76-86EC-CCCCAA563157}"/>
+                <a16:creationId xmlns:a16="http://schemas.microsoft.com/office/drawing/2014/main" id="{77BB5162-743A-40DA-BFB8-2C0E38EE7FD3}"/>
               </a:ext>
             </a:extLst>
           </p:cNvPr>
@@ -16348,114 +16809,22 @@
             <a:spLocks noGrp="1"/>
           </p:cNvSpPr>
           <p:nvPr>
-            <p:ph idx="1"/>
+            <p:ph type="body" idx="1"/>
           </p:nvPr>
         </p:nvSpPr>
         <p:spPr/>
         <p:txBody>
-          <a:bodyPr>
-            <a:normAutofit/>
-          </a:bodyPr>
+          <a:bodyPr/>
           <a:lstStyle/>
           <a:p>
-            <a:pPr marL="0" indent="0">
-              <a:buNone/>
-            </a:pPr>
-            <a:endParaRPr lang="en-US" altLang="zh-TW" sz="2800"/>
-          </a:p>
-          <a:p>
-            <a:pPr marL="0" indent="0">
-              <a:buNone/>
-            </a:pPr>
-            <a:r>
-              <a:rPr lang="en-US" altLang="zh-TW" sz="2800"/>
-              <a:t>for </a:t>
-            </a:r>
-            <a:r>
-              <a:rPr lang="en-US" altLang="zh-TW" sz="2800">
-                <a:solidFill>
-                  <a:srgbClr val="FF0000"/>
-                </a:solidFill>
-              </a:rPr>
-              <a:t>ch</a:t>
-            </a:r>
-            <a:r>
-              <a:rPr lang="en-US" altLang="zh-TW" sz="2800"/>
-              <a:t> in </a:t>
-            </a:r>
-            <a:r>
-              <a:rPr lang="en-US" altLang="zh-TW" sz="2800">
-                <a:solidFill>
-                  <a:srgbClr val="FF0000"/>
-                </a:solidFill>
-              </a:rPr>
-              <a:t>“apple”</a:t>
-            </a:r>
-            <a:r>
-              <a:rPr lang="en-US" altLang="zh-TW" sz="2800"/>
-              <a:t>:</a:t>
-            </a:r>
-          </a:p>
-          <a:p>
-            <a:pPr marL="0" indent="0">
-              <a:buNone/>
-            </a:pPr>
-            <a:r>
-              <a:rPr lang="en-US" altLang="zh-TW" sz="2800"/>
-              <a:t>	</a:t>
-            </a:r>
-            <a:r>
-              <a:rPr lang="en-US" altLang="zh-TW" sz="2800">
-                <a:solidFill>
-                  <a:srgbClr val="FF0000"/>
-                </a:solidFill>
-              </a:rPr>
-              <a:t>print(ch, end=“.”)</a:t>
-            </a:r>
-          </a:p>
-          <a:p>
-            <a:pPr marL="0" indent="0">
-              <a:buNone/>
-            </a:pPr>
-            <a:endParaRPr lang="en-US" altLang="zh-TW" sz="2800">
-              <a:solidFill>
-                <a:srgbClr val="FF0000"/>
-              </a:solidFill>
-            </a:endParaRPr>
-          </a:p>
-          <a:p>
-            <a:pPr marL="0" indent="0">
-              <a:buNone/>
-            </a:pPr>
-            <a:r>
-              <a:rPr lang="zh-TW" altLang="en-US" sz="2800"/>
-              <a:t>輸出：</a:t>
-            </a:r>
-            <a:endParaRPr lang="en-US" altLang="zh-TW" sz="2800"/>
-          </a:p>
-          <a:p>
-            <a:pPr marL="0" indent="0">
-              <a:buNone/>
-            </a:pPr>
-            <a:r>
-              <a:rPr lang="en-US" altLang="zh-TW" sz="2800"/>
-              <a:t>a.p.p.</a:t>
-            </a:r>
-            <a:r>
-              <a:rPr lang="en-US" altLang="zh-TW" sz="2800">
-                <a:solidFill>
-                  <a:srgbClr val="0070C0"/>
-                </a:solidFill>
-              </a:rPr>
-              <a:t>l.</a:t>
-            </a:r>
+            <a:endParaRPr lang="zh-TW" altLang="en-US"/>
           </a:p>
         </p:txBody>
       </p:sp>
     </p:spTree>
     <p:extLst>
       <p:ext uri="{BB962C8B-B14F-4D97-AF65-F5344CB8AC3E}">
-        <p14:creationId xmlns:p14="http://schemas.microsoft.com/office/powerpoint/2010/main" val="4125248947"/>
+        <p14:creationId xmlns:p14="http://schemas.microsoft.com/office/powerpoint/2010/main" val="984562152"/>
       </p:ext>
     </p:extLst>
   </p:cSld>
@@ -16553,10 +16922,12 @@
             <a:r>
               <a:rPr lang="en-US" altLang="zh-TW" sz="2800">
                 <a:solidFill>
-                  <a:srgbClr val="FF0000"/>
-                </a:solidFill>
-              </a:rPr>
-              <a:t>ch</a:t>
+                  <a:schemeClr val="bg1">
+                    <a:lumMod val="65000"/>
+                  </a:schemeClr>
+                </a:solidFill>
+              </a:rPr>
+              <a:t>element</a:t>
             </a:r>
             <a:r>
               <a:rPr lang="en-US" altLang="zh-TW" sz="2800"/>
@@ -16565,10 +16936,12 @@
             <a:r>
               <a:rPr lang="en-US" altLang="zh-TW" sz="2800">
                 <a:solidFill>
-                  <a:srgbClr val="FF0000"/>
-                </a:solidFill>
-              </a:rPr>
-              <a:t>“apple”</a:t>
+                  <a:schemeClr val="bg1">
+                    <a:lumMod val="65000"/>
+                  </a:schemeClr>
+                </a:solidFill>
+              </a:rPr>
+              <a:t>container</a:t>
             </a:r>
             <a:r>
               <a:rPr lang="en-US" altLang="zh-TW" sz="2800"/>
@@ -16586,55 +16959,144 @@
             <a:r>
               <a:rPr lang="en-US" altLang="zh-TW" sz="2800">
                 <a:solidFill>
-                  <a:srgbClr val="FF0000"/>
-                </a:solidFill>
-              </a:rPr>
-              <a:t>print(ch, end=“.”)</a:t>
-            </a:r>
-          </a:p>
-          <a:p>
-            <a:pPr marL="0" indent="0">
-              <a:buNone/>
-            </a:pPr>
-            <a:endParaRPr lang="en-US" altLang="zh-TW" sz="2800">
-              <a:solidFill>
-                <a:srgbClr val="FF0000"/>
-              </a:solidFill>
-            </a:endParaRPr>
-          </a:p>
-          <a:p>
-            <a:pPr marL="0" indent="0">
-              <a:buNone/>
-            </a:pPr>
+                  <a:schemeClr val="bg1">
+                    <a:lumMod val="65000"/>
+                  </a:schemeClr>
+                </a:solidFill>
+              </a:rPr>
+              <a:t>statements...</a:t>
+            </a:r>
+          </a:p>
+          <a:p>
+            <a:pPr marL="0" indent="0">
+              <a:buNone/>
+            </a:pPr>
+            <a:r>
+              <a:rPr lang="en-US" altLang="zh-TW" sz="2800">
+                <a:solidFill>
+                  <a:schemeClr val="bg1">
+                    <a:lumMod val="65000"/>
+                  </a:schemeClr>
+                </a:solidFill>
+              </a:rPr>
+              <a:t>	statements...</a:t>
+            </a:r>
+          </a:p>
+          <a:p>
+            <a:pPr marL="0" indent="0">
+              <a:buNone/>
+            </a:pPr>
+            <a:r>
+              <a:rPr lang="en-US" altLang="zh-TW" sz="2800">
+                <a:solidFill>
+                  <a:schemeClr val="bg1">
+                    <a:lumMod val="65000"/>
+                  </a:schemeClr>
+                </a:solidFill>
+              </a:rPr>
+              <a:t>	...</a:t>
+            </a:r>
+          </a:p>
+        </p:txBody>
+      </p:sp>
+      <p:sp>
+        <p:nvSpPr>
+          <p:cNvPr id="6" name="箭號: 向下 5">
+            <a:extLst>
+              <a:ext uri="{FF2B5EF4-FFF2-40B4-BE49-F238E27FC236}">
+                <a16:creationId xmlns:a16="http://schemas.microsoft.com/office/drawing/2014/main" id="{E458BE98-232C-49A4-A26B-06C3B92B05D1}"/>
+              </a:ext>
+            </a:extLst>
+          </p:cNvPr>
+          <p:cNvSpPr/>
+          <p:nvPr/>
+        </p:nvSpPr>
+        <p:spPr>
+          <a:xfrm rot="19385951">
+            <a:off x="5615473" y="3031065"/>
+            <a:ext cx="414867" cy="508000"/>
+          </a:xfrm>
+          <a:prstGeom prst="downArrow">
+            <a:avLst/>
+          </a:prstGeom>
+        </p:spPr>
+        <p:style>
+          <a:lnRef idx="2">
+            <a:schemeClr val="accent1">
+              <a:shade val="50000"/>
+            </a:schemeClr>
+          </a:lnRef>
+          <a:fillRef idx="1">
+            <a:schemeClr val="accent1"/>
+          </a:fillRef>
+          <a:effectRef idx="0">
+            <a:schemeClr val="accent1"/>
+          </a:effectRef>
+          <a:fontRef idx="minor">
+            <a:schemeClr val="lt1"/>
+          </a:fontRef>
+        </p:style>
+        <p:txBody>
+          <a:bodyPr rtlCol="0" anchor="ctr"/>
+          <a:lstStyle/>
+          <a:p>
+            <a:pPr algn="ctr"/>
+            <a:endParaRPr lang="zh-TW" altLang="en-US"/>
+          </a:p>
+        </p:txBody>
+      </p:sp>
+      <p:sp>
+        <p:nvSpPr>
+          <p:cNvPr id="7" name="文字方塊 6">
+            <a:extLst>
+              <a:ext uri="{FF2B5EF4-FFF2-40B4-BE49-F238E27FC236}">
+                <a16:creationId xmlns:a16="http://schemas.microsoft.com/office/drawing/2014/main" id="{6ACE168C-B420-48FC-A9FD-B38AB63BF18E}"/>
+              </a:ext>
+            </a:extLst>
+          </p:cNvPr>
+          <p:cNvSpPr txBox="1"/>
+          <p:nvPr/>
+        </p:nvSpPr>
+        <p:spPr>
+          <a:xfrm>
+            <a:off x="5504517" y="3680466"/>
+            <a:ext cx="3233578" cy="523220"/>
+          </a:xfrm>
+          <a:prstGeom prst="rect">
+            <a:avLst/>
+          </a:prstGeom>
+          <a:noFill/>
+        </p:spPr>
+        <p:txBody>
+          <a:bodyPr wrap="none" rtlCol="0">
+            <a:spAutoFit/>
+          </a:bodyPr>
+          <a:lstStyle/>
+          <a:p>
             <a:r>
               <a:rPr lang="zh-TW" altLang="en-US" sz="2800"/>
-              <a:t>輸出：</a:t>
-            </a:r>
-            <a:endParaRPr lang="en-US" altLang="zh-TW" sz="2800"/>
-          </a:p>
-          <a:p>
-            <a:pPr marL="0" indent="0">
-              <a:buNone/>
-            </a:pPr>
-            <a:r>
-              <a:rPr lang="en-US" altLang="zh-TW" sz="2800"/>
-              <a:t>a.p.p.l.</a:t>
-            </a:r>
-            <a:r>
-              <a:rPr lang="en-US" altLang="zh-TW" sz="2800">
-                <a:solidFill>
-                  <a:srgbClr val="0070C0"/>
-                </a:solidFill>
-              </a:rPr>
-              <a:t>e.</a:t>
-            </a:r>
+              <a:t>可為 </a:t>
+            </a:r>
+            <a:r>
+              <a:rPr lang="en-US" altLang="zh-TW" sz="2800"/>
+              <a:t>list </a:t>
+            </a:r>
+            <a:r>
+              <a:rPr lang="zh-TW" altLang="en-US" sz="2800"/>
+              <a:t>或 </a:t>
+            </a:r>
+            <a:r>
+              <a:rPr lang="en-US" altLang="zh-TW" sz="2800"/>
+              <a:t>str</a:t>
+            </a:r>
+            <a:endParaRPr lang="zh-TW" altLang="en-US" sz="2800"/>
           </a:p>
         </p:txBody>
       </p:sp>
     </p:spTree>
     <p:extLst>
       <p:ext uri="{BB962C8B-B14F-4D97-AF65-F5344CB8AC3E}">
-        <p14:creationId xmlns:p14="http://schemas.microsoft.com/office/powerpoint/2010/main" val="1437328513"/>
+        <p14:creationId xmlns:p14="http://schemas.microsoft.com/office/powerpoint/2010/main" val="595841610"/>
       </p:ext>
     </p:extLst>
   </p:cSld>
@@ -16735,7 +17197,7 @@
                   <a:srgbClr val="FF0000"/>
                 </a:solidFill>
               </a:rPr>
-              <a:t>elm</a:t>
+              <a:t>ch</a:t>
             </a:r>
             <a:r>
               <a:rPr lang="en-US" altLang="zh-TW" sz="2800"/>
@@ -16747,7 +17209,7 @@
                   <a:srgbClr val="FF0000"/>
                 </a:solidFill>
               </a:rPr>
-              <a:t>[“12”, “23”, “34”]</a:t>
+              <a:t>“apple”</a:t>
             </a:r>
             <a:r>
               <a:rPr lang="en-US" altLang="zh-TW" sz="2800"/>
@@ -16768,7 +17230,7 @@
                   <a:srgbClr val="FF0000"/>
                 </a:solidFill>
               </a:rPr>
-              <a:t>print(elm, end=“.”)</a:t>
+              <a:t>print(ch, end=“.”)</a:t>
             </a:r>
           </a:p>
           <a:p>
@@ -16796,7 +17258,7 @@
     </p:spTree>
     <p:extLst>
       <p:ext uri="{BB962C8B-B14F-4D97-AF65-F5344CB8AC3E}">
-        <p14:creationId xmlns:p14="http://schemas.microsoft.com/office/powerpoint/2010/main" val="902170571"/>
+        <p14:creationId xmlns:p14="http://schemas.microsoft.com/office/powerpoint/2010/main" val="147608673"/>
       </p:ext>
     </p:extLst>
   </p:cSld>
@@ -16897,7 +17359,7 @@
                   <a:srgbClr val="FF0000"/>
                 </a:solidFill>
               </a:rPr>
-              <a:t>elm</a:t>
+              <a:t>ch</a:t>
             </a:r>
             <a:r>
               <a:rPr lang="en-US" altLang="zh-TW" sz="2800"/>
@@ -16909,7 +17371,7 @@
                   <a:srgbClr val="FF0000"/>
                 </a:solidFill>
               </a:rPr>
-              <a:t>[“12”, “23”, “34”]</a:t>
+              <a:t>“apple”</a:t>
             </a:r>
             <a:r>
               <a:rPr lang="en-US" altLang="zh-TW" sz="2800"/>
@@ -16930,7 +17392,7 @@
                   <a:srgbClr val="FF0000"/>
                 </a:solidFill>
               </a:rPr>
-              <a:t>print(elm, end=“.”)</a:t>
+              <a:t>print(ch, end=“.”)</a:t>
             </a:r>
           </a:p>
           <a:p>
@@ -16963,7 +17425,7 @@
                   <a:srgbClr val="0070C0"/>
                 </a:solidFill>
               </a:rPr>
-              <a:t>12.</a:t>
+              <a:t>a.</a:t>
             </a:r>
           </a:p>
         </p:txBody>
@@ -16971,7 +17433,7 @@
     </p:spTree>
     <p:extLst>
       <p:ext uri="{BB962C8B-B14F-4D97-AF65-F5344CB8AC3E}">
-        <p14:creationId xmlns:p14="http://schemas.microsoft.com/office/powerpoint/2010/main" val="4188539050"/>
+        <p14:creationId xmlns:p14="http://schemas.microsoft.com/office/powerpoint/2010/main" val="3612237419"/>
       </p:ext>
     </p:extLst>
   </p:cSld>
@@ -17072,7 +17534,7 @@
                   <a:srgbClr val="FF0000"/>
                 </a:solidFill>
               </a:rPr>
-              <a:t>elm</a:t>
+              <a:t>ch</a:t>
             </a:r>
             <a:r>
               <a:rPr lang="en-US" altLang="zh-TW" sz="2800"/>
@@ -17084,7 +17546,7 @@
                   <a:srgbClr val="FF0000"/>
                 </a:solidFill>
               </a:rPr>
-              <a:t>[“12”, “23”, “34”]</a:t>
+              <a:t>“apple”</a:t>
             </a:r>
             <a:r>
               <a:rPr lang="en-US" altLang="zh-TW" sz="2800"/>
@@ -17105,7 +17567,7 @@
                   <a:srgbClr val="FF0000"/>
                 </a:solidFill>
               </a:rPr>
-              <a:t>print(elm, end=“.”)</a:t>
+              <a:t>print(ch, end=“.”)</a:t>
             </a:r>
           </a:p>
           <a:p>
@@ -17134,7 +17596,7 @@
             </a:pPr>
             <a:r>
               <a:rPr lang="en-US" altLang="zh-TW" sz="2800"/>
-              <a:t>12.</a:t>
+              <a:t>a.</a:t>
             </a:r>
             <a:r>
               <a:rPr lang="en-US" altLang="zh-TW" sz="2800">
@@ -17142,7 +17604,7 @@
                   <a:srgbClr val="0070C0"/>
                 </a:solidFill>
               </a:rPr>
-              <a:t>23.</a:t>
+              <a:t>p.</a:t>
             </a:r>
           </a:p>
         </p:txBody>
@@ -17150,7 +17612,7 @@
     </p:spTree>
     <p:extLst>
       <p:ext uri="{BB962C8B-B14F-4D97-AF65-F5344CB8AC3E}">
-        <p14:creationId xmlns:p14="http://schemas.microsoft.com/office/powerpoint/2010/main" val="1706977499"/>
+        <p14:creationId xmlns:p14="http://schemas.microsoft.com/office/powerpoint/2010/main" val="1714204985"/>
       </p:ext>
     </p:extLst>
   </p:cSld>
@@ -17251,7 +17713,7 @@
                   <a:srgbClr val="FF0000"/>
                 </a:solidFill>
               </a:rPr>
-              <a:t>elm</a:t>
+              <a:t>ch</a:t>
             </a:r>
             <a:r>
               <a:rPr lang="en-US" altLang="zh-TW" sz="2800"/>
@@ -17263,7 +17725,7 @@
                   <a:srgbClr val="FF0000"/>
                 </a:solidFill>
               </a:rPr>
-              <a:t>[“12”, “23”, “34”]</a:t>
+              <a:t>“apple”</a:t>
             </a:r>
             <a:r>
               <a:rPr lang="en-US" altLang="zh-TW" sz="2800"/>
@@ -17284,7 +17746,7 @@
                   <a:srgbClr val="FF0000"/>
                 </a:solidFill>
               </a:rPr>
-              <a:t>print(elm, end=“.”)</a:t>
+              <a:t>print(ch, end=“.”)</a:t>
             </a:r>
           </a:p>
           <a:p>
@@ -17313,7 +17775,7 @@
             </a:pPr>
             <a:r>
               <a:rPr lang="en-US" altLang="zh-TW" sz="2800"/>
-              <a:t>12.23.</a:t>
+              <a:t>a.p.</a:t>
             </a:r>
             <a:r>
               <a:rPr lang="en-US" altLang="zh-TW" sz="2800">
@@ -17321,7 +17783,7 @@
                   <a:srgbClr val="0070C0"/>
                 </a:solidFill>
               </a:rPr>
-              <a:t>34.</a:t>
+              <a:t>p.</a:t>
             </a:r>
           </a:p>
         </p:txBody>
@@ -17329,7 +17791,7 @@
     </p:spTree>
     <p:extLst>
       <p:ext uri="{BB962C8B-B14F-4D97-AF65-F5344CB8AC3E}">
-        <p14:creationId xmlns:p14="http://schemas.microsoft.com/office/powerpoint/2010/main" val="3281765148"/>
+        <p14:creationId xmlns:p14="http://schemas.microsoft.com/office/powerpoint/2010/main" val="174401486"/>
       </p:ext>
     </p:extLst>
   </p:cSld>
@@ -17422,15 +17884,6 @@
             </a:pPr>
             <a:r>
               <a:rPr lang="en-US" altLang="zh-TW" sz="2800"/>
-              <a:t>lst = [“1”, “2”, “3”, “4”]</a:t>
-            </a:r>
-          </a:p>
-          <a:p>
-            <a:pPr marL="0" indent="0">
-              <a:buNone/>
-            </a:pPr>
-            <a:r>
-              <a:rPr lang="en-US" altLang="zh-TW" sz="2800"/>
               <a:t>for </a:t>
             </a:r>
             <a:r>
@@ -17439,7 +17892,7 @@
                   <a:srgbClr val="FF0000"/>
                 </a:solidFill>
               </a:rPr>
-              <a:t>elm</a:t>
+              <a:t>ch</a:t>
             </a:r>
             <a:r>
               <a:rPr lang="en-US" altLang="zh-TW" sz="2800"/>
@@ -17451,7 +17904,7 @@
                   <a:srgbClr val="FF0000"/>
                 </a:solidFill>
               </a:rPr>
-              <a:t>lst</a:t>
+              <a:t>“apple”</a:t>
             </a:r>
             <a:r>
               <a:rPr lang="en-US" altLang="zh-TW" sz="2800"/>
@@ -17472,7 +17925,7 @@
                   <a:srgbClr val="FF0000"/>
                 </a:solidFill>
               </a:rPr>
-              <a:t>elm = int(elm)</a:t>
+              <a:t>print(ch, end=“.”)</a:t>
             </a:r>
           </a:p>
           <a:p>
@@ -17490,29 +17943,34 @@
               <a:buNone/>
             </a:pPr>
             <a:r>
-              <a:rPr lang="en-US" altLang="zh-TW" sz="2800"/>
-              <a:t>lst </a:t>
-            </a:r>
-            <a:r>
               <a:rPr lang="zh-TW" altLang="en-US" sz="2800"/>
-              <a:t>→ </a:t>
-            </a:r>
-            <a:r>
-              <a:rPr lang="en-US" altLang="zh-TW" sz="2800"/>
-              <a:t>[“1”, “2”, “3”, “4”]</a:t>
-            </a:r>
-            <a:endParaRPr lang="en-US" altLang="zh-TW" sz="2800">
-              <a:solidFill>
-                <a:srgbClr val="FF0000"/>
-              </a:solidFill>
-            </a:endParaRPr>
+              <a:t>輸出：</a:t>
+            </a:r>
+            <a:endParaRPr lang="en-US" altLang="zh-TW" sz="2800"/>
+          </a:p>
+          <a:p>
+            <a:pPr marL="0" indent="0">
+              <a:buNone/>
+            </a:pPr>
+            <a:r>
+              <a:rPr lang="en-US" altLang="zh-TW" sz="2800"/>
+              <a:t>a.p.p.</a:t>
+            </a:r>
+            <a:r>
+              <a:rPr lang="en-US" altLang="zh-TW" sz="2800">
+                <a:solidFill>
+                  <a:srgbClr val="0070C0"/>
+                </a:solidFill>
+              </a:rPr>
+              <a:t>l.</a:t>
+            </a:r>
           </a:p>
         </p:txBody>
       </p:sp>
     </p:spTree>
     <p:extLst>
       <p:ext uri="{BB962C8B-B14F-4D97-AF65-F5344CB8AC3E}">
-        <p14:creationId xmlns:p14="http://schemas.microsoft.com/office/powerpoint/2010/main" val="6988592"/>
+        <p14:creationId xmlns:p14="http://schemas.microsoft.com/office/powerpoint/2010/main" val="4125248947"/>
       </p:ext>
     </p:extLst>
   </p:cSld>
@@ -17597,31 +18055,27 @@
             <a:pPr marL="0" indent="0">
               <a:buNone/>
             </a:pPr>
+            <a:endParaRPr lang="en-US" altLang="zh-TW" sz="2800"/>
+          </a:p>
+          <a:p>
+            <a:pPr marL="0" indent="0">
+              <a:buNone/>
+            </a:pPr>
+            <a:r>
+              <a:rPr lang="en-US" altLang="zh-TW" sz="2800"/>
+              <a:t>for </a:t>
+            </a:r>
             <a:r>
               <a:rPr lang="en-US" altLang="zh-TW" sz="2800">
                 <a:solidFill>
                   <a:srgbClr val="FF0000"/>
                 </a:solidFill>
               </a:rPr>
-              <a:t>result = []</a:t>
-            </a:r>
-          </a:p>
-          <a:p>
-            <a:pPr marL="0" indent="0">
-              <a:buNone/>
-            </a:pPr>
-            <a:r>
-              <a:rPr lang="en-US" altLang="zh-TW" sz="2800"/>
-              <a:t>lst = [“1”, “2”, “3”, “4”]</a:t>
-            </a:r>
-          </a:p>
-          <a:p>
-            <a:pPr marL="0" indent="0">
-              <a:buNone/>
-            </a:pPr>
-            <a:r>
-              <a:rPr lang="en-US" altLang="zh-TW" sz="2800"/>
-              <a:t>for </a:t>
+              <a:t>ch</a:t>
+            </a:r>
+            <a:r>
+              <a:rPr lang="en-US" altLang="zh-TW" sz="2800"/>
+              <a:t> in </a:t>
             </a:r>
             <a:r>
               <a:rPr lang="en-US" altLang="zh-TW" sz="2800">
@@ -17629,11 +18083,20 @@
                   <a:srgbClr val="FF0000"/>
                 </a:solidFill>
               </a:rPr>
-              <a:t>elm</a:t>
-            </a:r>
-            <a:r>
-              <a:rPr lang="en-US" altLang="zh-TW" sz="2800"/>
-              <a:t> in </a:t>
+              <a:t>“apple”</a:t>
+            </a:r>
+            <a:r>
+              <a:rPr lang="en-US" altLang="zh-TW" sz="2800"/>
+              <a:t>:</a:t>
+            </a:r>
+          </a:p>
+          <a:p>
+            <a:pPr marL="0" indent="0">
+              <a:buNone/>
+            </a:pPr>
+            <a:r>
+              <a:rPr lang="en-US" altLang="zh-TW" sz="2800"/>
+              <a:t>	</a:t>
             </a:r>
             <a:r>
               <a:rPr lang="en-US" altLang="zh-TW" sz="2800">
@@ -17641,28 +18104,7 @@
                   <a:srgbClr val="FF0000"/>
                 </a:solidFill>
               </a:rPr>
-              <a:t>lst</a:t>
-            </a:r>
-            <a:r>
-              <a:rPr lang="en-US" altLang="zh-TW" sz="2800"/>
-              <a:t>:</a:t>
-            </a:r>
-          </a:p>
-          <a:p>
-            <a:pPr marL="0" indent="0">
-              <a:buNone/>
-            </a:pPr>
-            <a:r>
-              <a:rPr lang="en-US" altLang="zh-TW" sz="2800"/>
-              <a:t>	</a:t>
-            </a:r>
-            <a:r>
-              <a:rPr lang="en-US" altLang="zh-TW" sz="2800">
-                <a:solidFill>
-                  <a:srgbClr val="FF0000"/>
-                </a:solidFill>
-              </a:rPr>
-              <a:t>result.append(int(elm))</a:t>
+              <a:t>print(ch, end=“.”)</a:t>
             </a:r>
           </a:p>
           <a:p>
@@ -17680,45 +18122,26 @@
               <a:buNone/>
             </a:pPr>
             <a:r>
-              <a:rPr lang="en-US" altLang="zh-TW" sz="2800"/>
-              <a:t>lst </a:t>
-            </a:r>
-            <a:r>
               <a:rPr lang="zh-TW" altLang="en-US" sz="2800"/>
-              <a:t>→ </a:t>
-            </a:r>
-            <a:r>
-              <a:rPr lang="en-US" altLang="zh-TW" sz="2800"/>
-              <a:t>[“1”, “2”, “3”, “4”]</a:t>
-            </a:r>
-          </a:p>
-          <a:p>
-            <a:pPr marL="0" indent="0">
-              <a:buNone/>
-            </a:pPr>
+              <a:t>輸出：</a:t>
+            </a:r>
+            <a:endParaRPr lang="en-US" altLang="zh-TW" sz="2800"/>
+          </a:p>
+          <a:p>
+            <a:pPr marL="0" indent="0">
+              <a:buNone/>
+            </a:pPr>
+            <a:r>
+              <a:rPr lang="en-US" altLang="zh-TW" sz="2800"/>
+              <a:t>a.p.p.l.</a:t>
+            </a:r>
             <a:r>
               <a:rPr lang="en-US" altLang="zh-TW" sz="2800">
                 <a:solidFill>
-                  <a:srgbClr val="FF0000"/>
-                </a:solidFill>
-              </a:rPr>
-              <a:t>result </a:t>
-            </a:r>
-            <a:r>
-              <a:rPr lang="zh-TW" altLang="en-US" sz="2800">
-                <a:solidFill>
-                  <a:srgbClr val="FF0000"/>
-                </a:solidFill>
-              </a:rPr>
-              <a:t>→ </a:t>
-            </a:r>
-            <a:r>
-              <a:rPr lang="en-US" altLang="zh-TW" sz="2800">
-                <a:solidFill>
-                  <a:srgbClr val="FF0000"/>
-                </a:solidFill>
-              </a:rPr>
-              <a:t>[1, 2, 3, 4]</a:t>
+                  <a:srgbClr val="0070C0"/>
+                </a:solidFill>
+              </a:rPr>
+              <a:t>e.</a:t>
             </a:r>
           </a:p>
         </p:txBody>
@@ -17726,7 +18149,344 @@
     </p:spTree>
     <p:extLst>
       <p:ext uri="{BB962C8B-B14F-4D97-AF65-F5344CB8AC3E}">
-        <p14:creationId xmlns:p14="http://schemas.microsoft.com/office/powerpoint/2010/main" val="1640023585"/>
+        <p14:creationId xmlns:p14="http://schemas.microsoft.com/office/powerpoint/2010/main" val="1437328513"/>
+      </p:ext>
+    </p:extLst>
+  </p:cSld>
+  <p:clrMapOvr>
+    <a:masterClrMapping/>
+  </p:clrMapOvr>
+</p:sld>
+</file>
+
+<file path=ppt/slides/slide58.xml><?xml version="1.0" encoding="utf-8"?>
+<p:sld xmlns:a="http://schemas.openxmlformats.org/drawingml/2006/main" xmlns:r="http://schemas.openxmlformats.org/officeDocument/2006/relationships" xmlns:p="http://schemas.openxmlformats.org/presentationml/2006/main">
+  <p:cSld>
+    <p:spTree>
+      <p:nvGrpSpPr>
+        <p:cNvPr id="1" name=""/>
+        <p:cNvGrpSpPr/>
+        <p:nvPr/>
+      </p:nvGrpSpPr>
+      <p:grpSpPr>
+        <a:xfrm>
+          <a:off x="0" y="0"/>
+          <a:ext cx="0" cy="0"/>
+          <a:chOff x="0" y="0"/>
+          <a:chExt cx="0" cy="0"/>
+        </a:xfrm>
+      </p:grpSpPr>
+      <p:sp>
+        <p:nvSpPr>
+          <p:cNvPr id="2" name="標題 1">
+            <a:extLst>
+              <a:ext uri="{FF2B5EF4-FFF2-40B4-BE49-F238E27FC236}">
+                <a16:creationId xmlns:a16="http://schemas.microsoft.com/office/drawing/2014/main" id="{0E19F189-725C-49D8-85BE-205FC24458F3}"/>
+              </a:ext>
+            </a:extLst>
+          </p:cNvPr>
+          <p:cNvSpPr>
+            <a:spLocks noGrp="1"/>
+          </p:cNvSpPr>
+          <p:nvPr>
+            <p:ph type="title"/>
+          </p:nvPr>
+        </p:nvSpPr>
+        <p:spPr/>
+        <p:txBody>
+          <a:bodyPr/>
+          <a:lstStyle/>
+          <a:p>
+            <a:r>
+              <a:rPr lang="en-US" altLang="zh-TW"/>
+              <a:t>for </a:t>
+            </a:r>
+            <a:r>
+              <a:rPr lang="zh-TW" altLang="en-US"/>
+              <a:t>基本語法</a:t>
+            </a:r>
+          </a:p>
+        </p:txBody>
+      </p:sp>
+      <p:sp>
+        <p:nvSpPr>
+          <p:cNvPr id="3" name="內容版面配置區 2">
+            <a:extLst>
+              <a:ext uri="{FF2B5EF4-FFF2-40B4-BE49-F238E27FC236}">
+                <a16:creationId xmlns:a16="http://schemas.microsoft.com/office/drawing/2014/main" id="{CC451F0E-68A4-4C76-86EC-CCCCAA563157}"/>
+              </a:ext>
+            </a:extLst>
+          </p:cNvPr>
+          <p:cNvSpPr>
+            <a:spLocks noGrp="1"/>
+          </p:cNvSpPr>
+          <p:nvPr>
+            <p:ph idx="1"/>
+          </p:nvPr>
+        </p:nvSpPr>
+        <p:spPr/>
+        <p:txBody>
+          <a:bodyPr>
+            <a:normAutofit/>
+          </a:bodyPr>
+          <a:lstStyle/>
+          <a:p>
+            <a:pPr marL="0" indent="0">
+              <a:buNone/>
+            </a:pPr>
+            <a:endParaRPr lang="en-US" altLang="zh-TW" sz="2800"/>
+          </a:p>
+          <a:p>
+            <a:pPr marL="0" indent="0">
+              <a:buNone/>
+            </a:pPr>
+            <a:r>
+              <a:rPr lang="en-US" altLang="zh-TW" sz="2800"/>
+              <a:t>for </a:t>
+            </a:r>
+            <a:r>
+              <a:rPr lang="en-US" altLang="zh-TW" sz="2800">
+                <a:solidFill>
+                  <a:srgbClr val="FF0000"/>
+                </a:solidFill>
+              </a:rPr>
+              <a:t>elm</a:t>
+            </a:r>
+            <a:r>
+              <a:rPr lang="en-US" altLang="zh-TW" sz="2800"/>
+              <a:t> in </a:t>
+            </a:r>
+            <a:r>
+              <a:rPr lang="en-US" altLang="zh-TW" sz="2800">
+                <a:solidFill>
+                  <a:srgbClr val="FF0000"/>
+                </a:solidFill>
+              </a:rPr>
+              <a:t>[“12”, “23”, “34”]</a:t>
+            </a:r>
+            <a:r>
+              <a:rPr lang="en-US" altLang="zh-TW" sz="2800"/>
+              <a:t>:</a:t>
+            </a:r>
+          </a:p>
+          <a:p>
+            <a:pPr marL="0" indent="0">
+              <a:buNone/>
+            </a:pPr>
+            <a:r>
+              <a:rPr lang="en-US" altLang="zh-TW" sz="2800"/>
+              <a:t>	</a:t>
+            </a:r>
+            <a:r>
+              <a:rPr lang="en-US" altLang="zh-TW" sz="2800">
+                <a:solidFill>
+                  <a:srgbClr val="FF0000"/>
+                </a:solidFill>
+              </a:rPr>
+              <a:t>print(elm, end=“.”)</a:t>
+            </a:r>
+          </a:p>
+          <a:p>
+            <a:pPr marL="0" indent="0">
+              <a:buNone/>
+            </a:pPr>
+            <a:endParaRPr lang="en-US" altLang="zh-TW" sz="2800">
+              <a:solidFill>
+                <a:srgbClr val="FF0000"/>
+              </a:solidFill>
+            </a:endParaRPr>
+          </a:p>
+          <a:p>
+            <a:pPr marL="0" indent="0">
+              <a:buNone/>
+            </a:pPr>
+            <a:r>
+              <a:rPr lang="zh-TW" altLang="en-US" sz="2800"/>
+              <a:t>輸出：</a:t>
+            </a:r>
+            <a:endParaRPr lang="en-US" altLang="zh-TW" sz="2800"/>
+          </a:p>
+        </p:txBody>
+      </p:sp>
+    </p:spTree>
+    <p:extLst>
+      <p:ext uri="{BB962C8B-B14F-4D97-AF65-F5344CB8AC3E}">
+        <p14:creationId xmlns:p14="http://schemas.microsoft.com/office/powerpoint/2010/main" val="902170571"/>
+      </p:ext>
+    </p:extLst>
+  </p:cSld>
+  <p:clrMapOvr>
+    <a:masterClrMapping/>
+  </p:clrMapOvr>
+</p:sld>
+</file>
+
+<file path=ppt/slides/slide59.xml><?xml version="1.0" encoding="utf-8"?>
+<p:sld xmlns:a="http://schemas.openxmlformats.org/drawingml/2006/main" xmlns:r="http://schemas.openxmlformats.org/officeDocument/2006/relationships" xmlns:p="http://schemas.openxmlformats.org/presentationml/2006/main">
+  <p:cSld>
+    <p:spTree>
+      <p:nvGrpSpPr>
+        <p:cNvPr id="1" name=""/>
+        <p:cNvGrpSpPr/>
+        <p:nvPr/>
+      </p:nvGrpSpPr>
+      <p:grpSpPr>
+        <a:xfrm>
+          <a:off x="0" y="0"/>
+          <a:ext cx="0" cy="0"/>
+          <a:chOff x="0" y="0"/>
+          <a:chExt cx="0" cy="0"/>
+        </a:xfrm>
+      </p:grpSpPr>
+      <p:sp>
+        <p:nvSpPr>
+          <p:cNvPr id="2" name="標題 1">
+            <a:extLst>
+              <a:ext uri="{FF2B5EF4-FFF2-40B4-BE49-F238E27FC236}">
+                <a16:creationId xmlns:a16="http://schemas.microsoft.com/office/drawing/2014/main" id="{0E19F189-725C-49D8-85BE-205FC24458F3}"/>
+              </a:ext>
+            </a:extLst>
+          </p:cNvPr>
+          <p:cNvSpPr>
+            <a:spLocks noGrp="1"/>
+          </p:cNvSpPr>
+          <p:nvPr>
+            <p:ph type="title"/>
+          </p:nvPr>
+        </p:nvSpPr>
+        <p:spPr/>
+        <p:txBody>
+          <a:bodyPr/>
+          <a:lstStyle/>
+          <a:p>
+            <a:r>
+              <a:rPr lang="en-US" altLang="zh-TW"/>
+              <a:t>for </a:t>
+            </a:r>
+            <a:r>
+              <a:rPr lang="zh-TW" altLang="en-US"/>
+              <a:t>基本語法</a:t>
+            </a:r>
+          </a:p>
+        </p:txBody>
+      </p:sp>
+      <p:sp>
+        <p:nvSpPr>
+          <p:cNvPr id="3" name="內容版面配置區 2">
+            <a:extLst>
+              <a:ext uri="{FF2B5EF4-FFF2-40B4-BE49-F238E27FC236}">
+                <a16:creationId xmlns:a16="http://schemas.microsoft.com/office/drawing/2014/main" id="{CC451F0E-68A4-4C76-86EC-CCCCAA563157}"/>
+              </a:ext>
+            </a:extLst>
+          </p:cNvPr>
+          <p:cNvSpPr>
+            <a:spLocks noGrp="1"/>
+          </p:cNvSpPr>
+          <p:nvPr>
+            <p:ph idx="1"/>
+          </p:nvPr>
+        </p:nvSpPr>
+        <p:spPr/>
+        <p:txBody>
+          <a:bodyPr>
+            <a:normAutofit/>
+          </a:bodyPr>
+          <a:lstStyle/>
+          <a:p>
+            <a:pPr marL="0" indent="0">
+              <a:buNone/>
+            </a:pPr>
+            <a:endParaRPr lang="en-US" altLang="zh-TW" sz="2800"/>
+          </a:p>
+          <a:p>
+            <a:pPr marL="0" indent="0">
+              <a:buNone/>
+            </a:pPr>
+            <a:r>
+              <a:rPr lang="en-US" altLang="zh-TW" sz="2800"/>
+              <a:t>for </a:t>
+            </a:r>
+            <a:r>
+              <a:rPr lang="en-US" altLang="zh-TW" sz="2800">
+                <a:solidFill>
+                  <a:srgbClr val="FF0000"/>
+                </a:solidFill>
+              </a:rPr>
+              <a:t>elm</a:t>
+            </a:r>
+            <a:r>
+              <a:rPr lang="en-US" altLang="zh-TW" sz="2800"/>
+              <a:t> in </a:t>
+            </a:r>
+            <a:r>
+              <a:rPr lang="en-US" altLang="zh-TW" sz="2800">
+                <a:solidFill>
+                  <a:srgbClr val="FF0000"/>
+                </a:solidFill>
+              </a:rPr>
+              <a:t>[“12”, “23”, “34”]</a:t>
+            </a:r>
+            <a:r>
+              <a:rPr lang="en-US" altLang="zh-TW" sz="2800"/>
+              <a:t>:</a:t>
+            </a:r>
+          </a:p>
+          <a:p>
+            <a:pPr marL="0" indent="0">
+              <a:buNone/>
+            </a:pPr>
+            <a:r>
+              <a:rPr lang="en-US" altLang="zh-TW" sz="2800"/>
+              <a:t>	</a:t>
+            </a:r>
+            <a:r>
+              <a:rPr lang="en-US" altLang="zh-TW" sz="2800">
+                <a:solidFill>
+                  <a:srgbClr val="FF0000"/>
+                </a:solidFill>
+              </a:rPr>
+              <a:t>print(elm, end=“.”)</a:t>
+            </a:r>
+          </a:p>
+          <a:p>
+            <a:pPr marL="0" indent="0">
+              <a:buNone/>
+            </a:pPr>
+            <a:endParaRPr lang="en-US" altLang="zh-TW" sz="2800">
+              <a:solidFill>
+                <a:srgbClr val="FF0000"/>
+              </a:solidFill>
+            </a:endParaRPr>
+          </a:p>
+          <a:p>
+            <a:pPr marL="0" indent="0">
+              <a:buNone/>
+            </a:pPr>
+            <a:r>
+              <a:rPr lang="zh-TW" altLang="en-US" sz="2800"/>
+              <a:t>輸出：</a:t>
+            </a:r>
+            <a:endParaRPr lang="en-US" altLang="zh-TW" sz="2800"/>
+          </a:p>
+          <a:p>
+            <a:pPr marL="0" indent="0">
+              <a:buNone/>
+            </a:pPr>
+            <a:r>
+              <a:rPr lang="en-US" altLang="zh-TW" sz="2800">
+                <a:solidFill>
+                  <a:srgbClr val="0070C0"/>
+                </a:solidFill>
+              </a:rPr>
+              <a:t>12.</a:t>
+            </a:r>
+          </a:p>
+        </p:txBody>
+      </p:sp>
+    </p:spTree>
+    <p:extLst>
+      <p:ext uri="{BB962C8B-B14F-4D97-AF65-F5344CB8AC3E}">
+        <p14:creationId xmlns:p14="http://schemas.microsoft.com/office/powerpoint/2010/main" val="4188539050"/>
       </p:ext>
     </p:extLst>
   </p:cSld>
@@ -18006,6 +18766,761 @@
     <p:extLst>
       <p:ext uri="{BB962C8B-B14F-4D97-AF65-F5344CB8AC3E}">
         <p14:creationId xmlns:p14="http://schemas.microsoft.com/office/powerpoint/2010/main" val="4014695280"/>
+      </p:ext>
+    </p:extLst>
+  </p:cSld>
+  <p:clrMapOvr>
+    <a:masterClrMapping/>
+  </p:clrMapOvr>
+</p:sld>
+</file>
+
+<file path=ppt/slides/slide60.xml><?xml version="1.0" encoding="utf-8"?>
+<p:sld xmlns:a="http://schemas.openxmlformats.org/drawingml/2006/main" xmlns:r="http://schemas.openxmlformats.org/officeDocument/2006/relationships" xmlns:p="http://schemas.openxmlformats.org/presentationml/2006/main">
+  <p:cSld>
+    <p:spTree>
+      <p:nvGrpSpPr>
+        <p:cNvPr id="1" name=""/>
+        <p:cNvGrpSpPr/>
+        <p:nvPr/>
+      </p:nvGrpSpPr>
+      <p:grpSpPr>
+        <a:xfrm>
+          <a:off x="0" y="0"/>
+          <a:ext cx="0" cy="0"/>
+          <a:chOff x="0" y="0"/>
+          <a:chExt cx="0" cy="0"/>
+        </a:xfrm>
+      </p:grpSpPr>
+      <p:sp>
+        <p:nvSpPr>
+          <p:cNvPr id="2" name="標題 1">
+            <a:extLst>
+              <a:ext uri="{FF2B5EF4-FFF2-40B4-BE49-F238E27FC236}">
+                <a16:creationId xmlns:a16="http://schemas.microsoft.com/office/drawing/2014/main" id="{0E19F189-725C-49D8-85BE-205FC24458F3}"/>
+              </a:ext>
+            </a:extLst>
+          </p:cNvPr>
+          <p:cNvSpPr>
+            <a:spLocks noGrp="1"/>
+          </p:cNvSpPr>
+          <p:nvPr>
+            <p:ph type="title"/>
+          </p:nvPr>
+        </p:nvSpPr>
+        <p:spPr/>
+        <p:txBody>
+          <a:bodyPr/>
+          <a:lstStyle/>
+          <a:p>
+            <a:r>
+              <a:rPr lang="en-US" altLang="zh-TW"/>
+              <a:t>for </a:t>
+            </a:r>
+            <a:r>
+              <a:rPr lang="zh-TW" altLang="en-US"/>
+              <a:t>基本語法</a:t>
+            </a:r>
+          </a:p>
+        </p:txBody>
+      </p:sp>
+      <p:sp>
+        <p:nvSpPr>
+          <p:cNvPr id="3" name="內容版面配置區 2">
+            <a:extLst>
+              <a:ext uri="{FF2B5EF4-FFF2-40B4-BE49-F238E27FC236}">
+                <a16:creationId xmlns:a16="http://schemas.microsoft.com/office/drawing/2014/main" id="{CC451F0E-68A4-4C76-86EC-CCCCAA563157}"/>
+              </a:ext>
+            </a:extLst>
+          </p:cNvPr>
+          <p:cNvSpPr>
+            <a:spLocks noGrp="1"/>
+          </p:cNvSpPr>
+          <p:nvPr>
+            <p:ph idx="1"/>
+          </p:nvPr>
+        </p:nvSpPr>
+        <p:spPr/>
+        <p:txBody>
+          <a:bodyPr>
+            <a:normAutofit/>
+          </a:bodyPr>
+          <a:lstStyle/>
+          <a:p>
+            <a:pPr marL="0" indent="0">
+              <a:buNone/>
+            </a:pPr>
+            <a:endParaRPr lang="en-US" altLang="zh-TW" sz="2800"/>
+          </a:p>
+          <a:p>
+            <a:pPr marL="0" indent="0">
+              <a:buNone/>
+            </a:pPr>
+            <a:r>
+              <a:rPr lang="en-US" altLang="zh-TW" sz="2800"/>
+              <a:t>for </a:t>
+            </a:r>
+            <a:r>
+              <a:rPr lang="en-US" altLang="zh-TW" sz="2800">
+                <a:solidFill>
+                  <a:srgbClr val="FF0000"/>
+                </a:solidFill>
+              </a:rPr>
+              <a:t>elm</a:t>
+            </a:r>
+            <a:r>
+              <a:rPr lang="en-US" altLang="zh-TW" sz="2800"/>
+              <a:t> in </a:t>
+            </a:r>
+            <a:r>
+              <a:rPr lang="en-US" altLang="zh-TW" sz="2800">
+                <a:solidFill>
+                  <a:srgbClr val="FF0000"/>
+                </a:solidFill>
+              </a:rPr>
+              <a:t>[“12”, “23”, “34”]</a:t>
+            </a:r>
+            <a:r>
+              <a:rPr lang="en-US" altLang="zh-TW" sz="2800"/>
+              <a:t>:</a:t>
+            </a:r>
+          </a:p>
+          <a:p>
+            <a:pPr marL="0" indent="0">
+              <a:buNone/>
+            </a:pPr>
+            <a:r>
+              <a:rPr lang="en-US" altLang="zh-TW" sz="2800"/>
+              <a:t>	</a:t>
+            </a:r>
+            <a:r>
+              <a:rPr lang="en-US" altLang="zh-TW" sz="2800">
+                <a:solidFill>
+                  <a:srgbClr val="FF0000"/>
+                </a:solidFill>
+              </a:rPr>
+              <a:t>print(elm, end=“.”)</a:t>
+            </a:r>
+          </a:p>
+          <a:p>
+            <a:pPr marL="0" indent="0">
+              <a:buNone/>
+            </a:pPr>
+            <a:endParaRPr lang="en-US" altLang="zh-TW" sz="2800">
+              <a:solidFill>
+                <a:srgbClr val="FF0000"/>
+              </a:solidFill>
+            </a:endParaRPr>
+          </a:p>
+          <a:p>
+            <a:pPr marL="0" indent="0">
+              <a:buNone/>
+            </a:pPr>
+            <a:r>
+              <a:rPr lang="zh-TW" altLang="en-US" sz="2800"/>
+              <a:t>輸出：</a:t>
+            </a:r>
+            <a:endParaRPr lang="en-US" altLang="zh-TW" sz="2800"/>
+          </a:p>
+          <a:p>
+            <a:pPr marL="0" indent="0">
+              <a:buNone/>
+            </a:pPr>
+            <a:r>
+              <a:rPr lang="en-US" altLang="zh-TW" sz="2800"/>
+              <a:t>12.</a:t>
+            </a:r>
+            <a:r>
+              <a:rPr lang="en-US" altLang="zh-TW" sz="2800">
+                <a:solidFill>
+                  <a:srgbClr val="0070C0"/>
+                </a:solidFill>
+              </a:rPr>
+              <a:t>23.</a:t>
+            </a:r>
+          </a:p>
+        </p:txBody>
+      </p:sp>
+    </p:spTree>
+    <p:extLst>
+      <p:ext uri="{BB962C8B-B14F-4D97-AF65-F5344CB8AC3E}">
+        <p14:creationId xmlns:p14="http://schemas.microsoft.com/office/powerpoint/2010/main" val="1706977499"/>
+      </p:ext>
+    </p:extLst>
+  </p:cSld>
+  <p:clrMapOvr>
+    <a:masterClrMapping/>
+  </p:clrMapOvr>
+</p:sld>
+</file>
+
+<file path=ppt/slides/slide61.xml><?xml version="1.0" encoding="utf-8"?>
+<p:sld xmlns:a="http://schemas.openxmlformats.org/drawingml/2006/main" xmlns:r="http://schemas.openxmlformats.org/officeDocument/2006/relationships" xmlns:p="http://schemas.openxmlformats.org/presentationml/2006/main">
+  <p:cSld>
+    <p:spTree>
+      <p:nvGrpSpPr>
+        <p:cNvPr id="1" name=""/>
+        <p:cNvGrpSpPr/>
+        <p:nvPr/>
+      </p:nvGrpSpPr>
+      <p:grpSpPr>
+        <a:xfrm>
+          <a:off x="0" y="0"/>
+          <a:ext cx="0" cy="0"/>
+          <a:chOff x="0" y="0"/>
+          <a:chExt cx="0" cy="0"/>
+        </a:xfrm>
+      </p:grpSpPr>
+      <p:sp>
+        <p:nvSpPr>
+          <p:cNvPr id="2" name="標題 1">
+            <a:extLst>
+              <a:ext uri="{FF2B5EF4-FFF2-40B4-BE49-F238E27FC236}">
+                <a16:creationId xmlns:a16="http://schemas.microsoft.com/office/drawing/2014/main" id="{0E19F189-725C-49D8-85BE-205FC24458F3}"/>
+              </a:ext>
+            </a:extLst>
+          </p:cNvPr>
+          <p:cNvSpPr>
+            <a:spLocks noGrp="1"/>
+          </p:cNvSpPr>
+          <p:nvPr>
+            <p:ph type="title"/>
+          </p:nvPr>
+        </p:nvSpPr>
+        <p:spPr/>
+        <p:txBody>
+          <a:bodyPr/>
+          <a:lstStyle/>
+          <a:p>
+            <a:r>
+              <a:rPr lang="en-US" altLang="zh-TW"/>
+              <a:t>for </a:t>
+            </a:r>
+            <a:r>
+              <a:rPr lang="zh-TW" altLang="en-US"/>
+              <a:t>基本語法</a:t>
+            </a:r>
+          </a:p>
+        </p:txBody>
+      </p:sp>
+      <p:sp>
+        <p:nvSpPr>
+          <p:cNvPr id="3" name="內容版面配置區 2">
+            <a:extLst>
+              <a:ext uri="{FF2B5EF4-FFF2-40B4-BE49-F238E27FC236}">
+                <a16:creationId xmlns:a16="http://schemas.microsoft.com/office/drawing/2014/main" id="{CC451F0E-68A4-4C76-86EC-CCCCAA563157}"/>
+              </a:ext>
+            </a:extLst>
+          </p:cNvPr>
+          <p:cNvSpPr>
+            <a:spLocks noGrp="1"/>
+          </p:cNvSpPr>
+          <p:nvPr>
+            <p:ph idx="1"/>
+          </p:nvPr>
+        </p:nvSpPr>
+        <p:spPr/>
+        <p:txBody>
+          <a:bodyPr>
+            <a:normAutofit/>
+          </a:bodyPr>
+          <a:lstStyle/>
+          <a:p>
+            <a:pPr marL="0" indent="0">
+              <a:buNone/>
+            </a:pPr>
+            <a:endParaRPr lang="en-US" altLang="zh-TW" sz="2800"/>
+          </a:p>
+          <a:p>
+            <a:pPr marL="0" indent="0">
+              <a:buNone/>
+            </a:pPr>
+            <a:r>
+              <a:rPr lang="en-US" altLang="zh-TW" sz="2800"/>
+              <a:t>for </a:t>
+            </a:r>
+            <a:r>
+              <a:rPr lang="en-US" altLang="zh-TW" sz="2800">
+                <a:solidFill>
+                  <a:srgbClr val="FF0000"/>
+                </a:solidFill>
+              </a:rPr>
+              <a:t>elm</a:t>
+            </a:r>
+            <a:r>
+              <a:rPr lang="en-US" altLang="zh-TW" sz="2800"/>
+              <a:t> in </a:t>
+            </a:r>
+            <a:r>
+              <a:rPr lang="en-US" altLang="zh-TW" sz="2800">
+                <a:solidFill>
+                  <a:srgbClr val="FF0000"/>
+                </a:solidFill>
+              </a:rPr>
+              <a:t>[“12”, “23”, “34”]</a:t>
+            </a:r>
+            <a:r>
+              <a:rPr lang="en-US" altLang="zh-TW" sz="2800"/>
+              <a:t>:</a:t>
+            </a:r>
+          </a:p>
+          <a:p>
+            <a:pPr marL="0" indent="0">
+              <a:buNone/>
+            </a:pPr>
+            <a:r>
+              <a:rPr lang="en-US" altLang="zh-TW" sz="2800"/>
+              <a:t>	</a:t>
+            </a:r>
+            <a:r>
+              <a:rPr lang="en-US" altLang="zh-TW" sz="2800">
+                <a:solidFill>
+                  <a:srgbClr val="FF0000"/>
+                </a:solidFill>
+              </a:rPr>
+              <a:t>print(elm, end=“.”)</a:t>
+            </a:r>
+          </a:p>
+          <a:p>
+            <a:pPr marL="0" indent="0">
+              <a:buNone/>
+            </a:pPr>
+            <a:endParaRPr lang="en-US" altLang="zh-TW" sz="2800">
+              <a:solidFill>
+                <a:srgbClr val="FF0000"/>
+              </a:solidFill>
+            </a:endParaRPr>
+          </a:p>
+          <a:p>
+            <a:pPr marL="0" indent="0">
+              <a:buNone/>
+            </a:pPr>
+            <a:r>
+              <a:rPr lang="zh-TW" altLang="en-US" sz="2800"/>
+              <a:t>輸出：</a:t>
+            </a:r>
+            <a:endParaRPr lang="en-US" altLang="zh-TW" sz="2800"/>
+          </a:p>
+          <a:p>
+            <a:pPr marL="0" indent="0">
+              <a:buNone/>
+            </a:pPr>
+            <a:r>
+              <a:rPr lang="en-US" altLang="zh-TW" sz="2800"/>
+              <a:t>12.23.</a:t>
+            </a:r>
+            <a:r>
+              <a:rPr lang="en-US" altLang="zh-TW" sz="2800">
+                <a:solidFill>
+                  <a:srgbClr val="0070C0"/>
+                </a:solidFill>
+              </a:rPr>
+              <a:t>34.</a:t>
+            </a:r>
+          </a:p>
+        </p:txBody>
+      </p:sp>
+    </p:spTree>
+    <p:extLst>
+      <p:ext uri="{BB962C8B-B14F-4D97-AF65-F5344CB8AC3E}">
+        <p14:creationId xmlns:p14="http://schemas.microsoft.com/office/powerpoint/2010/main" val="3281765148"/>
+      </p:ext>
+    </p:extLst>
+  </p:cSld>
+  <p:clrMapOvr>
+    <a:masterClrMapping/>
+  </p:clrMapOvr>
+</p:sld>
+</file>
+
+<file path=ppt/slides/slide62.xml><?xml version="1.0" encoding="utf-8"?>
+<p:sld xmlns:a="http://schemas.openxmlformats.org/drawingml/2006/main" xmlns:r="http://schemas.openxmlformats.org/officeDocument/2006/relationships" xmlns:p="http://schemas.openxmlformats.org/presentationml/2006/main">
+  <p:cSld>
+    <p:spTree>
+      <p:nvGrpSpPr>
+        <p:cNvPr id="1" name=""/>
+        <p:cNvGrpSpPr/>
+        <p:nvPr/>
+      </p:nvGrpSpPr>
+      <p:grpSpPr>
+        <a:xfrm>
+          <a:off x="0" y="0"/>
+          <a:ext cx="0" cy="0"/>
+          <a:chOff x="0" y="0"/>
+          <a:chExt cx="0" cy="0"/>
+        </a:xfrm>
+      </p:grpSpPr>
+      <p:sp>
+        <p:nvSpPr>
+          <p:cNvPr id="2" name="標題 1">
+            <a:extLst>
+              <a:ext uri="{FF2B5EF4-FFF2-40B4-BE49-F238E27FC236}">
+                <a16:creationId xmlns:a16="http://schemas.microsoft.com/office/drawing/2014/main" id="{0E19F189-725C-49D8-85BE-205FC24458F3}"/>
+              </a:ext>
+            </a:extLst>
+          </p:cNvPr>
+          <p:cNvSpPr>
+            <a:spLocks noGrp="1"/>
+          </p:cNvSpPr>
+          <p:nvPr>
+            <p:ph type="title"/>
+          </p:nvPr>
+        </p:nvSpPr>
+        <p:spPr/>
+        <p:txBody>
+          <a:bodyPr/>
+          <a:lstStyle/>
+          <a:p>
+            <a:r>
+              <a:rPr lang="en-US" altLang="zh-TW"/>
+              <a:t>for </a:t>
+            </a:r>
+            <a:r>
+              <a:rPr lang="zh-TW" altLang="en-US"/>
+              <a:t>基本語法</a:t>
+            </a:r>
+          </a:p>
+        </p:txBody>
+      </p:sp>
+      <p:sp>
+        <p:nvSpPr>
+          <p:cNvPr id="3" name="內容版面配置區 2">
+            <a:extLst>
+              <a:ext uri="{FF2B5EF4-FFF2-40B4-BE49-F238E27FC236}">
+                <a16:creationId xmlns:a16="http://schemas.microsoft.com/office/drawing/2014/main" id="{CC451F0E-68A4-4C76-86EC-CCCCAA563157}"/>
+              </a:ext>
+            </a:extLst>
+          </p:cNvPr>
+          <p:cNvSpPr>
+            <a:spLocks noGrp="1"/>
+          </p:cNvSpPr>
+          <p:nvPr>
+            <p:ph idx="1"/>
+          </p:nvPr>
+        </p:nvSpPr>
+        <p:spPr/>
+        <p:txBody>
+          <a:bodyPr>
+            <a:normAutofit/>
+          </a:bodyPr>
+          <a:lstStyle/>
+          <a:p>
+            <a:pPr marL="0" indent="0">
+              <a:buNone/>
+            </a:pPr>
+            <a:endParaRPr lang="en-US" altLang="zh-TW" sz="2800"/>
+          </a:p>
+          <a:p>
+            <a:pPr marL="0" indent="0">
+              <a:buNone/>
+            </a:pPr>
+            <a:r>
+              <a:rPr lang="en-US" altLang="zh-TW" sz="2800"/>
+              <a:t>lst = [“1”, “2”, “3”, “4”]</a:t>
+            </a:r>
+          </a:p>
+          <a:p>
+            <a:pPr marL="0" indent="0">
+              <a:buNone/>
+            </a:pPr>
+            <a:r>
+              <a:rPr lang="en-US" altLang="zh-TW" sz="2800"/>
+              <a:t>for </a:t>
+            </a:r>
+            <a:r>
+              <a:rPr lang="en-US" altLang="zh-TW" sz="2800">
+                <a:solidFill>
+                  <a:srgbClr val="FF0000"/>
+                </a:solidFill>
+              </a:rPr>
+              <a:t>elm</a:t>
+            </a:r>
+            <a:r>
+              <a:rPr lang="en-US" altLang="zh-TW" sz="2800"/>
+              <a:t> in </a:t>
+            </a:r>
+            <a:r>
+              <a:rPr lang="en-US" altLang="zh-TW" sz="2800">
+                <a:solidFill>
+                  <a:srgbClr val="FF0000"/>
+                </a:solidFill>
+              </a:rPr>
+              <a:t>lst</a:t>
+            </a:r>
+            <a:r>
+              <a:rPr lang="en-US" altLang="zh-TW" sz="2800"/>
+              <a:t>:</a:t>
+            </a:r>
+          </a:p>
+          <a:p>
+            <a:pPr marL="0" indent="0">
+              <a:buNone/>
+            </a:pPr>
+            <a:r>
+              <a:rPr lang="en-US" altLang="zh-TW" sz="2800"/>
+              <a:t>	</a:t>
+            </a:r>
+            <a:r>
+              <a:rPr lang="en-US" altLang="zh-TW" sz="2800">
+                <a:solidFill>
+                  <a:srgbClr val="FF0000"/>
+                </a:solidFill>
+              </a:rPr>
+              <a:t>elm = int(elm)</a:t>
+            </a:r>
+          </a:p>
+          <a:p>
+            <a:pPr marL="0" indent="0">
+              <a:buNone/>
+            </a:pPr>
+            <a:endParaRPr lang="en-US" altLang="zh-TW" sz="2800">
+              <a:solidFill>
+                <a:srgbClr val="FF0000"/>
+              </a:solidFill>
+            </a:endParaRPr>
+          </a:p>
+          <a:p>
+            <a:pPr marL="0" indent="0">
+              <a:buNone/>
+            </a:pPr>
+            <a:r>
+              <a:rPr lang="en-US" altLang="zh-TW" sz="2800"/>
+              <a:t>lst </a:t>
+            </a:r>
+            <a:r>
+              <a:rPr lang="zh-TW" altLang="en-US" sz="2800"/>
+              <a:t>→ </a:t>
+            </a:r>
+            <a:r>
+              <a:rPr lang="en-US" altLang="zh-TW" sz="2800"/>
+              <a:t>[“1”, “2”, “3”, “4”]</a:t>
+            </a:r>
+            <a:endParaRPr lang="en-US" altLang="zh-TW" sz="2800">
+              <a:solidFill>
+                <a:srgbClr val="FF0000"/>
+              </a:solidFill>
+            </a:endParaRPr>
+          </a:p>
+        </p:txBody>
+      </p:sp>
+    </p:spTree>
+    <p:extLst>
+      <p:ext uri="{BB962C8B-B14F-4D97-AF65-F5344CB8AC3E}">
+        <p14:creationId xmlns:p14="http://schemas.microsoft.com/office/powerpoint/2010/main" val="6988592"/>
+      </p:ext>
+    </p:extLst>
+  </p:cSld>
+  <p:clrMapOvr>
+    <a:masterClrMapping/>
+  </p:clrMapOvr>
+</p:sld>
+</file>
+
+<file path=ppt/slides/slide63.xml><?xml version="1.0" encoding="utf-8"?>
+<p:sld xmlns:a="http://schemas.openxmlformats.org/drawingml/2006/main" xmlns:r="http://schemas.openxmlformats.org/officeDocument/2006/relationships" xmlns:p="http://schemas.openxmlformats.org/presentationml/2006/main">
+  <p:cSld>
+    <p:spTree>
+      <p:nvGrpSpPr>
+        <p:cNvPr id="1" name=""/>
+        <p:cNvGrpSpPr/>
+        <p:nvPr/>
+      </p:nvGrpSpPr>
+      <p:grpSpPr>
+        <a:xfrm>
+          <a:off x="0" y="0"/>
+          <a:ext cx="0" cy="0"/>
+          <a:chOff x="0" y="0"/>
+          <a:chExt cx="0" cy="0"/>
+        </a:xfrm>
+      </p:grpSpPr>
+      <p:sp>
+        <p:nvSpPr>
+          <p:cNvPr id="2" name="標題 1">
+            <a:extLst>
+              <a:ext uri="{FF2B5EF4-FFF2-40B4-BE49-F238E27FC236}">
+                <a16:creationId xmlns:a16="http://schemas.microsoft.com/office/drawing/2014/main" id="{0E19F189-725C-49D8-85BE-205FC24458F3}"/>
+              </a:ext>
+            </a:extLst>
+          </p:cNvPr>
+          <p:cNvSpPr>
+            <a:spLocks noGrp="1"/>
+          </p:cNvSpPr>
+          <p:nvPr>
+            <p:ph type="title"/>
+          </p:nvPr>
+        </p:nvSpPr>
+        <p:spPr/>
+        <p:txBody>
+          <a:bodyPr/>
+          <a:lstStyle/>
+          <a:p>
+            <a:r>
+              <a:rPr lang="en-US" altLang="zh-TW"/>
+              <a:t>for </a:t>
+            </a:r>
+            <a:r>
+              <a:rPr lang="zh-TW" altLang="en-US"/>
+              <a:t>基本語法</a:t>
+            </a:r>
+          </a:p>
+        </p:txBody>
+      </p:sp>
+      <p:sp>
+        <p:nvSpPr>
+          <p:cNvPr id="3" name="內容版面配置區 2">
+            <a:extLst>
+              <a:ext uri="{FF2B5EF4-FFF2-40B4-BE49-F238E27FC236}">
+                <a16:creationId xmlns:a16="http://schemas.microsoft.com/office/drawing/2014/main" id="{CC451F0E-68A4-4C76-86EC-CCCCAA563157}"/>
+              </a:ext>
+            </a:extLst>
+          </p:cNvPr>
+          <p:cNvSpPr>
+            <a:spLocks noGrp="1"/>
+          </p:cNvSpPr>
+          <p:nvPr>
+            <p:ph idx="1"/>
+          </p:nvPr>
+        </p:nvSpPr>
+        <p:spPr/>
+        <p:txBody>
+          <a:bodyPr>
+            <a:normAutofit/>
+          </a:bodyPr>
+          <a:lstStyle/>
+          <a:p>
+            <a:pPr marL="0" indent="0">
+              <a:buNone/>
+            </a:pPr>
+            <a:r>
+              <a:rPr lang="en-US" altLang="zh-TW" sz="2800">
+                <a:solidFill>
+                  <a:srgbClr val="FF0000"/>
+                </a:solidFill>
+              </a:rPr>
+              <a:t>result = []</a:t>
+            </a:r>
+          </a:p>
+          <a:p>
+            <a:pPr marL="0" indent="0">
+              <a:buNone/>
+            </a:pPr>
+            <a:r>
+              <a:rPr lang="en-US" altLang="zh-TW" sz="2800"/>
+              <a:t>lst = [“1”, “2”, “3”, “4”]</a:t>
+            </a:r>
+          </a:p>
+          <a:p>
+            <a:pPr marL="0" indent="0">
+              <a:buNone/>
+            </a:pPr>
+            <a:r>
+              <a:rPr lang="en-US" altLang="zh-TW" sz="2800"/>
+              <a:t>for </a:t>
+            </a:r>
+            <a:r>
+              <a:rPr lang="en-US" altLang="zh-TW" sz="2800">
+                <a:solidFill>
+                  <a:srgbClr val="FF0000"/>
+                </a:solidFill>
+              </a:rPr>
+              <a:t>elm</a:t>
+            </a:r>
+            <a:r>
+              <a:rPr lang="en-US" altLang="zh-TW" sz="2800"/>
+              <a:t> in </a:t>
+            </a:r>
+            <a:r>
+              <a:rPr lang="en-US" altLang="zh-TW" sz="2800">
+                <a:solidFill>
+                  <a:srgbClr val="FF0000"/>
+                </a:solidFill>
+              </a:rPr>
+              <a:t>lst</a:t>
+            </a:r>
+            <a:r>
+              <a:rPr lang="en-US" altLang="zh-TW" sz="2800"/>
+              <a:t>:</a:t>
+            </a:r>
+          </a:p>
+          <a:p>
+            <a:pPr marL="0" indent="0">
+              <a:buNone/>
+            </a:pPr>
+            <a:r>
+              <a:rPr lang="en-US" altLang="zh-TW" sz="2800"/>
+              <a:t>	</a:t>
+            </a:r>
+            <a:r>
+              <a:rPr lang="en-US" altLang="zh-TW" sz="2800">
+                <a:solidFill>
+                  <a:srgbClr val="FF0000"/>
+                </a:solidFill>
+              </a:rPr>
+              <a:t>result.append(int(elm))</a:t>
+            </a:r>
+          </a:p>
+          <a:p>
+            <a:pPr marL="0" indent="0">
+              <a:buNone/>
+            </a:pPr>
+            <a:endParaRPr lang="en-US" altLang="zh-TW" sz="2800">
+              <a:solidFill>
+                <a:srgbClr val="FF0000"/>
+              </a:solidFill>
+            </a:endParaRPr>
+          </a:p>
+          <a:p>
+            <a:pPr marL="0" indent="0">
+              <a:buNone/>
+            </a:pPr>
+            <a:r>
+              <a:rPr lang="en-US" altLang="zh-TW" sz="2800"/>
+              <a:t>lst </a:t>
+            </a:r>
+            <a:r>
+              <a:rPr lang="zh-TW" altLang="en-US" sz="2800"/>
+              <a:t>→ </a:t>
+            </a:r>
+            <a:r>
+              <a:rPr lang="en-US" altLang="zh-TW" sz="2800"/>
+              <a:t>[“1”, “2”, “3”, “4”]</a:t>
+            </a:r>
+          </a:p>
+          <a:p>
+            <a:pPr marL="0" indent="0">
+              <a:buNone/>
+            </a:pPr>
+            <a:r>
+              <a:rPr lang="en-US" altLang="zh-TW" sz="2800">
+                <a:solidFill>
+                  <a:srgbClr val="FF0000"/>
+                </a:solidFill>
+              </a:rPr>
+              <a:t>result </a:t>
+            </a:r>
+            <a:r>
+              <a:rPr lang="zh-TW" altLang="en-US" sz="2800">
+                <a:solidFill>
+                  <a:srgbClr val="FF0000"/>
+                </a:solidFill>
+              </a:rPr>
+              <a:t>→ </a:t>
+            </a:r>
+            <a:r>
+              <a:rPr lang="en-US" altLang="zh-TW" sz="2800">
+                <a:solidFill>
+                  <a:srgbClr val="FF0000"/>
+                </a:solidFill>
+              </a:rPr>
+              <a:t>[1, 2, 3, 4]</a:t>
+            </a:r>
+          </a:p>
+        </p:txBody>
+      </p:sp>
+    </p:spTree>
+    <p:extLst>
+      <p:ext uri="{BB962C8B-B14F-4D97-AF65-F5344CB8AC3E}">
+        <p14:creationId xmlns:p14="http://schemas.microsoft.com/office/powerpoint/2010/main" val="1640023585"/>
       </p:ext>
     </p:extLst>
   </p:cSld>
